--- a/Day-10_Logistic Regression & Discriminant Analsysis/Discriminant Analysis/Discriminant Analysis...pptx
+++ b/Day-10_Logistic Regression & Discriminant Analsysis/Discriminant Analysis/Discriminant Analysis...pptx
@@ -120,6 +120,22 @@
       </a:defRPr>
     </a:lvl9pPr>
   </p:defaultTextStyle>
+  <p:extLst>
+    <p:ext uri="{EFAFB233-063F-42B5-8137-9DF3F51BA10A}">
+      <p15:sldGuideLst xmlns:p15="http://schemas.microsoft.com/office/powerpoint/2012/main">
+        <p15:guide id="1" orient="horz" pos="2160">
+          <p15:clr>
+            <a:srgbClr val="A4A3A4"/>
+          </p15:clr>
+        </p15:guide>
+        <p15:guide id="2" pos="3840">
+          <p15:clr>
+            <a:srgbClr val="A4A3A4"/>
+          </p15:clr>
+        </p15:guide>
+      </p15:sldGuideLst>
+    </p:ext>
+  </p:extLst>
 </p:presentation>
 </file>
 
@@ -161,10 +177,9 @@
           <a:lstStyle/>
           <a:p>
             <a:r>
-              <a:rPr lang="en-US" smtClean="0"/>
+              <a:rPr lang="en-US"/>
               <a:t>Click to edit Master title style</a:t>
             </a:r>
-            <a:endParaRPr lang="en-US"/>
           </a:p>
         </p:txBody>
       </p:sp>
@@ -280,10 +295,9 @@
           </a:lstStyle>
           <a:p>
             <a:r>
-              <a:rPr lang="en-US" smtClean="0"/>
+              <a:rPr lang="en-US"/>
               <a:t>Click to edit Master subtitle style</a:t>
             </a:r>
-            <a:endParaRPr lang="en-US"/>
           </a:p>
         </p:txBody>
       </p:sp>
@@ -305,7 +319,7 @@
             <a:fld id="{969F6991-1ECE-46FD-8E97-7BBCAABC4CAA}" type="datetimeFigureOut">
               <a:rPr lang="en-US" smtClean="0"/>
               <a:pPr/>
-              <a:t>7/17/2020</a:t>
+              <a:t>5/3/2024</a:t>
             </a:fld>
             <a:endParaRPr lang="en-US"/>
           </a:p>
@@ -395,10 +409,9 @@
           <a:lstStyle/>
           <a:p>
             <a:r>
-              <a:rPr lang="en-US" smtClean="0"/>
+              <a:rPr lang="en-US"/>
               <a:t>Click to edit Master title style</a:t>
             </a:r>
-            <a:endParaRPr lang="en-US"/>
           </a:p>
         </p:txBody>
       </p:sp>
@@ -419,38 +432,37 @@
           <a:p>
             <a:pPr lvl="0"/>
             <a:r>
-              <a:rPr lang="en-US" smtClean="0"/>
+              <a:rPr lang="en-US"/>
               <a:t>Click to edit Master text styles</a:t>
             </a:r>
           </a:p>
           <a:p>
             <a:pPr lvl="1"/>
             <a:r>
-              <a:rPr lang="en-US" smtClean="0"/>
+              <a:rPr lang="en-US"/>
               <a:t>Second level</a:t>
             </a:r>
           </a:p>
           <a:p>
             <a:pPr lvl="2"/>
             <a:r>
-              <a:rPr lang="en-US" smtClean="0"/>
+              <a:rPr lang="en-US"/>
               <a:t>Third level</a:t>
             </a:r>
           </a:p>
           <a:p>
             <a:pPr lvl="3"/>
             <a:r>
-              <a:rPr lang="en-US" smtClean="0"/>
+              <a:rPr lang="en-US"/>
               <a:t>Fourth level</a:t>
             </a:r>
           </a:p>
           <a:p>
             <a:pPr lvl="4"/>
             <a:r>
-              <a:rPr lang="en-US" smtClean="0"/>
+              <a:rPr lang="en-US"/>
               <a:t>Fifth level</a:t>
             </a:r>
-            <a:endParaRPr lang="en-US"/>
           </a:p>
         </p:txBody>
       </p:sp>
@@ -472,7 +484,7 @@
             <a:fld id="{969F6991-1ECE-46FD-8E97-7BBCAABC4CAA}" type="datetimeFigureOut">
               <a:rPr lang="en-US" smtClean="0"/>
               <a:pPr/>
-              <a:t>7/17/2020</a:t>
+              <a:t>5/3/2024</a:t>
             </a:fld>
             <a:endParaRPr lang="en-US"/>
           </a:p>
@@ -567,10 +579,9 @@
           <a:lstStyle/>
           <a:p>
             <a:r>
-              <a:rPr lang="en-US" smtClean="0"/>
+              <a:rPr lang="en-US"/>
               <a:t>Click to edit Master title style</a:t>
             </a:r>
-            <a:endParaRPr lang="en-US"/>
           </a:p>
         </p:txBody>
       </p:sp>
@@ -596,38 +607,37 @@
           <a:p>
             <a:pPr lvl="0"/>
             <a:r>
-              <a:rPr lang="en-US" smtClean="0"/>
+              <a:rPr lang="en-US"/>
               <a:t>Click to edit Master text styles</a:t>
             </a:r>
           </a:p>
           <a:p>
             <a:pPr lvl="1"/>
             <a:r>
-              <a:rPr lang="en-US" smtClean="0"/>
+              <a:rPr lang="en-US"/>
               <a:t>Second level</a:t>
             </a:r>
           </a:p>
           <a:p>
             <a:pPr lvl="2"/>
             <a:r>
-              <a:rPr lang="en-US" smtClean="0"/>
+              <a:rPr lang="en-US"/>
               <a:t>Third level</a:t>
             </a:r>
           </a:p>
           <a:p>
             <a:pPr lvl="3"/>
             <a:r>
-              <a:rPr lang="en-US" smtClean="0"/>
+              <a:rPr lang="en-US"/>
               <a:t>Fourth level</a:t>
             </a:r>
           </a:p>
           <a:p>
             <a:pPr lvl="4"/>
             <a:r>
-              <a:rPr lang="en-US" smtClean="0"/>
+              <a:rPr lang="en-US"/>
               <a:t>Fifth level</a:t>
             </a:r>
-            <a:endParaRPr lang="en-US"/>
           </a:p>
         </p:txBody>
       </p:sp>
@@ -649,7 +659,7 @@
             <a:fld id="{969F6991-1ECE-46FD-8E97-7BBCAABC4CAA}" type="datetimeFigureOut">
               <a:rPr lang="en-US" smtClean="0"/>
               <a:pPr/>
-              <a:t>7/17/2020</a:t>
+              <a:t>5/3/2024</a:t>
             </a:fld>
             <a:endParaRPr lang="en-US"/>
           </a:p>
@@ -739,10 +749,9 @@
           <a:lstStyle/>
           <a:p>
             <a:r>
-              <a:rPr lang="en-US" smtClean="0"/>
+              <a:rPr lang="en-US"/>
               <a:t>Click to edit Master title style</a:t>
             </a:r>
-            <a:endParaRPr lang="en-US"/>
           </a:p>
         </p:txBody>
       </p:sp>
@@ -763,38 +772,37 @@
           <a:p>
             <a:pPr lvl="0"/>
             <a:r>
-              <a:rPr lang="en-US" smtClean="0"/>
+              <a:rPr lang="en-US"/>
               <a:t>Click to edit Master text styles</a:t>
             </a:r>
           </a:p>
           <a:p>
             <a:pPr lvl="1"/>
             <a:r>
-              <a:rPr lang="en-US" smtClean="0"/>
+              <a:rPr lang="en-US"/>
               <a:t>Second level</a:t>
             </a:r>
           </a:p>
           <a:p>
             <a:pPr lvl="2"/>
             <a:r>
-              <a:rPr lang="en-US" smtClean="0"/>
+              <a:rPr lang="en-US"/>
               <a:t>Third level</a:t>
             </a:r>
           </a:p>
           <a:p>
             <a:pPr lvl="3"/>
             <a:r>
-              <a:rPr lang="en-US" smtClean="0"/>
+              <a:rPr lang="en-US"/>
               <a:t>Fourth level</a:t>
             </a:r>
           </a:p>
           <a:p>
             <a:pPr lvl="4"/>
             <a:r>
-              <a:rPr lang="en-US" smtClean="0"/>
+              <a:rPr lang="en-US"/>
               <a:t>Fifth level</a:t>
             </a:r>
-            <a:endParaRPr lang="en-US"/>
           </a:p>
         </p:txBody>
       </p:sp>
@@ -816,7 +824,7 @@
             <a:fld id="{969F6991-1ECE-46FD-8E97-7BBCAABC4CAA}" type="datetimeFigureOut">
               <a:rPr lang="en-US" smtClean="0"/>
               <a:pPr/>
-              <a:t>7/17/2020</a:t>
+              <a:t>5/3/2024</a:t>
             </a:fld>
             <a:endParaRPr lang="en-US"/>
           </a:p>
@@ -915,10 +923,9 @@
           </a:lstStyle>
           <a:p>
             <a:r>
-              <a:rPr lang="en-US" smtClean="0"/>
+              <a:rPr lang="en-US"/>
               <a:t>Click to edit Master title style</a:t>
             </a:r>
-            <a:endParaRPr lang="en-US"/>
           </a:p>
         </p:txBody>
       </p:sp>
@@ -1035,7 +1042,7 @@
           <a:p>
             <a:pPr lvl="0"/>
             <a:r>
-              <a:rPr lang="en-US" smtClean="0"/>
+              <a:rPr lang="en-US"/>
               <a:t>Click to edit Master text styles</a:t>
             </a:r>
           </a:p>
@@ -1059,7 +1066,7 @@
             <a:fld id="{969F6991-1ECE-46FD-8E97-7BBCAABC4CAA}" type="datetimeFigureOut">
               <a:rPr lang="en-US" smtClean="0"/>
               <a:pPr/>
-              <a:t>7/17/2020</a:t>
+              <a:t>5/3/2024</a:t>
             </a:fld>
             <a:endParaRPr lang="en-US"/>
           </a:p>
@@ -1149,10 +1156,9 @@
           <a:lstStyle/>
           <a:p>
             <a:r>
-              <a:rPr lang="en-US" smtClean="0"/>
+              <a:rPr lang="en-US"/>
               <a:t>Click to edit Master title style</a:t>
             </a:r>
-            <a:endParaRPr lang="en-US"/>
           </a:p>
         </p:txBody>
       </p:sp>
@@ -1206,38 +1212,37 @@
           <a:p>
             <a:pPr lvl="0"/>
             <a:r>
-              <a:rPr lang="en-US" smtClean="0"/>
+              <a:rPr lang="en-US"/>
               <a:t>Click to edit Master text styles</a:t>
             </a:r>
           </a:p>
           <a:p>
             <a:pPr lvl="1"/>
             <a:r>
-              <a:rPr lang="en-US" smtClean="0"/>
+              <a:rPr lang="en-US"/>
               <a:t>Second level</a:t>
             </a:r>
           </a:p>
           <a:p>
             <a:pPr lvl="2"/>
             <a:r>
-              <a:rPr lang="en-US" smtClean="0"/>
+              <a:rPr lang="en-US"/>
               <a:t>Third level</a:t>
             </a:r>
           </a:p>
           <a:p>
             <a:pPr lvl="3"/>
             <a:r>
-              <a:rPr lang="en-US" smtClean="0"/>
+              <a:rPr lang="en-US"/>
               <a:t>Fourth level</a:t>
             </a:r>
           </a:p>
           <a:p>
             <a:pPr lvl="4"/>
             <a:r>
-              <a:rPr lang="en-US" smtClean="0"/>
+              <a:rPr lang="en-US"/>
               <a:t>Fifth level</a:t>
             </a:r>
-            <a:endParaRPr lang="en-US"/>
           </a:p>
         </p:txBody>
       </p:sp>
@@ -1291,38 +1296,37 @@
           <a:p>
             <a:pPr lvl="0"/>
             <a:r>
-              <a:rPr lang="en-US" smtClean="0"/>
+              <a:rPr lang="en-US"/>
               <a:t>Click to edit Master text styles</a:t>
             </a:r>
           </a:p>
           <a:p>
             <a:pPr lvl="1"/>
             <a:r>
-              <a:rPr lang="en-US" smtClean="0"/>
+              <a:rPr lang="en-US"/>
               <a:t>Second level</a:t>
             </a:r>
           </a:p>
           <a:p>
             <a:pPr lvl="2"/>
             <a:r>
-              <a:rPr lang="en-US" smtClean="0"/>
+              <a:rPr lang="en-US"/>
               <a:t>Third level</a:t>
             </a:r>
           </a:p>
           <a:p>
             <a:pPr lvl="3"/>
             <a:r>
-              <a:rPr lang="en-US" smtClean="0"/>
+              <a:rPr lang="en-US"/>
               <a:t>Fourth level</a:t>
             </a:r>
           </a:p>
           <a:p>
             <a:pPr lvl="4"/>
             <a:r>
-              <a:rPr lang="en-US" smtClean="0"/>
+              <a:rPr lang="en-US"/>
               <a:t>Fifth level</a:t>
             </a:r>
-            <a:endParaRPr lang="en-US"/>
           </a:p>
         </p:txBody>
       </p:sp>
@@ -1344,7 +1348,7 @@
             <a:fld id="{969F6991-1ECE-46FD-8E97-7BBCAABC4CAA}" type="datetimeFigureOut">
               <a:rPr lang="en-US" smtClean="0"/>
               <a:pPr/>
-              <a:t>7/17/2020</a:t>
+              <a:t>5/3/2024</a:t>
             </a:fld>
             <a:endParaRPr lang="en-US"/>
           </a:p>
@@ -1443,10 +1447,9 @@
           </a:lstStyle>
           <a:p>
             <a:r>
-              <a:rPr lang="en-US" smtClean="0"/>
+              <a:rPr lang="en-US"/>
               <a:t>Click to edit Master title style</a:t>
             </a:r>
-            <a:endParaRPr lang="en-US"/>
           </a:p>
         </p:txBody>
       </p:sp>
@@ -1509,7 +1512,7 @@
           <a:p>
             <a:pPr lvl="0"/>
             <a:r>
-              <a:rPr lang="en-US" smtClean="0"/>
+              <a:rPr lang="en-US"/>
               <a:t>Click to edit Master text styles</a:t>
             </a:r>
           </a:p>
@@ -1565,38 +1568,37 @@
           <a:p>
             <a:pPr lvl="0"/>
             <a:r>
-              <a:rPr lang="en-US" smtClean="0"/>
+              <a:rPr lang="en-US"/>
               <a:t>Click to edit Master text styles</a:t>
             </a:r>
           </a:p>
           <a:p>
             <a:pPr lvl="1"/>
             <a:r>
-              <a:rPr lang="en-US" smtClean="0"/>
+              <a:rPr lang="en-US"/>
               <a:t>Second level</a:t>
             </a:r>
           </a:p>
           <a:p>
             <a:pPr lvl="2"/>
             <a:r>
-              <a:rPr lang="en-US" smtClean="0"/>
+              <a:rPr lang="en-US"/>
               <a:t>Third level</a:t>
             </a:r>
           </a:p>
           <a:p>
             <a:pPr lvl="3"/>
             <a:r>
-              <a:rPr lang="en-US" smtClean="0"/>
+              <a:rPr lang="en-US"/>
               <a:t>Fourth level</a:t>
             </a:r>
           </a:p>
           <a:p>
             <a:pPr lvl="4"/>
             <a:r>
-              <a:rPr lang="en-US" smtClean="0"/>
+              <a:rPr lang="en-US"/>
               <a:t>Fifth level</a:t>
             </a:r>
-            <a:endParaRPr lang="en-US"/>
           </a:p>
         </p:txBody>
       </p:sp>
@@ -1659,7 +1661,7 @@
           <a:p>
             <a:pPr lvl="0"/>
             <a:r>
-              <a:rPr lang="en-US" smtClean="0"/>
+              <a:rPr lang="en-US"/>
               <a:t>Click to edit Master text styles</a:t>
             </a:r>
           </a:p>
@@ -1715,38 +1717,37 @@
           <a:p>
             <a:pPr lvl="0"/>
             <a:r>
-              <a:rPr lang="en-US" smtClean="0"/>
+              <a:rPr lang="en-US"/>
               <a:t>Click to edit Master text styles</a:t>
             </a:r>
           </a:p>
           <a:p>
             <a:pPr lvl="1"/>
             <a:r>
-              <a:rPr lang="en-US" smtClean="0"/>
+              <a:rPr lang="en-US"/>
               <a:t>Second level</a:t>
             </a:r>
           </a:p>
           <a:p>
             <a:pPr lvl="2"/>
             <a:r>
-              <a:rPr lang="en-US" smtClean="0"/>
+              <a:rPr lang="en-US"/>
               <a:t>Third level</a:t>
             </a:r>
           </a:p>
           <a:p>
             <a:pPr lvl="3"/>
             <a:r>
-              <a:rPr lang="en-US" smtClean="0"/>
+              <a:rPr lang="en-US"/>
               <a:t>Fourth level</a:t>
             </a:r>
           </a:p>
           <a:p>
             <a:pPr lvl="4"/>
             <a:r>
-              <a:rPr lang="en-US" smtClean="0"/>
+              <a:rPr lang="en-US"/>
               <a:t>Fifth level</a:t>
             </a:r>
-            <a:endParaRPr lang="en-US"/>
           </a:p>
         </p:txBody>
       </p:sp>
@@ -1768,7 +1769,7 @@
             <a:fld id="{969F6991-1ECE-46FD-8E97-7BBCAABC4CAA}" type="datetimeFigureOut">
               <a:rPr lang="en-US" smtClean="0"/>
               <a:pPr/>
-              <a:t>7/17/2020</a:t>
+              <a:t>5/3/2024</a:t>
             </a:fld>
             <a:endParaRPr lang="en-US"/>
           </a:p>
@@ -1858,10 +1859,9 @@
           <a:lstStyle/>
           <a:p>
             <a:r>
-              <a:rPr lang="en-US" smtClean="0"/>
+              <a:rPr lang="en-US"/>
               <a:t>Click to edit Master title style</a:t>
             </a:r>
-            <a:endParaRPr lang="en-US"/>
           </a:p>
         </p:txBody>
       </p:sp>
@@ -1883,7 +1883,7 @@
             <a:fld id="{969F6991-1ECE-46FD-8E97-7BBCAABC4CAA}" type="datetimeFigureOut">
               <a:rPr lang="en-US" smtClean="0"/>
               <a:pPr/>
-              <a:t>7/17/2020</a:t>
+              <a:t>5/3/2024</a:t>
             </a:fld>
             <a:endParaRPr lang="en-US"/>
           </a:p>
@@ -1975,7 +1975,7 @@
             <a:fld id="{969F6991-1ECE-46FD-8E97-7BBCAABC4CAA}" type="datetimeFigureOut">
               <a:rPr lang="en-US" smtClean="0"/>
               <a:pPr/>
-              <a:t>7/17/2020</a:t>
+              <a:t>5/3/2024</a:t>
             </a:fld>
             <a:endParaRPr lang="en-US"/>
           </a:p>
@@ -2074,10 +2074,9 @@
           </a:lstStyle>
           <a:p>
             <a:r>
-              <a:rPr lang="en-US" smtClean="0"/>
+              <a:rPr lang="en-US"/>
               <a:t>Click to edit Master title style</a:t>
             </a:r>
-            <a:endParaRPr lang="en-US"/>
           </a:p>
         </p:txBody>
       </p:sp>
@@ -2131,38 +2130,37 @@
           <a:p>
             <a:pPr lvl="0"/>
             <a:r>
-              <a:rPr lang="en-US" smtClean="0"/>
+              <a:rPr lang="en-US"/>
               <a:t>Click to edit Master text styles</a:t>
             </a:r>
           </a:p>
           <a:p>
             <a:pPr lvl="1"/>
             <a:r>
-              <a:rPr lang="en-US" smtClean="0"/>
+              <a:rPr lang="en-US"/>
               <a:t>Second level</a:t>
             </a:r>
           </a:p>
           <a:p>
             <a:pPr lvl="2"/>
             <a:r>
-              <a:rPr lang="en-US" smtClean="0"/>
+              <a:rPr lang="en-US"/>
               <a:t>Third level</a:t>
             </a:r>
           </a:p>
           <a:p>
             <a:pPr lvl="3"/>
             <a:r>
-              <a:rPr lang="en-US" smtClean="0"/>
+              <a:rPr lang="en-US"/>
               <a:t>Fourth level</a:t>
             </a:r>
           </a:p>
           <a:p>
             <a:pPr lvl="4"/>
             <a:r>
-              <a:rPr lang="en-US" smtClean="0"/>
+              <a:rPr lang="en-US"/>
               <a:t>Fifth level</a:t>
             </a:r>
-            <a:endParaRPr lang="en-US"/>
           </a:p>
         </p:txBody>
       </p:sp>
@@ -2225,7 +2223,7 @@
           <a:p>
             <a:pPr lvl="0"/>
             <a:r>
-              <a:rPr lang="en-US" smtClean="0"/>
+              <a:rPr lang="en-US"/>
               <a:t>Click to edit Master text styles</a:t>
             </a:r>
           </a:p>
@@ -2249,7 +2247,7 @@
             <a:fld id="{969F6991-1ECE-46FD-8E97-7BBCAABC4CAA}" type="datetimeFigureOut">
               <a:rPr lang="en-US" smtClean="0"/>
               <a:pPr/>
-              <a:t>7/17/2020</a:t>
+              <a:t>5/3/2024</a:t>
             </a:fld>
             <a:endParaRPr lang="en-US"/>
           </a:p>
@@ -2348,10 +2346,9 @@
           </a:lstStyle>
           <a:p>
             <a:r>
-              <a:rPr lang="en-US" smtClean="0"/>
+              <a:rPr lang="en-US"/>
               <a:t>Click to edit Master title style</a:t>
             </a:r>
-            <a:endParaRPr lang="en-US"/>
           </a:p>
         </p:txBody>
       </p:sp>
@@ -2475,7 +2472,7 @@
           <a:p>
             <a:pPr lvl="0"/>
             <a:r>
-              <a:rPr lang="en-US" smtClean="0"/>
+              <a:rPr lang="en-US"/>
               <a:t>Click to edit Master text styles</a:t>
             </a:r>
           </a:p>
@@ -2499,7 +2496,7 @@
             <a:fld id="{969F6991-1ECE-46FD-8E97-7BBCAABC4CAA}" type="datetimeFigureOut">
               <a:rPr lang="en-US" smtClean="0"/>
               <a:pPr/>
-              <a:t>7/17/2020</a:t>
+              <a:t>5/3/2024</a:t>
             </a:fld>
             <a:endParaRPr lang="en-US"/>
           </a:p>
@@ -2604,10 +2601,9 @@
           <a:lstStyle/>
           <a:p>
             <a:r>
-              <a:rPr lang="en-US" smtClean="0"/>
+              <a:rPr lang="en-US"/>
               <a:t>Click to edit Master title style</a:t>
             </a:r>
-            <a:endParaRPr lang="en-US"/>
           </a:p>
         </p:txBody>
       </p:sp>
@@ -2638,38 +2634,37 @@
           <a:p>
             <a:pPr lvl="0"/>
             <a:r>
-              <a:rPr lang="en-US" smtClean="0"/>
+              <a:rPr lang="en-US"/>
               <a:t>Click to edit Master text styles</a:t>
             </a:r>
           </a:p>
           <a:p>
             <a:pPr lvl="1"/>
             <a:r>
-              <a:rPr lang="en-US" smtClean="0"/>
+              <a:rPr lang="en-US"/>
               <a:t>Second level</a:t>
             </a:r>
           </a:p>
           <a:p>
             <a:pPr lvl="2"/>
             <a:r>
-              <a:rPr lang="en-US" smtClean="0"/>
+              <a:rPr lang="en-US"/>
               <a:t>Third level</a:t>
             </a:r>
           </a:p>
           <a:p>
             <a:pPr lvl="3"/>
             <a:r>
-              <a:rPr lang="en-US" smtClean="0"/>
+              <a:rPr lang="en-US"/>
               <a:t>Fourth level</a:t>
             </a:r>
           </a:p>
           <a:p>
             <a:pPr lvl="4"/>
             <a:r>
-              <a:rPr lang="en-US" smtClean="0"/>
+              <a:rPr lang="en-US"/>
               <a:t>Fifth level</a:t>
             </a:r>
-            <a:endParaRPr lang="en-US"/>
           </a:p>
         </p:txBody>
       </p:sp>
@@ -2709,7 +2704,7 @@
             <a:fld id="{969F6991-1ECE-46FD-8E97-7BBCAABC4CAA}" type="datetimeFigureOut">
               <a:rPr lang="en-US" smtClean="0"/>
               <a:pPr/>
-              <a:t>7/17/2020</a:t>
+              <a:t>5/3/2024</a:t>
             </a:fld>
             <a:endParaRPr lang="en-US"/>
           </a:p>
@@ -3106,7 +3101,7 @@
               <a:defRPr/>
             </a:pPr>
             <a:r>
-              <a:rPr lang="en-US" sz="5000" b="1" dirty="0" err="1" smtClean="0">
+              <a:rPr lang="en-US" sz="5000" b="1" dirty="0" err="1">
                 <a:solidFill>
                   <a:srgbClr val="00B0F0"/>
                 </a:solidFill>
@@ -3116,7 +3111,7 @@
               <a:t>D</a:t>
             </a:r>
             <a:r>
-              <a:rPr lang="en-US" sz="5000" b="1" dirty="0" err="1" smtClean="0">
+              <a:rPr lang="en-US" sz="5000" b="1" dirty="0" err="1">
                 <a:solidFill>
                   <a:srgbClr val="FF0000"/>
                 </a:solidFill>
@@ -3126,7 +3121,7 @@
               <a:t>iscriminant</a:t>
             </a:r>
             <a:r>
-              <a:rPr lang="en-US" sz="5000" b="1" dirty="0" smtClean="0">
+              <a:rPr lang="en-US" sz="5000" b="1" dirty="0">
                 <a:solidFill>
                   <a:srgbClr val="FF0000"/>
                 </a:solidFill>
@@ -3136,7 +3131,7 @@
               <a:t> </a:t>
             </a:r>
             <a:r>
-              <a:rPr lang="en-US" sz="5000" b="1" dirty="0" smtClean="0">
+              <a:rPr lang="en-US" sz="5000" b="1" dirty="0">
                 <a:solidFill>
                   <a:srgbClr val="00B0F0"/>
                 </a:solidFill>
@@ -3146,7 +3141,7 @@
               <a:t>A</a:t>
             </a:r>
             <a:r>
-              <a:rPr lang="en-US" sz="5000" b="1" dirty="0" smtClean="0">
+              <a:rPr lang="en-US" sz="5000" b="1" dirty="0">
                 <a:solidFill>
                   <a:srgbClr val="FF0000"/>
                 </a:solidFill>
@@ -3156,7 +3151,7 @@
               <a:t>nalysis</a:t>
             </a:r>
             <a:r>
-              <a:rPr lang="en-US" sz="4500" b="1" dirty="0" smtClean="0">
+              <a:rPr lang="en-US" sz="4500" b="1" dirty="0">
                 <a:solidFill>
                   <a:srgbClr val="FF0000"/>
                 </a:solidFill>
@@ -3166,7 +3161,7 @@
               <a:t> </a:t>
             </a:r>
             <a:br>
-              <a:rPr lang="en-US" sz="4500" b="1" dirty="0" smtClean="0">
+              <a:rPr lang="en-US" sz="4500" b="1" dirty="0">
                 <a:solidFill>
                   <a:srgbClr val="FF0000"/>
                 </a:solidFill>
@@ -3175,7 +3170,7 @@
               </a:rPr>
             </a:br>
             <a:r>
-              <a:rPr lang="en-US" sz="4500" b="1" dirty="0" smtClean="0">
+              <a:rPr lang="en-US" sz="4500" b="1" dirty="0">
                 <a:solidFill>
                   <a:schemeClr val="accent6">
                     <a:lumMod val="50000"/>
@@ -3186,21 +3181,14 @@
               </a:rPr>
               <a:t>by</a:t>
             </a:r>
-            <a:r>
-              <a:rPr lang="en-US" sz="4500" b="1" dirty="0" smtClean="0">
-                <a:latin typeface="Times New Roman" pitchFamily="18" charset="0"/>
-                <a:cs typeface="Times New Roman" pitchFamily="18" charset="0"/>
-              </a:rPr>
-              <a:t/>
-            </a:r>
             <a:br>
-              <a:rPr lang="en-US" sz="4500" b="1" dirty="0" smtClean="0">
+              <a:rPr lang="en-US" sz="4500" b="1" dirty="0">
                 <a:latin typeface="Times New Roman" pitchFamily="18" charset="0"/>
                 <a:cs typeface="Times New Roman" pitchFamily="18" charset="0"/>
               </a:rPr>
             </a:br>
             <a:r>
-              <a:rPr lang="en-US" sz="4500" b="1" i="1" dirty="0" smtClean="0">
+              <a:rPr lang="en-US" sz="4500" b="1" i="1" dirty="0">
                 <a:solidFill>
                   <a:srgbClr val="7030A0"/>
                 </a:solidFill>
@@ -3210,7 +3198,7 @@
               <a:t>Dr </a:t>
             </a:r>
             <a:r>
-              <a:rPr lang="en-US" sz="4500" b="1" i="1" dirty="0" err="1" smtClean="0">
+              <a:rPr lang="en-US" sz="4500" b="1" i="1" dirty="0" err="1">
                 <a:solidFill>
                   <a:srgbClr val="7030A0"/>
                 </a:solidFill>
@@ -3220,7 +3208,7 @@
               <a:t>Lalit</a:t>
             </a:r>
             <a:r>
-              <a:rPr lang="en-US" sz="4500" b="1" i="1" dirty="0" smtClean="0">
+              <a:rPr lang="en-US" sz="4500" b="1" i="1" dirty="0">
                 <a:solidFill>
                   <a:srgbClr val="7030A0"/>
                 </a:solidFill>
@@ -3230,7 +3218,7 @@
               <a:t> Prasad</a:t>
             </a:r>
             <a:br>
-              <a:rPr lang="en-US" sz="4500" b="1" i="1" dirty="0" smtClean="0">
+              <a:rPr lang="en-US" sz="4500" b="1" i="1" dirty="0">
                 <a:solidFill>
                   <a:srgbClr val="7030A0"/>
                 </a:solidFill>
@@ -3239,7 +3227,7 @@
               </a:rPr>
             </a:br>
             <a:r>
-              <a:rPr lang="en-US" sz="4500" b="1" i="1" dirty="0" smtClean="0">
+              <a:rPr lang="en-US" sz="4500" b="1" i="1" dirty="0">
                 <a:solidFill>
                   <a:srgbClr val="7030A0"/>
                 </a:solidFill>
@@ -3248,26 +3236,16 @@
               </a:rPr>
               <a:t>                               </a:t>
             </a:r>
-            <a:r>
-              <a:rPr lang="en-US" sz="2500" b="1" i="1" dirty="0" smtClean="0">
+            <a:br>
+              <a:rPr lang="en-US" sz="2500" b="1" i="1" dirty="0">
                 <a:solidFill>
                   <a:srgbClr val="7030A0"/>
                 </a:solidFill>
                 <a:latin typeface="Times New Roman" pitchFamily="18" charset="0"/>
                 <a:cs typeface="Times New Roman" pitchFamily="18" charset="0"/>
               </a:rPr>
-              <a:t/>
-            </a:r>
-            <a:br>
-              <a:rPr lang="en-US" sz="2500" b="1" i="1" dirty="0" smtClean="0">
-                <a:solidFill>
-                  <a:srgbClr val="7030A0"/>
-                </a:solidFill>
-                <a:latin typeface="Times New Roman" pitchFamily="18" charset="0"/>
-                <a:cs typeface="Times New Roman" pitchFamily="18" charset="0"/>
-              </a:rPr>
             </a:br>
-            <a:endParaRPr lang="en-US" sz="2500" b="1" i="1" dirty="0" smtClean="0">
+            <a:endParaRPr lang="en-US" sz="2500" b="1" i="1" dirty="0">
               <a:solidFill>
                 <a:srgbClr val="7030A0"/>
               </a:solidFill>
@@ -3315,13 +3293,6 @@
     <a:masterClrMapping/>
   </p:clrMapOvr>
   <p:transition/>
-  <p:timing>
-    <p:tnLst>
-      <p:par>
-        <p:cTn id="1" dur="indefinite" restart="never" nodeType="tmRoot"/>
-      </p:par>
-    </p:tnLst>
-  </p:timing>
 </p:sld>
 </file>
 
@@ -3365,7 +3336,7 @@
           <a:lstStyle/>
           <a:p>
             <a:r>
-              <a:rPr lang="en-US" sz="4500" b="1" dirty="0" err="1" smtClean="0">
+              <a:rPr lang="en-US" sz="4500" b="1" dirty="0" err="1">
                 <a:solidFill>
                   <a:srgbClr val="FF0000"/>
                 </a:solidFill>
@@ -3375,7 +3346,7 @@
               <a:t>Discriminant</a:t>
             </a:r>
             <a:r>
-              <a:rPr lang="en-US" sz="4500" b="1" dirty="0" smtClean="0">
+              <a:rPr lang="en-US" sz="4500" b="1" dirty="0">
                 <a:solidFill>
                   <a:srgbClr val="FF0000"/>
                 </a:solidFill>
@@ -3451,7 +3422,7 @@
             <a:p>
               <a:pPr algn="ctr"/>
               <a:r>
-                <a:rPr lang="en-US" sz="3200" b="1" dirty="0" smtClean="0">
+                <a:rPr lang="en-US" sz="3200" b="1" dirty="0">
                   <a:solidFill>
                     <a:schemeClr val="tx1"/>
                   </a:solidFill>
@@ -3460,13 +3431,6 @@
                 </a:rPr>
                 <a:t>Logistic regression</a:t>
               </a:r>
-              <a:endParaRPr lang="en-US" sz="3200" b="1" dirty="0">
-                <a:solidFill>
-                  <a:schemeClr val="tx1"/>
-                </a:solidFill>
-                <a:latin typeface="Times New Roman" panose="02020603050405020304" pitchFamily="18" charset="0"/>
-                <a:cs typeface="Times New Roman" panose="02020603050405020304" pitchFamily="18" charset="0"/>
-              </a:endParaRPr>
             </a:p>
           </p:txBody>
         </p:sp>
@@ -3525,7 +3489,7 @@
             <a:p>
               <a:pPr algn="ctr"/>
               <a:r>
-                <a:rPr lang="en-US" sz="2800" b="1" dirty="0" smtClean="0">
+                <a:rPr lang="en-US" sz="2800" b="1" dirty="0">
                   <a:solidFill>
                     <a:schemeClr val="tx1"/>
                   </a:solidFill>
@@ -3535,7 +3499,7 @@
                 <a:t>Types:</a:t>
               </a:r>
               <a:r>
-                <a:rPr lang="en-US" sz="2800" dirty="0" smtClean="0">
+                <a:rPr lang="en-US" sz="2800" dirty="0">
                   <a:solidFill>
                     <a:schemeClr val="tx1"/>
                   </a:solidFill>
@@ -3545,7 +3509,7 @@
                 <a:t> 1. Binary Logistic: DV: </a:t>
               </a:r>
               <a:r>
-                <a:rPr lang="en-US" sz="2800" b="1" dirty="0" smtClean="0">
+                <a:rPr lang="en-US" sz="2800" b="1" dirty="0">
                   <a:solidFill>
                     <a:schemeClr val="tx1"/>
                   </a:solidFill>
@@ -3555,7 +3519,7 @@
                 <a:t>Two categories</a:t>
               </a:r>
               <a:r>
-                <a:rPr lang="en-US" sz="2800" dirty="0" smtClean="0">
+                <a:rPr lang="en-US" sz="2800" dirty="0">
                   <a:solidFill>
                     <a:schemeClr val="tx1"/>
                   </a:solidFill>
@@ -3568,7 +3532,7 @@
             <a:p>
               <a:pPr algn="ctr"/>
               <a:r>
-                <a:rPr lang="en-US" sz="2800" dirty="0" smtClean="0">
+                <a:rPr lang="en-US" sz="2800" dirty="0">
                   <a:solidFill>
                     <a:schemeClr val="tx1"/>
                   </a:solidFill>
@@ -3578,7 +3542,7 @@
                 <a:t>2. Multinomial Logistic Regression: DV: </a:t>
               </a:r>
               <a:r>
-                <a:rPr lang="en-US" sz="2800" b="1" dirty="0" smtClean="0">
+                <a:rPr lang="en-US" sz="2800" b="1" dirty="0">
                   <a:solidFill>
                     <a:schemeClr val="tx1"/>
                   </a:solidFill>
@@ -3591,7 +3555,7 @@
             <a:p>
               <a:pPr algn="ctr"/>
               <a:r>
-                <a:rPr lang="en-US" sz="2800" b="1" dirty="0" smtClean="0">
+                <a:rPr lang="en-US" sz="2800" b="1" dirty="0">
                   <a:solidFill>
                     <a:schemeClr val="tx1"/>
                   </a:solidFill>
@@ -3601,7 +3565,7 @@
                 <a:t>Assumption:</a:t>
               </a:r>
               <a:r>
-                <a:rPr lang="en-US" sz="2800" dirty="0" smtClean="0">
+                <a:rPr lang="en-US" sz="2800" dirty="0">
                   <a:solidFill>
                     <a:schemeClr val="tx1"/>
                   </a:solidFill>
@@ -3611,7 +3575,7 @@
                 <a:t> </a:t>
               </a:r>
               <a:r>
-                <a:rPr lang="en-US" sz="2800" b="1" dirty="0" smtClean="0">
+                <a:rPr lang="en-US" sz="2800" b="1" dirty="0">
                   <a:solidFill>
                     <a:schemeClr val="bg1"/>
                   </a:solidFill>
@@ -3621,7 +3585,7 @@
                 <a:t>Normality</a:t>
               </a:r>
               <a:r>
-                <a:rPr lang="en-US" sz="2800" dirty="0" smtClean="0">
+                <a:rPr lang="en-US" sz="2800" dirty="0">
                   <a:solidFill>
                     <a:schemeClr val="tx1"/>
                   </a:solidFill>
@@ -3630,13 +3594,6 @@
                 </a:rPr>
                 <a:t> is not an issue</a:t>
               </a:r>
-              <a:endParaRPr lang="en-US" sz="2800" dirty="0">
-                <a:solidFill>
-                  <a:schemeClr val="tx1"/>
-                </a:solidFill>
-                <a:latin typeface="Times New Roman" panose="02020603050405020304" pitchFamily="18" charset="0"/>
-                <a:cs typeface="Times New Roman" panose="02020603050405020304" pitchFamily="18" charset="0"/>
-              </a:endParaRPr>
             </a:p>
           </p:txBody>
         </p:sp>
@@ -3760,7 +3717,7 @@
             <a:p>
               <a:pPr algn="ctr"/>
               <a:r>
-                <a:rPr lang="en-US" sz="2800" b="1" dirty="0" smtClean="0">
+                <a:rPr lang="en-US" sz="2800" b="1" dirty="0">
                   <a:solidFill>
                     <a:schemeClr val="tx1"/>
                   </a:solidFill>
@@ -3770,7 +3727,7 @@
                 <a:t>Types :</a:t>
               </a:r>
               <a:r>
-                <a:rPr lang="en-US" sz="2800" dirty="0" smtClean="0">
+                <a:rPr lang="en-US" sz="2800" dirty="0">
                   <a:solidFill>
                     <a:schemeClr val="tx1"/>
                   </a:solidFill>
@@ -3780,7 +3737,7 @@
                 <a:t> 1. Two Groups </a:t>
               </a:r>
               <a:r>
-                <a:rPr lang="en-US" sz="2800" dirty="0" err="1" smtClean="0">
+                <a:rPr lang="en-US" sz="2800" dirty="0" err="1">
                   <a:solidFill>
                     <a:schemeClr val="tx1"/>
                   </a:solidFill>
@@ -3790,7 +3747,7 @@
                 <a:t>Discriminant</a:t>
               </a:r>
               <a:r>
-                <a:rPr lang="en-US" sz="2800" dirty="0" smtClean="0">
+                <a:rPr lang="en-US" sz="2800" dirty="0">
                   <a:solidFill>
                     <a:schemeClr val="tx1"/>
                   </a:solidFill>
@@ -3803,7 +3760,7 @@
             <a:p>
               <a:pPr algn="ctr"/>
               <a:r>
-                <a:rPr lang="en-US" sz="2800" dirty="0" smtClean="0">
+                <a:rPr lang="en-US" sz="2800" dirty="0">
                   <a:solidFill>
                     <a:schemeClr val="tx1"/>
                   </a:solidFill>
@@ -3813,7 +3770,7 @@
                 <a:t>2. Three Group </a:t>
               </a:r>
               <a:r>
-                <a:rPr lang="en-US" sz="2800" dirty="0" err="1" smtClean="0">
+                <a:rPr lang="en-US" sz="2800" dirty="0" err="1">
                   <a:solidFill>
                     <a:schemeClr val="tx1"/>
                   </a:solidFill>
@@ -3823,7 +3780,7 @@
                 <a:t>Discriminant</a:t>
               </a:r>
               <a:r>
-                <a:rPr lang="en-US" sz="2800" dirty="0" smtClean="0">
+                <a:rPr lang="en-US" sz="2800" dirty="0">
                   <a:solidFill>
                     <a:schemeClr val="tx1"/>
                   </a:solidFill>
@@ -3836,7 +3793,7 @@
             <a:p>
               <a:pPr algn="ctr"/>
               <a:r>
-                <a:rPr lang="en-US" sz="2800" b="1" dirty="0" smtClean="0">
+                <a:rPr lang="en-US" sz="2800" b="1" dirty="0">
                   <a:solidFill>
                     <a:schemeClr val="tx1"/>
                   </a:solidFill>
@@ -3846,7 +3803,7 @@
                 <a:t>Assumption </a:t>
               </a:r>
               <a:r>
-                <a:rPr lang="en-US" sz="2800" dirty="0" smtClean="0">
+                <a:rPr lang="en-US" sz="2800" dirty="0">
                   <a:solidFill>
                     <a:schemeClr val="tx1"/>
                   </a:solidFill>
@@ -3856,7 +3813,7 @@
                 <a:t>: Highly sensitive on </a:t>
               </a:r>
               <a:r>
-                <a:rPr lang="en-US" sz="2800" b="1" dirty="0" smtClean="0">
+                <a:rPr lang="en-US" sz="2800" b="1" dirty="0">
                   <a:solidFill>
                     <a:schemeClr val="bg1"/>
                   </a:solidFill>
@@ -3866,32 +3823,15 @@
                 <a:t>Normality</a:t>
               </a:r>
               <a:r>
-                <a:rPr lang="en-US" sz="2800" dirty="0" smtClean="0">
+                <a:rPr lang="en-US" sz="2800" dirty="0">
                   <a:solidFill>
                     <a:schemeClr val="tx1"/>
                   </a:solidFill>
                   <a:latin typeface="Times New Roman" panose="02020603050405020304" pitchFamily="18" charset="0"/>
                   <a:cs typeface="Times New Roman" panose="02020603050405020304" pitchFamily="18" charset="0"/>
                 </a:rPr>
-                <a:t> </a:t>
+                <a:t> assumption.</a:t>
               </a:r>
-              <a:r>
-                <a:rPr lang="en-US" sz="2800" dirty="0" smtClean="0">
-                  <a:solidFill>
-                    <a:schemeClr val="tx1"/>
-                  </a:solidFill>
-                  <a:latin typeface="Times New Roman" panose="02020603050405020304" pitchFamily="18" charset="0"/>
-                  <a:cs typeface="Times New Roman" panose="02020603050405020304" pitchFamily="18" charset="0"/>
-                </a:rPr>
-                <a:t>assumption.</a:t>
-              </a:r>
-              <a:endParaRPr lang="en-US" sz="2800" dirty="0">
-                <a:solidFill>
-                  <a:schemeClr val="tx1"/>
-                </a:solidFill>
-                <a:latin typeface="Times New Roman" panose="02020603050405020304" pitchFamily="18" charset="0"/>
-                <a:cs typeface="Times New Roman" panose="02020603050405020304" pitchFamily="18" charset="0"/>
-              </a:endParaRPr>
             </a:p>
           </p:txBody>
         </p:sp>
@@ -3925,7 +3865,7 @@
               <a:defRPr/>
             </a:pPr>
             <a:r>
-              <a:rPr kumimoji="0" lang="en-US" sz="3100" b="1" i="0" u="none" strike="noStrike" kern="0" cap="none" spc="0" normalizeH="0" baseline="0" noProof="0" dirty="0" err="1" smtClean="0">
+              <a:rPr kumimoji="0" lang="en-US" sz="3100" b="1" i="0" u="none" strike="noStrike" kern="0" cap="none" spc="0" normalizeH="0" baseline="0" noProof="0" dirty="0" err="1">
                 <a:ln>
                   <a:noFill/>
                 </a:ln>
@@ -3941,7 +3881,7 @@
               <a:t>Discriminant</a:t>
             </a:r>
             <a:r>
-              <a:rPr kumimoji="0" lang="en-US" sz="3100" b="1" i="0" u="none" strike="noStrike" kern="0" cap="none" spc="0" normalizeH="0" baseline="0" noProof="0" dirty="0" smtClean="0">
+              <a:rPr kumimoji="0" lang="en-US" sz="3100" b="1" i="0" u="none" strike="noStrike" kern="0" cap="none" spc="0" normalizeH="0" baseline="0" noProof="0" dirty="0">
                 <a:ln>
                   <a:noFill/>
                 </a:ln>
@@ -3957,7 +3897,7 @@
               <a:t> analysis</a:t>
             </a:r>
             <a:r>
-              <a:rPr kumimoji="0" lang="en-US" sz="3100" b="0" i="0" u="none" strike="noStrike" kern="0" cap="none" spc="0" normalizeH="0" noProof="0" dirty="0" smtClean="0">
+              <a:rPr kumimoji="0" lang="en-US" sz="3100" b="0" i="0" u="none" strike="noStrike" kern="0" cap="none" spc="0" normalizeH="0" noProof="0" dirty="0">
                 <a:ln>
                   <a:noFill/>
                 </a:ln>
@@ -3976,7 +3916,7 @@
               <a:t> and </a:t>
             </a:r>
             <a:r>
-              <a:rPr kumimoji="0" lang="en-US" sz="3100" b="1" i="0" u="none" strike="noStrike" kern="0" cap="none" spc="0" normalizeH="0" noProof="0" dirty="0" smtClean="0">
+              <a:rPr kumimoji="0" lang="en-US" sz="3100" b="1" i="0" u="none" strike="noStrike" kern="0" cap="none" spc="0" normalizeH="0" noProof="0" dirty="0">
                 <a:ln>
                   <a:noFill/>
                 </a:ln>
@@ -3992,7 +3932,7 @@
               <a:t>Logistic regression</a:t>
             </a:r>
             <a:r>
-              <a:rPr kumimoji="0" lang="en-US" sz="3100" b="0" i="0" u="none" strike="noStrike" kern="0" cap="none" spc="0" normalizeH="0" noProof="0" dirty="0" smtClean="0">
+              <a:rPr kumimoji="0" lang="en-US" sz="3100" b="0" i="0" u="none" strike="noStrike" kern="0" cap="none" spc="0" normalizeH="0" noProof="0" dirty="0">
                 <a:ln>
                   <a:noFill/>
                 </a:ln>
@@ -4011,20 +3951,13 @@
               <a:t> are two statistical tools that </a:t>
             </a:r>
             <a:r>
-              <a:rPr lang="en-US" sz="3100" dirty="0" smtClean="0">
+              <a:rPr lang="en-US" sz="3100" dirty="0">
                 <a:latin typeface="Times New Roman" panose="02020603050405020304" pitchFamily="18" charset="0"/>
                 <a:cs typeface="Times New Roman" panose="02020603050405020304" pitchFamily="18" charset="0"/>
               </a:rPr>
-              <a:t>works with data that is already classified into groups to derive rules for classifying new individuals on the basis of their observed variable </a:t>
-            </a:r>
-            <a:r>
-              <a:rPr lang="en-US" sz="3100" dirty="0" smtClean="0">
-                <a:latin typeface="Times New Roman" panose="02020603050405020304" pitchFamily="18" charset="0"/>
-                <a:cs typeface="Times New Roman" panose="02020603050405020304" pitchFamily="18" charset="0"/>
-              </a:rPr>
-              <a:t>values.</a:t>
-            </a:r>
-            <a:endParaRPr kumimoji="0" lang="en-US" sz="3100" b="0" i="0" u="none" strike="noStrike" kern="0" cap="none" spc="0" normalizeH="0" baseline="0" noProof="0" dirty="0" smtClean="0">
+              <a:t>works with data that is already classified into groups to derive rules for classifying new individuals on the basis of their observed variable values.</a:t>
+            </a:r>
+            <a:endParaRPr kumimoji="0" lang="en-US" sz="3100" b="0" i="0" u="none" strike="noStrike" kern="0" cap="none" spc="0" normalizeH="0" baseline="0" noProof="0" dirty="0">
               <a:ln>
                 <a:noFill/>
               </a:ln>
@@ -4065,14 +3998,14 @@
           <a:lstStyle/>
           <a:p>
             <a:r>
-              <a:rPr lang="en-US" sz="3200" b="1" dirty="0" err="1" smtClean="0">
+              <a:rPr lang="en-US" sz="3200" b="1" dirty="0" err="1">
                 <a:latin typeface="Times New Roman" panose="02020603050405020304" pitchFamily="18" charset="0"/>
                 <a:cs typeface="Times New Roman" panose="02020603050405020304" pitchFamily="18" charset="0"/>
               </a:rPr>
               <a:t>Discriminant</a:t>
             </a:r>
             <a:r>
-              <a:rPr lang="en-US" sz="3200" b="1" dirty="0" smtClean="0">
+              <a:rPr lang="en-US" sz="3200" b="1" dirty="0">
                 <a:latin typeface="Times New Roman" panose="02020603050405020304" pitchFamily="18" charset="0"/>
                 <a:cs typeface="Times New Roman" panose="02020603050405020304" pitchFamily="18" charset="0"/>
               </a:rPr>
@@ -4088,7 +4021,7 @@
     </p:spTree>
     <p:extLst>
       <p:ext uri="{BB962C8B-B14F-4D97-AF65-F5344CB8AC3E}">
-        <p14:creationId xmlns="" xmlns:p14="http://schemas.microsoft.com/office/powerpoint/2010/main" val="1172568731"/>
+        <p14:creationId xmlns:p14="http://schemas.microsoft.com/office/powerpoint/2010/main" val="1172568731"/>
       </p:ext>
     </p:extLst>
   </p:cSld>
@@ -4098,13 +4031,6 @@
   <p:transition spd="slow">
     <p:push dir="u"/>
   </p:transition>
-  <p:timing>
-    <p:tnLst>
-      <p:par>
-        <p:cTn id="1" dur="indefinite" restart="never" nodeType="tmRoot"/>
-      </p:par>
-    </p:tnLst>
-  </p:timing>
 </p:sld>
 </file>
 
@@ -4148,7 +4074,7 @@
           <a:lstStyle/>
           <a:p>
             <a:r>
-              <a:rPr lang="en-US" sz="4500" b="1" dirty="0" smtClean="0">
+              <a:rPr lang="en-US" sz="4500" b="1" dirty="0">
                 <a:solidFill>
                   <a:srgbClr val="FF0000"/>
                 </a:solidFill>
@@ -4158,7 +4084,7 @@
               <a:t>Case Study: Car Manufacturing Company</a:t>
             </a:r>
             <a:br>
-              <a:rPr lang="en-US" sz="4500" b="1" dirty="0" smtClean="0">
+              <a:rPr lang="en-US" sz="4500" b="1" dirty="0">
                 <a:solidFill>
                   <a:srgbClr val="FF0000"/>
                 </a:solidFill>
@@ -4167,7 +4093,7 @@
               </a:rPr>
             </a:br>
             <a:r>
-              <a:rPr lang="en-US" sz="4200" b="1" dirty="0" smtClean="0">
+              <a:rPr lang="en-US" sz="4200" b="1" dirty="0">
                 <a:solidFill>
                   <a:srgbClr val="7030A0"/>
                 </a:solidFill>
@@ -4177,7 +4103,7 @@
               <a:t>(2 Group </a:t>
             </a:r>
             <a:r>
-              <a:rPr lang="en-US" sz="4200" b="1" dirty="0" err="1" smtClean="0">
+              <a:rPr lang="en-US" sz="4200" b="1" dirty="0" err="1">
                 <a:solidFill>
                   <a:srgbClr val="7030A0"/>
                 </a:solidFill>
@@ -4187,7 +4113,7 @@
               <a:t>Discriminant</a:t>
             </a:r>
             <a:r>
-              <a:rPr lang="en-US" sz="4200" b="1" dirty="0" smtClean="0">
+              <a:rPr lang="en-US" sz="4200" b="1" dirty="0">
                 <a:solidFill>
                   <a:srgbClr val="7030A0"/>
                 </a:solidFill>
@@ -4197,7 +4123,7 @@
               <a:t> Analysis)</a:t>
             </a:r>
             <a:r>
-              <a:rPr lang="en-US" sz="4500" b="1" dirty="0" smtClean="0">
+              <a:rPr lang="en-US" sz="4500" b="1" dirty="0">
                 <a:solidFill>
                   <a:srgbClr val="FF0000"/>
                 </a:solidFill>
@@ -4206,13 +4132,6 @@
               </a:rPr>
               <a:t> </a:t>
             </a:r>
-            <a:endParaRPr lang="en-US" sz="4500" b="1" dirty="0">
-              <a:solidFill>
-                <a:srgbClr val="FF0000"/>
-              </a:solidFill>
-              <a:latin typeface="Times New Roman" pitchFamily="18" charset="0"/>
-              <a:cs typeface="Times New Roman" pitchFamily="18" charset="0"/>
-            </a:endParaRPr>
           </a:p>
         </p:txBody>
       </p:sp>
@@ -4240,14 +4159,14 @@
           <a:p>
             <a:pPr algn="just"/>
             <a:r>
-              <a:rPr lang="en-US" b="1" dirty="0" smtClean="0">
+              <a:rPr lang="en-US" b="1" dirty="0">
                 <a:latin typeface="Times New Roman" pitchFamily="18" charset="0"/>
                 <a:cs typeface="Times New Roman" pitchFamily="18" charset="0"/>
               </a:rPr>
               <a:t>A car manufacturing company wants to know the consumer behavioral pattern of the purchase of cars in two categories: </a:t>
             </a:r>
             <a:r>
-              <a:rPr lang="en-US" b="1" dirty="0" smtClean="0">
+              <a:rPr lang="en-US" b="1" dirty="0">
                 <a:solidFill>
                   <a:srgbClr val="FF0000"/>
                 </a:solidFill>
@@ -4257,7 +4176,7 @@
               <a:t>buyers </a:t>
             </a:r>
             <a:r>
-              <a:rPr lang="en-US" b="1" dirty="0" smtClean="0">
+              <a:rPr lang="en-US" b="1" dirty="0">
                 <a:solidFill>
                   <a:srgbClr val="7030A0"/>
                 </a:solidFill>
@@ -4267,7 +4186,7 @@
               <a:t>and</a:t>
             </a:r>
             <a:r>
-              <a:rPr lang="en-US" b="1" dirty="0" smtClean="0">
+              <a:rPr lang="en-US" b="1" dirty="0">
                 <a:solidFill>
                   <a:srgbClr val="FF0000"/>
                 </a:solidFill>
@@ -4277,56 +4196,21 @@
               <a:t> non-buyers</a:t>
             </a:r>
             <a:r>
-              <a:rPr lang="en-US" b="1" dirty="0" smtClean="0">
-                <a:latin typeface="Times New Roman" pitchFamily="18" charset="0"/>
-                <a:cs typeface="Times New Roman" pitchFamily="18" charset="0"/>
-              </a:rPr>
-              <a:t> respectively, which would help it to place orders depending on demand and requirements of the customers. This company collects data from the </a:t>
-            </a:r>
-            <a:r>
-              <a:rPr lang="en-US" b="1" dirty="0" smtClean="0">
-                <a:latin typeface="Times New Roman" pitchFamily="18" charset="0"/>
-                <a:cs typeface="Times New Roman" pitchFamily="18" charset="0"/>
-              </a:rPr>
-              <a:t>customers</a:t>
-            </a:r>
-            <a:r>
-              <a:rPr lang="en-US" b="1" dirty="0" smtClean="0">
-                <a:latin typeface="Times New Roman" pitchFamily="18" charset="0"/>
-                <a:cs typeface="Times New Roman" pitchFamily="18" charset="0"/>
-              </a:rPr>
-              <a:t> those </a:t>
-            </a:r>
-            <a:r>
-              <a:rPr lang="en-US" b="1" dirty="0" smtClean="0">
-                <a:latin typeface="Times New Roman" pitchFamily="18" charset="0"/>
-                <a:cs typeface="Times New Roman" pitchFamily="18" charset="0"/>
-              </a:rPr>
-              <a:t>arrive at a decision </a:t>
-            </a:r>
-            <a:r>
-              <a:rPr lang="en-US" b="1" dirty="0" smtClean="0">
-                <a:latin typeface="Times New Roman" pitchFamily="18" charset="0"/>
-                <a:cs typeface="Times New Roman" pitchFamily="18" charset="0"/>
-              </a:rPr>
-              <a:t>to buy and not to buy a car. The </a:t>
-            </a:r>
-            <a:r>
-              <a:rPr lang="en-US" b="1" dirty="0" smtClean="0">
-                <a:latin typeface="Times New Roman" pitchFamily="18" charset="0"/>
-                <a:cs typeface="Times New Roman" pitchFamily="18" charset="0"/>
-              </a:rPr>
-              <a:t>company wants to use </a:t>
-            </a:r>
-            <a:r>
-              <a:rPr lang="en-US" b="1" dirty="0" err="1" smtClean="0">
+              <a:rPr lang="en-US" b="1" dirty="0">
+                <a:latin typeface="Times New Roman" pitchFamily="18" charset="0"/>
+                <a:cs typeface="Times New Roman" pitchFamily="18" charset="0"/>
+              </a:rPr>
+              <a:t> respectively, which would help it to place orders depending on demand and requirements of the customers. This company collects data from the customers those arrive at a decision to buy and not to buy a car. The company wants to use </a:t>
+            </a:r>
+            <a:r>
+              <a:rPr lang="en-US" b="1" dirty="0" err="1">
                 <a:latin typeface="Times New Roman" pitchFamily="18" charset="0"/>
                 <a:cs typeface="Times New Roman" pitchFamily="18" charset="0"/>
               </a:rPr>
               <a:t>discriminant</a:t>
             </a:r>
             <a:r>
-              <a:rPr lang="en-US" b="1" dirty="0" smtClean="0">
+              <a:rPr lang="en-US" b="1" dirty="0">
                 <a:latin typeface="Times New Roman" pitchFamily="18" charset="0"/>
                 <a:cs typeface="Times New Roman" pitchFamily="18" charset="0"/>
               </a:rPr>
@@ -4335,7 +4219,7 @@
           </a:p>
           <a:p>
             <a:r>
-              <a:rPr lang="en-US" b="1" dirty="0" smtClean="0">
+              <a:rPr lang="en-US" b="1" dirty="0">
                 <a:solidFill>
                   <a:srgbClr val="7030A0"/>
                 </a:solidFill>
@@ -4347,7 +4231,7 @@
           </a:p>
           <a:p>
             <a:r>
-              <a:rPr lang="en-US" b="1" dirty="0" smtClean="0">
+              <a:rPr lang="en-US" b="1" dirty="0">
                 <a:solidFill>
                   <a:srgbClr val="7030A0"/>
                 </a:solidFill>
@@ -4357,7 +4241,7 @@
               <a:t>Statistical significance of the </a:t>
             </a:r>
             <a:r>
-              <a:rPr lang="en-US" b="1" dirty="0" err="1" smtClean="0">
+              <a:rPr lang="en-US" b="1" dirty="0" err="1">
                 <a:solidFill>
                   <a:srgbClr val="7030A0"/>
                 </a:solidFill>
@@ -4367,7 +4251,7 @@
               <a:t>discriminant</a:t>
             </a:r>
             <a:r>
-              <a:rPr lang="en-US" b="1" dirty="0" smtClean="0">
+              <a:rPr lang="en-US" b="1" dirty="0">
                 <a:solidFill>
                   <a:srgbClr val="7030A0"/>
                 </a:solidFill>
@@ -4379,7 +4263,7 @@
           </a:p>
           <a:p>
             <a:r>
-              <a:rPr lang="en-US" b="1" dirty="0" smtClean="0">
+              <a:rPr lang="en-US" b="1" dirty="0">
                 <a:solidFill>
                   <a:srgbClr val="7030A0"/>
                 </a:solidFill>
@@ -4389,28 +4273,14 @@
               <a:t>Which variables </a:t>
             </a:r>
             <a:r>
-              <a:rPr lang="en-US" b="1" dirty="0" smtClean="0">
-                <a:latin typeface="Times New Roman" pitchFamily="18" charset="0"/>
-                <a:cs typeface="Times New Roman" pitchFamily="18" charset="0"/>
-              </a:rPr>
-              <a:t>(Durability, Interior design, Mileage , </a:t>
-            </a:r>
-            <a:r>
-              <a:rPr lang="en-US" b="1" dirty="0" smtClean="0">
-                <a:latin typeface="Times New Roman" pitchFamily="18" charset="0"/>
-                <a:cs typeface="Times New Roman" pitchFamily="18" charset="0"/>
-              </a:rPr>
-              <a:t>Looks </a:t>
-            </a:r>
-            <a:r>
-              <a:rPr lang="en-US" b="1" dirty="0" smtClean="0">
-                <a:latin typeface="Times New Roman" pitchFamily="18" charset="0"/>
-                <a:cs typeface="Times New Roman" pitchFamily="18" charset="0"/>
-              </a:rPr>
-              <a:t>)</a:t>
-            </a:r>
-            <a:r>
-              <a:rPr lang="en-US" b="1" dirty="0" smtClean="0">
+              <a:rPr lang="en-US" b="1" dirty="0">
+                <a:latin typeface="Times New Roman" pitchFamily="18" charset="0"/>
+                <a:cs typeface="Times New Roman" pitchFamily="18" charset="0"/>
+              </a:rPr>
+              <a:t>(Durability, Interior design, Mileage , Looks )</a:t>
+            </a:r>
+            <a:r>
+              <a:rPr lang="en-US" b="1" dirty="0">
                 <a:solidFill>
                   <a:srgbClr val="7030A0"/>
                 </a:solidFill>
@@ -4422,7 +4292,7 @@
           </a:p>
           <a:p>
             <a:r>
-              <a:rPr lang="en-US" b="1" dirty="0" smtClean="0">
+              <a:rPr lang="en-US" b="1" dirty="0">
                 <a:solidFill>
                   <a:srgbClr val="7030A0"/>
                 </a:solidFill>
@@ -4445,13 +4315,6 @@
   <p:clrMapOvr>
     <a:masterClrMapping/>
   </p:clrMapOvr>
-  <p:timing>
-    <p:tnLst>
-      <p:par>
-        <p:cTn id="1" dur="indefinite" restart="never" nodeType="tmRoot"/>
-      </p:par>
-    </p:tnLst>
-  </p:timing>
 </p:sld>
 </file>
 
@@ -4496,7 +4359,7 @@
           <a:p>
             <a:pPr algn="ctr"/>
             <a:r>
-              <a:rPr lang="en-US" sz="4500" b="1" dirty="0" smtClean="0">
+              <a:rPr lang="en-US" sz="4500" b="1" dirty="0">
                 <a:solidFill>
                   <a:srgbClr val="FF0000"/>
                 </a:solidFill>
@@ -4505,13 +4368,6 @@
               </a:rPr>
               <a:t>Independent variables and Dependent Variable</a:t>
             </a:r>
-            <a:endParaRPr lang="en-US" sz="4500" b="1" dirty="0">
-              <a:solidFill>
-                <a:srgbClr val="FF0000"/>
-              </a:solidFill>
-              <a:latin typeface="Times New Roman" pitchFamily="18" charset="0"/>
-              <a:cs typeface="Times New Roman" pitchFamily="18" charset="0"/>
-            </a:endParaRPr>
           </a:p>
         </p:txBody>
       </p:sp>
@@ -4538,7 +4394,7 @@
           <a:lstStyle/>
           <a:p>
             <a:r>
-              <a:rPr lang="en-US" sz="2800" dirty="0" smtClean="0">
+              <a:rPr lang="en-US" sz="2800" dirty="0">
                 <a:latin typeface="Times New Roman" pitchFamily="18" charset="0"/>
                 <a:cs typeface="Times New Roman" pitchFamily="18" charset="0"/>
               </a:rPr>
@@ -4550,14 +4406,14 @@
               <a:buNone/>
             </a:pPr>
             <a:r>
-              <a:rPr lang="en-US" sz="2800" dirty="0" smtClean="0">
+              <a:rPr lang="en-US" sz="2800" dirty="0">
                 <a:latin typeface="Times New Roman" pitchFamily="18" charset="0"/>
                 <a:cs typeface="Times New Roman" pitchFamily="18" charset="0"/>
               </a:rPr>
               <a:t>    </a:t>
             </a:r>
             <a:r>
-              <a:rPr lang="en-US" sz="2800" b="1" dirty="0" smtClean="0">
+              <a:rPr lang="en-US" sz="2800" b="1" dirty="0">
                 <a:solidFill>
                   <a:srgbClr val="00B0F0"/>
                 </a:solidFill>
@@ -4567,21 +4423,21 @@
               <a:t>Dependent Variable:</a:t>
             </a:r>
             <a:r>
-              <a:rPr lang="en-US" sz="2800" dirty="0" smtClean="0">
+              <a:rPr lang="en-US" sz="2800" dirty="0">
                 <a:latin typeface="Times New Roman" pitchFamily="18" charset="0"/>
                 <a:cs typeface="Times New Roman" pitchFamily="18" charset="0"/>
               </a:rPr>
               <a:t>  </a:t>
             </a:r>
             <a:r>
-              <a:rPr lang="en-US" sz="2800" b="1" dirty="0" smtClean="0">
+              <a:rPr lang="en-US" sz="2800" b="1" dirty="0">
                 <a:latin typeface="Times New Roman" pitchFamily="18" charset="0"/>
                 <a:cs typeface="Times New Roman" pitchFamily="18" charset="0"/>
               </a:rPr>
               <a:t>Buyer</a:t>
             </a:r>
             <a:r>
-              <a:rPr lang="en-US" sz="2800" dirty="0" smtClean="0">
+              <a:rPr lang="en-US" sz="2800" dirty="0">
                 <a:latin typeface="Times New Roman" pitchFamily="18" charset="0"/>
                 <a:cs typeface="Times New Roman" pitchFamily="18" charset="0"/>
               </a:rPr>
@@ -4593,7 +4449,7 @@
               <a:buNone/>
             </a:pPr>
             <a:r>
-              <a:rPr lang="en-US" sz="2800" b="1" dirty="0" smtClean="0">
+              <a:rPr lang="en-US" sz="2800" b="1" dirty="0">
                 <a:latin typeface="Times New Roman" pitchFamily="18" charset="0"/>
                 <a:cs typeface="Times New Roman" pitchFamily="18" charset="0"/>
               </a:rPr>
@@ -4605,7 +4461,7 @@
               <a:buNone/>
             </a:pPr>
             <a:r>
-              <a:rPr lang="en-US" sz="2800" b="1" dirty="0" smtClean="0">
+              <a:rPr lang="en-US" sz="2800" b="1" dirty="0">
                 <a:latin typeface="Times New Roman" pitchFamily="18" charset="0"/>
                 <a:cs typeface="Times New Roman" pitchFamily="18" charset="0"/>
               </a:rPr>
@@ -4617,14 +4473,14 @@
               <a:buNone/>
             </a:pPr>
             <a:r>
-              <a:rPr lang="en-US" sz="2800" dirty="0" smtClean="0">
+              <a:rPr lang="en-US" sz="2800" dirty="0">
                 <a:latin typeface="Times New Roman" pitchFamily="18" charset="0"/>
                 <a:cs typeface="Times New Roman" pitchFamily="18" charset="0"/>
               </a:rPr>
               <a:t>  </a:t>
             </a:r>
             <a:r>
-              <a:rPr lang="en-US" sz="2800" dirty="0" smtClean="0">
+              <a:rPr lang="en-US" sz="2800" dirty="0">
                 <a:solidFill>
                   <a:srgbClr val="00B0F0"/>
                 </a:solidFill>
@@ -4634,7 +4490,7 @@
               <a:t> </a:t>
             </a:r>
             <a:r>
-              <a:rPr lang="en-US" sz="2800" b="1" dirty="0" smtClean="0">
+              <a:rPr lang="en-US" sz="2800" b="1" dirty="0">
                 <a:solidFill>
                   <a:srgbClr val="00B0F0"/>
                 </a:solidFill>
@@ -4644,7 +4500,7 @@
               <a:t>Independent Variables:</a:t>
             </a:r>
             <a:r>
-              <a:rPr lang="en-US" sz="2800" b="1" dirty="0" smtClean="0">
+              <a:rPr lang="en-US" sz="2800" b="1" dirty="0">
                 <a:solidFill>
                   <a:srgbClr val="FF0000"/>
                 </a:solidFill>
@@ -4654,7 +4510,7 @@
               <a:t> </a:t>
             </a:r>
             <a:r>
-              <a:rPr lang="en-US" sz="2800" b="1" dirty="0" smtClean="0">
+              <a:rPr lang="en-US" sz="2800" b="1" dirty="0">
                 <a:latin typeface="Times New Roman" pitchFamily="18" charset="0"/>
                 <a:cs typeface="Times New Roman" pitchFamily="18" charset="0"/>
               </a:rPr>
@@ -4666,7 +4522,7 @@
               <a:buAutoNum type="romanLcPeriod"/>
             </a:pPr>
             <a:r>
-              <a:rPr lang="en-US" sz="2800" b="1" dirty="0" smtClean="0">
+              <a:rPr lang="en-US" sz="2800" b="1" dirty="0">
                 <a:solidFill>
                   <a:srgbClr val="FF0000"/>
                 </a:solidFill>
@@ -4681,7 +4537,7 @@
               <a:buAutoNum type="romanLcPeriod"/>
             </a:pPr>
             <a:r>
-              <a:rPr lang="en-US" sz="2800" b="1" dirty="0" smtClean="0">
+              <a:rPr lang="en-US" sz="2800" b="1" dirty="0">
                 <a:solidFill>
                   <a:srgbClr val="FF0000"/>
                 </a:solidFill>
@@ -4696,7 +4552,7 @@
               <a:buAutoNum type="romanLcPeriod"/>
             </a:pPr>
             <a:r>
-              <a:rPr lang="en-US" sz="2800" b="1" dirty="0" smtClean="0">
+              <a:rPr lang="en-US" sz="2800" b="1" dirty="0">
                 <a:solidFill>
                   <a:srgbClr val="FF0000"/>
                 </a:solidFill>
@@ -4711,7 +4567,7 @@
               <a:buAutoNum type="romanLcPeriod"/>
             </a:pPr>
             <a:r>
-              <a:rPr lang="en-US" sz="2800" b="1" dirty="0" smtClean="0">
+              <a:rPr lang="en-US" sz="2800" b="1" dirty="0">
                 <a:solidFill>
                   <a:srgbClr val="FF0000"/>
                 </a:solidFill>
@@ -4726,7 +4582,7 @@
               <a:buNone/>
             </a:pPr>
             <a:r>
-              <a:rPr lang="en-US" sz="2800" b="1" dirty="0" smtClean="0">
+              <a:rPr lang="en-US" sz="2800" b="1" dirty="0">
                 <a:solidFill>
                   <a:srgbClr val="FF0000"/>
                 </a:solidFill>
@@ -4736,7 +4592,7 @@
               <a:t> </a:t>
             </a:r>
             <a:r>
-              <a:rPr lang="en-US" sz="2800" b="1" dirty="0" smtClean="0">
+              <a:rPr lang="en-US" sz="2800" b="1" dirty="0">
                 <a:solidFill>
                   <a:srgbClr val="00B0F0"/>
                 </a:solidFill>
@@ -4746,7 +4602,7 @@
               <a:t>Note:</a:t>
             </a:r>
             <a:r>
-              <a:rPr lang="en-US" sz="2800" b="1" dirty="0" smtClean="0">
+              <a:rPr lang="en-US" sz="2800" b="1" dirty="0">
                 <a:solidFill>
                   <a:srgbClr val="FF0000"/>
                 </a:solidFill>
@@ -4756,14 +4612,14 @@
               <a:t> </a:t>
             </a:r>
             <a:r>
-              <a:rPr lang="en-US" sz="2800" b="1" dirty="0" smtClean="0">
+              <a:rPr lang="en-US" sz="2800" b="1" dirty="0">
                 <a:latin typeface="Times New Roman" pitchFamily="18" charset="0"/>
                 <a:cs typeface="Times New Roman" pitchFamily="18" charset="0"/>
               </a:rPr>
               <a:t>The data of Independent variables are collected on a rating scale : </a:t>
             </a:r>
             <a:r>
-              <a:rPr lang="en-US" sz="2800" b="1" dirty="0" smtClean="0">
+              <a:rPr lang="en-US" sz="2800" b="1" dirty="0">
                 <a:solidFill>
                   <a:srgbClr val="00B0F0"/>
                 </a:solidFill>
@@ -4780,13 +4636,6 @@
   <p:clrMapOvr>
     <a:masterClrMapping/>
   </p:clrMapOvr>
-  <p:timing>
-    <p:tnLst>
-      <p:par>
-        <p:cTn id="1" dur="indefinite" restart="never" nodeType="tmRoot"/>
-      </p:par>
-    </p:tnLst>
-  </p:timing>
 </p:sld>
 </file>
 
@@ -4825,7 +4674,7 @@
           <a:lstStyle/>
           <a:p>
             <a:r>
-              <a:rPr lang="en-US" sz="4500" b="1" dirty="0" smtClean="0">
+              <a:rPr lang="en-US" sz="4500" b="1" dirty="0">
                 <a:solidFill>
                   <a:srgbClr val="FF0000"/>
                 </a:solidFill>
@@ -4834,13 +4683,6 @@
               </a:rPr>
               <a:t>Topic</a:t>
             </a:r>
-            <a:endParaRPr lang="en-US" sz="4500" b="1" dirty="0">
-              <a:solidFill>
-                <a:srgbClr val="FF0000"/>
-              </a:solidFill>
-              <a:latin typeface="Times New Roman" pitchFamily="18" charset="0"/>
-              <a:cs typeface="Times New Roman" pitchFamily="18" charset="0"/>
-            </a:endParaRPr>
           </a:p>
         </p:txBody>
       </p:sp>
@@ -4864,33 +4706,29 @@
           <a:bodyPr/>
           <a:lstStyle/>
           <a:p>
-            <a:endParaRPr lang="en-US" dirty="0" smtClean="0"/>
-          </a:p>
-          <a:p>
-            <a:endParaRPr lang="en-US" dirty="0" smtClean="0"/>
-          </a:p>
-          <a:p>
-            <a:endParaRPr lang="en-US" dirty="0" smtClean="0"/>
+            <a:endParaRPr lang="en-US" dirty="0"/>
+          </a:p>
+          <a:p>
+            <a:endParaRPr lang="en-US" dirty="0"/>
+          </a:p>
+          <a:p>
+            <a:endParaRPr lang="en-US" dirty="0"/>
           </a:p>
           <a:p>
             <a:pPr algn="ctr">
               <a:buNone/>
             </a:pPr>
             <a:r>
-              <a:rPr lang="en-US" dirty="0" smtClean="0"/>
+              <a:rPr lang="en-US" dirty="0"/>
               <a:t>   </a:t>
             </a:r>
             <a:r>
-              <a:rPr lang="en-US" sz="4000" b="1" dirty="0" smtClean="0">
+              <a:rPr lang="en-US" sz="4000" b="1" dirty="0">
                 <a:latin typeface="Times New Roman" pitchFamily="18" charset="0"/>
                 <a:cs typeface="Times New Roman" pitchFamily="18" charset="0"/>
               </a:rPr>
               <a:t>Developing a prediction model on customer’s behavioral  pattern for buying a car.</a:t>
             </a:r>
-            <a:endParaRPr lang="en-US" sz="4000" b="1" dirty="0">
-              <a:latin typeface="Times New Roman" pitchFamily="18" charset="0"/>
-              <a:cs typeface="Times New Roman" pitchFamily="18" charset="0"/>
-            </a:endParaRPr>
           </a:p>
         </p:txBody>
       </p:sp>
@@ -4899,13 +4737,6 @@
   <p:clrMapOvr>
     <a:masterClrMapping/>
   </p:clrMapOvr>
-  <p:timing>
-    <p:tnLst>
-      <p:par>
-        <p:cTn id="1" dur="indefinite" restart="never" nodeType="tmRoot"/>
-      </p:par>
-    </p:tnLst>
-  </p:timing>
 </p:sld>
 </file>
 
@@ -4949,7 +4780,7 @@
           <a:lstStyle/>
           <a:p>
             <a:r>
-              <a:rPr lang="en-US" sz="4500" b="1" dirty="0" smtClean="0">
+              <a:rPr lang="en-US" sz="4500" b="1" dirty="0">
                 <a:solidFill>
                   <a:srgbClr val="FF0000"/>
                 </a:solidFill>
@@ -4958,13 +4789,6 @@
               </a:rPr>
               <a:t>Objectives </a:t>
             </a:r>
-            <a:endParaRPr lang="en-US" sz="4500" b="1" dirty="0">
-              <a:solidFill>
-                <a:srgbClr val="FF0000"/>
-              </a:solidFill>
-              <a:latin typeface="Times New Roman" pitchFamily="18" charset="0"/>
-              <a:cs typeface="Times New Roman" pitchFamily="18" charset="0"/>
-            </a:endParaRPr>
           </a:p>
         </p:txBody>
       </p:sp>
@@ -4991,67 +4815,21 @@
           <a:lstStyle/>
           <a:p>
             <a:r>
-              <a:rPr lang="en-US" sz="3800" b="1" dirty="0" smtClean="0">
-                <a:latin typeface="Times New Roman" pitchFamily="18" charset="0"/>
-                <a:cs typeface="Times New Roman" pitchFamily="18" charset="0"/>
-              </a:rPr>
-              <a:t>To  find the variables that influence </a:t>
-            </a:r>
-            <a:r>
-              <a:rPr lang="en-US" sz="3800" b="1" dirty="0" smtClean="0">
-                <a:latin typeface="Times New Roman" pitchFamily="18" charset="0"/>
-                <a:cs typeface="Times New Roman" pitchFamily="18" charset="0"/>
-              </a:rPr>
-              <a:t>the behavior pattern </a:t>
-            </a:r>
-            <a:r>
-              <a:rPr lang="en-US" sz="3800" b="1" dirty="0" smtClean="0">
-                <a:latin typeface="Times New Roman" pitchFamily="18" charset="0"/>
-                <a:cs typeface="Times New Roman" pitchFamily="18" charset="0"/>
-              </a:rPr>
-              <a:t>of </a:t>
-            </a:r>
-            <a:r>
-              <a:rPr lang="en-US" sz="3800" b="1" dirty="0" smtClean="0">
-                <a:latin typeface="Times New Roman" pitchFamily="18" charset="0"/>
-                <a:cs typeface="Times New Roman" pitchFamily="18" charset="0"/>
-              </a:rPr>
-              <a:t>a customer </a:t>
-            </a:r>
-            <a:r>
-              <a:rPr lang="en-US" sz="3800" b="1" dirty="0" smtClean="0">
-                <a:latin typeface="Times New Roman" pitchFamily="18" charset="0"/>
-                <a:cs typeface="Times New Roman" pitchFamily="18" charset="0"/>
-              </a:rPr>
-              <a:t>for </a:t>
-            </a:r>
-            <a:r>
-              <a:rPr lang="en-US" sz="3800" b="1" dirty="0" smtClean="0">
-                <a:latin typeface="Times New Roman" pitchFamily="18" charset="0"/>
-                <a:cs typeface="Times New Roman" pitchFamily="18" charset="0"/>
-              </a:rPr>
-              <a:t>buying a </a:t>
-            </a:r>
-            <a:r>
-              <a:rPr lang="en-US" sz="3800" b="1" dirty="0" smtClean="0">
-                <a:latin typeface="Times New Roman" pitchFamily="18" charset="0"/>
-                <a:cs typeface="Times New Roman" pitchFamily="18" charset="0"/>
-              </a:rPr>
-              <a:t>car.</a:t>
-            </a:r>
-          </a:p>
-          <a:p>
-            <a:r>
-              <a:rPr lang="en-US" sz="3800" b="1" dirty="0" smtClean="0">
+              <a:rPr lang="en-US" sz="3800" b="1" dirty="0">
+                <a:latin typeface="Times New Roman" pitchFamily="18" charset="0"/>
+                <a:cs typeface="Times New Roman" pitchFamily="18" charset="0"/>
+              </a:rPr>
+              <a:t>To  find the variables that influence the behavior pattern of a customer for buying a car.</a:t>
+            </a:r>
+          </a:p>
+          <a:p>
+            <a:r>
+              <a:rPr lang="en-US" sz="3800" b="1" dirty="0">
                 <a:latin typeface="Times New Roman" pitchFamily="18" charset="0"/>
                 <a:cs typeface="Times New Roman" pitchFamily="18" charset="0"/>
               </a:rPr>
               <a:t>To develop a prediction model on customer behavioral pattern for buying a car.</a:t>
             </a:r>
-            <a:endParaRPr lang="en-US" sz="3800" b="1" dirty="0">
-              <a:latin typeface="Times New Roman" pitchFamily="18" charset="0"/>
-              <a:cs typeface="Times New Roman" pitchFamily="18" charset="0"/>
-            </a:endParaRPr>
           </a:p>
         </p:txBody>
       </p:sp>
@@ -5060,13 +4838,6 @@
   <p:clrMapOvr>
     <a:masterClrMapping/>
   </p:clrMapOvr>
-  <p:timing>
-    <p:tnLst>
-      <p:par>
-        <p:cTn id="1" dur="indefinite" restart="never" nodeType="tmRoot"/>
-      </p:par>
-    </p:tnLst>
-  </p:timing>
 </p:sld>
 </file>
 
@@ -5124,30 +4895,30 @@
             <a:pPr>
               <a:buNone/>
             </a:pPr>
-            <a:endParaRPr lang="en-US" dirty="0" smtClean="0"/>
+            <a:endParaRPr lang="en-US" dirty="0"/>
           </a:p>
           <a:p>
             <a:pPr>
               <a:buNone/>
             </a:pPr>
-            <a:endParaRPr lang="en-US" dirty="0" smtClean="0"/>
+            <a:endParaRPr lang="en-US" dirty="0"/>
           </a:p>
           <a:p>
             <a:pPr>
               <a:buNone/>
             </a:pPr>
-            <a:endParaRPr lang="en-US" dirty="0" smtClean="0"/>
+            <a:endParaRPr lang="en-US" dirty="0"/>
           </a:p>
           <a:p>
             <a:pPr>
               <a:buNone/>
             </a:pPr>
             <a:r>
-              <a:rPr lang="en-US" dirty="0" smtClean="0"/>
+              <a:rPr lang="en-US" dirty="0"/>
               <a:t>                                     </a:t>
             </a:r>
             <a:r>
-              <a:rPr lang="en-US" sz="4500" b="1" dirty="0" smtClean="0">
+              <a:rPr lang="en-US" sz="4500" b="1" dirty="0">
                 <a:solidFill>
                   <a:srgbClr val="FF0000"/>
                 </a:solidFill>
@@ -5156,13 +4927,6 @@
               </a:rPr>
               <a:t>   Data Analysis</a:t>
             </a:r>
-            <a:endParaRPr lang="en-US" sz="4500" b="1" dirty="0">
-              <a:solidFill>
-                <a:srgbClr val="FF0000"/>
-              </a:solidFill>
-              <a:latin typeface="Times New Roman" pitchFamily="18" charset="0"/>
-              <a:cs typeface="Times New Roman" pitchFamily="18" charset="0"/>
-            </a:endParaRPr>
           </a:p>
         </p:txBody>
       </p:sp>
@@ -5171,13 +4935,6 @@
   <p:clrMapOvr>
     <a:masterClrMapping/>
   </p:clrMapOvr>
-  <p:timing>
-    <p:tnLst>
-      <p:par>
-        <p:cTn id="1" dur="indefinite" restart="never" nodeType="tmRoot"/>
-      </p:par>
-    </p:tnLst>
-  </p:timing>
 </p:sld>
 </file>
 
@@ -5221,7 +4978,7 @@
           <a:lstStyle/>
           <a:p>
             <a:r>
-              <a:rPr lang="en-US" sz="4500" b="1" dirty="0" smtClean="0">
+              <a:rPr lang="en-US" sz="4500" b="1" dirty="0">
                 <a:solidFill>
                   <a:srgbClr val="FF0000"/>
                 </a:solidFill>
@@ -5230,13 +4987,6 @@
               </a:rPr>
               <a:t>Reporting of Result (Output)</a:t>
             </a:r>
-            <a:endParaRPr lang="en-US" sz="4500" b="1" dirty="0">
-              <a:solidFill>
-                <a:srgbClr val="FF0000"/>
-              </a:solidFill>
-              <a:latin typeface="Times New Roman" pitchFamily="18" charset="0"/>
-              <a:cs typeface="Times New Roman" pitchFamily="18" charset="0"/>
-            </a:endParaRPr>
           </a:p>
         </p:txBody>
       </p:sp>
@@ -5263,35 +5013,35 @@
           <a:lstStyle/>
           <a:p>
             <a:r>
-              <a:rPr lang="en-US" b="1" dirty="0" smtClean="0">
+              <a:rPr lang="en-US" b="1" dirty="0">
                 <a:latin typeface="Times New Roman" pitchFamily="18" charset="0"/>
                 <a:cs typeface="Times New Roman" pitchFamily="18" charset="0"/>
               </a:rPr>
               <a:t>The data collected for analysis holds all the assumptions (Linearity, No Outliers, Normality, No </a:t>
             </a:r>
             <a:r>
-              <a:rPr lang="en-US" b="1" dirty="0" err="1" smtClean="0">
+              <a:rPr lang="en-US" b="1" dirty="0" err="1">
                 <a:latin typeface="Times New Roman" pitchFamily="18" charset="0"/>
                 <a:cs typeface="Times New Roman" pitchFamily="18" charset="0"/>
               </a:rPr>
               <a:t>Multicollinearity</a:t>
             </a:r>
             <a:r>
-              <a:rPr lang="en-US" b="1" dirty="0" smtClean="0">
+              <a:rPr lang="en-US" b="1" dirty="0">
                 <a:latin typeface="Times New Roman" pitchFamily="18" charset="0"/>
                 <a:cs typeface="Times New Roman" pitchFamily="18" charset="0"/>
               </a:rPr>
               <a:t> and Box M test Value) of </a:t>
             </a:r>
             <a:r>
-              <a:rPr lang="en-US" b="1" dirty="0" err="1" smtClean="0">
+              <a:rPr lang="en-US" b="1" dirty="0" err="1">
                 <a:latin typeface="Times New Roman" pitchFamily="18" charset="0"/>
                 <a:cs typeface="Times New Roman" pitchFamily="18" charset="0"/>
               </a:rPr>
               <a:t>Discriminant</a:t>
             </a:r>
             <a:r>
-              <a:rPr lang="en-US" b="1" dirty="0" smtClean="0">
+              <a:rPr lang="en-US" b="1" dirty="0">
                 <a:latin typeface="Times New Roman" pitchFamily="18" charset="0"/>
                 <a:cs typeface="Times New Roman" pitchFamily="18" charset="0"/>
               </a:rPr>
@@ -5300,14 +5050,14 @@
           </a:p>
           <a:p>
             <a:r>
-              <a:rPr lang="en-US" b="1" dirty="0" smtClean="0">
+              <a:rPr lang="en-US" b="1" dirty="0">
                 <a:latin typeface="Times New Roman" pitchFamily="18" charset="0"/>
                 <a:cs typeface="Times New Roman" pitchFamily="18" charset="0"/>
               </a:rPr>
               <a:t>The </a:t>
             </a:r>
             <a:r>
-              <a:rPr lang="en-US" b="1" dirty="0" smtClean="0">
+              <a:rPr lang="en-US" b="1" dirty="0">
                 <a:solidFill>
                   <a:srgbClr val="FF0000"/>
                 </a:solidFill>
@@ -5317,21 +5067,21 @@
               <a:t>hit ratio</a:t>
             </a:r>
             <a:r>
-              <a:rPr lang="en-US" b="1" dirty="0" smtClean="0">
+              <a:rPr lang="en-US" b="1" dirty="0">
                 <a:latin typeface="Times New Roman" pitchFamily="18" charset="0"/>
                 <a:cs typeface="Times New Roman" pitchFamily="18" charset="0"/>
               </a:rPr>
               <a:t> of the </a:t>
             </a:r>
             <a:r>
-              <a:rPr lang="en-US" b="1" dirty="0" err="1" smtClean="0">
+              <a:rPr lang="en-US" b="1" dirty="0" err="1">
                 <a:latin typeface="Times New Roman" pitchFamily="18" charset="0"/>
                 <a:cs typeface="Times New Roman" pitchFamily="18" charset="0"/>
               </a:rPr>
               <a:t>discriminant</a:t>
             </a:r>
             <a:r>
-              <a:rPr lang="en-US" b="1" dirty="0" smtClean="0">
+              <a:rPr lang="en-US" b="1" dirty="0">
                 <a:latin typeface="Times New Roman" pitchFamily="18" charset="0"/>
                 <a:cs typeface="Times New Roman" pitchFamily="18" charset="0"/>
               </a:rPr>
@@ -5340,55 +5090,53 @@
           </a:p>
           <a:p>
             <a:r>
-              <a:rPr lang="en-US" b="1" dirty="0" smtClean="0">
+              <a:rPr lang="en-US" b="1" dirty="0">
                 <a:latin typeface="Times New Roman" pitchFamily="18" charset="0"/>
                 <a:cs typeface="Times New Roman" pitchFamily="18" charset="0"/>
               </a:rPr>
               <a:t>The </a:t>
             </a:r>
             <a:r>
-              <a:rPr lang="en-US" b="1" dirty="0" err="1" smtClean="0">
+              <a:rPr lang="en-US" b="1" dirty="0" err="1">
                 <a:latin typeface="Times New Roman" pitchFamily="18" charset="0"/>
                 <a:cs typeface="Times New Roman" pitchFamily="18" charset="0"/>
               </a:rPr>
               <a:t>centriod</a:t>
             </a:r>
             <a:r>
-              <a:rPr lang="en-US" b="1" dirty="0" smtClean="0">
-                <a:latin typeface="Times New Roman" pitchFamily="18" charset="0"/>
-                <a:cs typeface="Times New Roman" pitchFamily="18" charset="0"/>
-              </a:rPr>
-              <a:t> Value for buyers and non-buyers are </a:t>
-            </a:r>
-            <a:r>
-              <a:rPr lang="en-US" b="1" dirty="0" smtClean="0">
-                <a:latin typeface="Times New Roman" pitchFamily="18" charset="0"/>
-                <a:cs typeface="Times New Roman" pitchFamily="18" charset="0"/>
-              </a:rPr>
-              <a:t>1.428        and -1.428 respectively.</a:t>
-            </a:r>
-            <a:endParaRPr lang="en-US" b="1" dirty="0" smtClean="0">
+              <a:rPr lang="en-US" b="1" dirty="0">
+                <a:latin typeface="Times New Roman" pitchFamily="18" charset="0"/>
+                <a:cs typeface="Times New Roman" pitchFamily="18" charset="0"/>
+              </a:rPr>
+              <a:t> Value for buyers and non-buyers are 1.428        and -1.428 respectively.</a:t>
+            </a:r>
+          </a:p>
+          <a:p>
+            <a:r>
+              <a:rPr lang="en-US" b="1" dirty="0">
+                <a:latin typeface="Times New Roman" pitchFamily="18" charset="0"/>
+                <a:cs typeface="Times New Roman" pitchFamily="18" charset="0"/>
+              </a:rPr>
+              <a:t>The predictive model of customers behavioral  pattern for buying a car is</a:t>
+            </a:r>
+          </a:p>
+          <a:p>
+            <a:endParaRPr lang="en-US" b="1" dirty="0">
               <a:latin typeface="Times New Roman" pitchFamily="18" charset="0"/>
               <a:cs typeface="Times New Roman" pitchFamily="18" charset="0"/>
             </a:endParaRPr>
           </a:p>
           <a:p>
-            <a:r>
-              <a:rPr lang="en-US" b="1" dirty="0" smtClean="0">
-                <a:latin typeface="Times New Roman" pitchFamily="18" charset="0"/>
-                <a:cs typeface="Times New Roman" pitchFamily="18" charset="0"/>
-              </a:rPr>
-              <a:t>The predictive model of customers behavioral  pattern for buying a car is</a:t>
-            </a:r>
-          </a:p>
-          <a:p>
-            <a:endParaRPr lang="en-US" b="1" dirty="0" smtClean="0">
+            <a:endParaRPr lang="en-US" b="1" dirty="0">
               <a:latin typeface="Times New Roman" pitchFamily="18" charset="0"/>
               <a:cs typeface="Times New Roman" pitchFamily="18" charset="0"/>
             </a:endParaRPr>
           </a:p>
           <a:p>
-            <a:endParaRPr lang="en-US" b="1" dirty="0" smtClean="0">
+            <a:pPr>
+              <a:buNone/>
+            </a:pPr>
+            <a:endParaRPr lang="en-US" b="1" dirty="0">
               <a:latin typeface="Times New Roman" pitchFamily="18" charset="0"/>
               <a:cs typeface="Times New Roman" pitchFamily="18" charset="0"/>
             </a:endParaRPr>
@@ -5397,7 +5145,7 @@
             <a:pPr>
               <a:buNone/>
             </a:pPr>
-            <a:endParaRPr lang="en-US" b="1" dirty="0" smtClean="0">
+            <a:endParaRPr lang="en-US" b="1" dirty="0">
               <a:latin typeface="Times New Roman" pitchFamily="18" charset="0"/>
               <a:cs typeface="Times New Roman" pitchFamily="18" charset="0"/>
             </a:endParaRPr>
@@ -5406,16 +5154,7 @@
             <a:pPr>
               <a:buNone/>
             </a:pPr>
-            <a:endParaRPr lang="en-US" b="1" dirty="0" smtClean="0">
-              <a:latin typeface="Times New Roman" pitchFamily="18" charset="0"/>
-              <a:cs typeface="Times New Roman" pitchFamily="18" charset="0"/>
-            </a:endParaRPr>
-          </a:p>
-          <a:p>
-            <a:pPr>
-              <a:buNone/>
-            </a:pPr>
-            <a:endParaRPr lang="en-US" b="1" dirty="0" smtClean="0">
+            <a:endParaRPr lang="en-US" b="1" dirty="0">
               <a:latin typeface="Times New Roman" pitchFamily="18" charset="0"/>
               <a:cs typeface="Times New Roman" pitchFamily="18" charset="0"/>
             </a:endParaRPr>
@@ -5467,14 +5206,14 @@
               <a:buNone/>
             </a:pPr>
             <a:r>
-              <a:rPr lang="en-US" b="1" dirty="0" smtClean="0">
+              <a:rPr lang="en-US" b="1" dirty="0">
                 <a:latin typeface="Times New Roman" pitchFamily="18" charset="0"/>
                 <a:cs typeface="Times New Roman" pitchFamily="18" charset="0"/>
               </a:rPr>
               <a:t>   </a:t>
             </a:r>
             <a:r>
-              <a:rPr lang="en-US" sz="2800" b="1" dirty="0" smtClean="0">
+              <a:rPr lang="en-US" sz="2800" b="1" dirty="0">
                 <a:solidFill>
                   <a:srgbClr val="FFFF00"/>
                 </a:solidFill>
@@ -5484,14 +5223,14 @@
               <a:t>Z</a:t>
             </a:r>
             <a:r>
-              <a:rPr lang="en-US" sz="2800" b="1" dirty="0" smtClean="0">
+              <a:rPr lang="en-US" sz="2800" b="1" dirty="0">
                 <a:latin typeface="Times New Roman" pitchFamily="18" charset="0"/>
                 <a:cs typeface="Times New Roman" pitchFamily="18" charset="0"/>
               </a:rPr>
               <a:t> = </a:t>
             </a:r>
             <a:r>
-              <a:rPr lang="en-US" sz="2800" b="1" dirty="0" smtClean="0">
+              <a:rPr lang="en-US" sz="2800" b="1" dirty="0">
                 <a:solidFill>
                   <a:srgbClr val="FFFF00"/>
                 </a:solidFill>
@@ -5501,7 +5240,7 @@
               <a:t>-7.229</a:t>
             </a:r>
             <a:r>
-              <a:rPr lang="en-US" sz="2800" b="1" dirty="0" smtClean="0">
+              <a:rPr lang="en-US" sz="2800" b="1" dirty="0">
                 <a:solidFill>
                   <a:schemeClr val="tx1"/>
                 </a:solidFill>
@@ -5511,7 +5250,7 @@
               <a:t>+</a:t>
             </a:r>
             <a:r>
-              <a:rPr lang="en-US" sz="2800" b="1" dirty="0" smtClean="0">
+              <a:rPr lang="en-US" sz="2800" b="1" dirty="0">
                 <a:solidFill>
                   <a:srgbClr val="FFFF00"/>
                 </a:solidFill>
@@ -5521,7 +5260,7 @@
               <a:t>0.067</a:t>
             </a:r>
             <a:r>
-              <a:rPr lang="en-US" sz="2800" b="1" dirty="0" smtClean="0">
+              <a:rPr lang="en-US" sz="2800" b="1" dirty="0">
                 <a:solidFill>
                   <a:srgbClr val="FF0000"/>
                 </a:solidFill>
@@ -5531,7 +5270,7 @@
               <a:t>*</a:t>
             </a:r>
             <a:r>
-              <a:rPr lang="en-US" sz="2800" b="1" dirty="0" smtClean="0">
+              <a:rPr lang="en-US" sz="2800" b="1" dirty="0">
                 <a:solidFill>
                   <a:schemeClr val="tx1"/>
                 </a:solidFill>
@@ -5541,7 +5280,7 @@
               <a:t>(Durability)</a:t>
             </a:r>
             <a:r>
-              <a:rPr lang="en-US" sz="2800" b="1" dirty="0" smtClean="0">
+              <a:rPr lang="en-US" sz="2800" b="1" dirty="0">
                 <a:solidFill>
                   <a:srgbClr val="FF0000"/>
                 </a:solidFill>
@@ -5551,7 +5290,7 @@
               <a:t> </a:t>
             </a:r>
             <a:r>
-              <a:rPr lang="en-US" sz="2800" b="1" dirty="0" smtClean="0">
+              <a:rPr lang="en-US" sz="2800" b="1" dirty="0">
                 <a:solidFill>
                   <a:schemeClr val="tx1"/>
                 </a:solidFill>
@@ -5561,7 +5300,7 @@
               <a:t>+</a:t>
             </a:r>
             <a:r>
-              <a:rPr lang="en-US" sz="2800" b="1" dirty="0" smtClean="0">
+              <a:rPr lang="en-US" sz="2800" b="1" dirty="0">
                 <a:solidFill>
                   <a:srgbClr val="FFFF00"/>
                 </a:solidFill>
@@ -5571,7 +5310,7 @@
               <a:t>0.060</a:t>
             </a:r>
             <a:r>
-              <a:rPr lang="en-US" sz="2800" b="1" dirty="0" smtClean="0">
+              <a:rPr lang="en-US" sz="2800" b="1" dirty="0">
                 <a:solidFill>
                   <a:srgbClr val="FF0000"/>
                 </a:solidFill>
@@ -5581,7 +5320,7 @@
               <a:t>*</a:t>
             </a:r>
             <a:r>
-              <a:rPr lang="en-US" sz="2800" b="1" dirty="0" smtClean="0">
+              <a:rPr lang="en-US" sz="2800" b="1" dirty="0">
                 <a:solidFill>
                   <a:schemeClr val="tx1"/>
                 </a:solidFill>
@@ -5591,7 +5330,7 @@
               <a:t>(interior Design)</a:t>
             </a:r>
             <a:r>
-              <a:rPr lang="en-US" sz="2800" b="1" dirty="0" smtClean="0">
+              <a:rPr lang="en-US" sz="2800" b="1" dirty="0">
                 <a:solidFill>
                   <a:srgbClr val="FF0000"/>
                 </a:solidFill>
@@ -5601,7 +5340,7 @@
               <a:t> </a:t>
             </a:r>
             <a:r>
-              <a:rPr lang="en-US" sz="2800" b="1" dirty="0" smtClean="0">
+              <a:rPr lang="en-US" sz="2800" b="1" dirty="0">
                 <a:solidFill>
                   <a:schemeClr val="tx1"/>
                 </a:solidFill>
@@ -5611,7 +5350,7 @@
               <a:t>+</a:t>
             </a:r>
             <a:r>
-              <a:rPr lang="en-US" sz="2800" b="1" dirty="0" smtClean="0">
+              <a:rPr lang="en-US" sz="2800" b="1" dirty="0">
                 <a:solidFill>
                   <a:srgbClr val="FFFF00"/>
                 </a:solidFill>
@@ -5621,7 +5360,7 @@
               <a:t>0.047</a:t>
             </a:r>
             <a:r>
-              <a:rPr lang="en-US" sz="2800" b="1" dirty="0" smtClean="0">
+              <a:rPr lang="en-US" sz="2800" b="1" dirty="0">
                 <a:solidFill>
                   <a:srgbClr val="FF0000"/>
                 </a:solidFill>
@@ -5631,7 +5370,7 @@
               <a:t>*</a:t>
             </a:r>
             <a:r>
-              <a:rPr lang="en-US" sz="2800" b="1" dirty="0" smtClean="0">
+              <a:rPr lang="en-US" sz="2800" b="1" dirty="0">
                 <a:solidFill>
                   <a:schemeClr val="tx1"/>
                 </a:solidFill>
@@ -5648,13 +5387,6 @@
   <p:clrMapOvr>
     <a:masterClrMapping/>
   </p:clrMapOvr>
-  <p:timing>
-    <p:tnLst>
-      <p:par>
-        <p:cTn id="1" dur="indefinite" restart="never" nodeType="tmRoot"/>
-      </p:par>
-    </p:tnLst>
-  </p:timing>
 </p:sld>
 </file>
 
@@ -5712,26 +5444,26 @@
             <a:pPr>
               <a:buNone/>
             </a:pPr>
-            <a:endParaRPr lang="en-US" dirty="0" smtClean="0"/>
+            <a:endParaRPr lang="en-US" dirty="0"/>
           </a:p>
           <a:p>
             <a:pPr>
               <a:buNone/>
             </a:pPr>
-            <a:endParaRPr lang="en-US" dirty="0" smtClean="0"/>
+            <a:endParaRPr lang="en-US" dirty="0"/>
           </a:p>
           <a:p>
             <a:pPr>
               <a:buNone/>
             </a:pPr>
-            <a:endParaRPr lang="en-US" dirty="0" smtClean="0"/>
+            <a:endParaRPr lang="en-US" dirty="0"/>
           </a:p>
           <a:p>
             <a:pPr algn="ctr">
               <a:buNone/>
             </a:pPr>
             <a:r>
-              <a:rPr lang="en-US" sz="4500" b="1" dirty="0" smtClean="0">
+              <a:rPr lang="en-US" sz="4500" b="1" dirty="0">
                 <a:solidFill>
                   <a:srgbClr val="FF0000"/>
                 </a:solidFill>
@@ -5740,13 +5472,6 @@
               </a:rPr>
               <a:t>Thank You</a:t>
             </a:r>
-            <a:endParaRPr lang="en-US" sz="4500" b="1" dirty="0">
-              <a:solidFill>
-                <a:srgbClr val="FF0000"/>
-              </a:solidFill>
-              <a:latin typeface="Times New Roman" pitchFamily="18" charset="0"/>
-              <a:cs typeface="Times New Roman" pitchFamily="18" charset="0"/>
-            </a:endParaRPr>
           </a:p>
         </p:txBody>
       </p:sp>
@@ -5755,13 +5480,6 @@
   <p:clrMapOvr>
     <a:masterClrMapping/>
   </p:clrMapOvr>
-  <p:timing>
-    <p:tnLst>
-      <p:par>
-        <p:cTn id="1" dur="indefinite" restart="never" nodeType="tmRoot"/>
-      </p:par>
-    </p:tnLst>
-  </p:timing>
 </p:sld>
 </file>
 
@@ -5805,7 +5523,7 @@
           <a:lstStyle/>
           <a:p>
             <a:r>
-              <a:rPr lang="en-US" sz="4500" b="1" dirty="0" smtClean="0">
+              <a:rPr lang="en-US" sz="4500" b="1" dirty="0">
                 <a:solidFill>
                   <a:srgbClr val="FF0000"/>
                 </a:solidFill>
@@ -5814,13 +5532,6 @@
               </a:rPr>
               <a:t>Outline</a:t>
             </a:r>
-            <a:endParaRPr lang="en-US" sz="4500" b="1" dirty="0">
-              <a:solidFill>
-                <a:srgbClr val="FF0000"/>
-              </a:solidFill>
-              <a:latin typeface="Times New Roman" pitchFamily="18" charset="0"/>
-              <a:cs typeface="Times New Roman" pitchFamily="18" charset="0"/>
-            </a:endParaRPr>
           </a:p>
         </p:txBody>
       </p:sp>
@@ -5847,21 +5558,21 @@
           <a:lstStyle/>
           <a:p>
             <a:r>
-              <a:rPr lang="en-US" b="1" dirty="0" smtClean="0">
+              <a:rPr lang="en-US" b="1" dirty="0">
                 <a:latin typeface="Times New Roman" pitchFamily="18" charset="0"/>
                 <a:cs typeface="Times New Roman" pitchFamily="18" charset="0"/>
               </a:rPr>
               <a:t>What is </a:t>
             </a:r>
             <a:r>
-              <a:rPr lang="en-US" b="1" dirty="0" err="1" smtClean="0">
+              <a:rPr lang="en-US" b="1" dirty="0" err="1">
                 <a:latin typeface="Times New Roman" pitchFamily="18" charset="0"/>
                 <a:cs typeface="Times New Roman" pitchFamily="18" charset="0"/>
               </a:rPr>
               <a:t>Discriminant</a:t>
             </a:r>
             <a:r>
-              <a:rPr lang="en-US" b="1" dirty="0" smtClean="0">
+              <a:rPr lang="en-US" b="1" dirty="0">
                 <a:latin typeface="Times New Roman" pitchFamily="18" charset="0"/>
                 <a:cs typeface="Times New Roman" pitchFamily="18" charset="0"/>
               </a:rPr>
@@ -5870,28 +5581,21 @@
           </a:p>
           <a:p>
             <a:r>
-              <a:rPr lang="en-US" b="1" dirty="0" smtClean="0">
-                <a:latin typeface="Times New Roman" pitchFamily="18" charset="0"/>
-                <a:cs typeface="Times New Roman" pitchFamily="18" charset="0"/>
-              </a:rPr>
-              <a:t>Objective(s) </a:t>
-            </a:r>
-            <a:r>
-              <a:rPr lang="en-US" b="1" dirty="0" smtClean="0">
-                <a:latin typeface="Times New Roman" pitchFamily="18" charset="0"/>
-                <a:cs typeface="Times New Roman" pitchFamily="18" charset="0"/>
-              </a:rPr>
-              <a:t>of </a:t>
-            </a:r>
-            <a:r>
-              <a:rPr lang="en-US" b="1" dirty="0" err="1" smtClean="0">
+              <a:rPr lang="en-US" b="1" dirty="0">
+                <a:latin typeface="Times New Roman" pitchFamily="18" charset="0"/>
+                <a:cs typeface="Times New Roman" pitchFamily="18" charset="0"/>
+              </a:rPr>
+              <a:t>Objective(s) of </a:t>
+            </a:r>
+            <a:r>
+              <a:rPr lang="en-US" b="1" dirty="0" err="1">
                 <a:latin typeface="Times New Roman" pitchFamily="18" charset="0"/>
                 <a:cs typeface="Times New Roman" pitchFamily="18" charset="0"/>
               </a:rPr>
               <a:t>Discriminant</a:t>
             </a:r>
             <a:r>
-              <a:rPr lang="en-US" b="1" dirty="0" smtClean="0">
+              <a:rPr lang="en-US" b="1" dirty="0">
                 <a:latin typeface="Times New Roman" pitchFamily="18" charset="0"/>
                 <a:cs typeface="Times New Roman" pitchFamily="18" charset="0"/>
               </a:rPr>
@@ -5900,28 +5604,21 @@
           </a:p>
           <a:p>
             <a:r>
-              <a:rPr lang="en-US" b="1" dirty="0" smtClean="0">
-                <a:latin typeface="Times New Roman" pitchFamily="18" charset="0"/>
-                <a:cs typeface="Times New Roman" pitchFamily="18" charset="0"/>
-              </a:rPr>
-              <a:t>Applications </a:t>
-            </a:r>
-            <a:r>
-              <a:rPr lang="en-US" b="1" dirty="0" smtClean="0">
-                <a:latin typeface="Times New Roman" pitchFamily="18" charset="0"/>
-                <a:cs typeface="Times New Roman" pitchFamily="18" charset="0"/>
-              </a:rPr>
-              <a:t>of </a:t>
-            </a:r>
-            <a:r>
-              <a:rPr lang="en-US" b="1" dirty="0" err="1" smtClean="0">
+              <a:rPr lang="en-US" b="1" dirty="0">
+                <a:latin typeface="Times New Roman" pitchFamily="18" charset="0"/>
+                <a:cs typeface="Times New Roman" pitchFamily="18" charset="0"/>
+              </a:rPr>
+              <a:t>Applications of </a:t>
+            </a:r>
+            <a:r>
+              <a:rPr lang="en-US" b="1" dirty="0" err="1">
                 <a:latin typeface="Times New Roman" pitchFamily="18" charset="0"/>
                 <a:cs typeface="Times New Roman" pitchFamily="18" charset="0"/>
               </a:rPr>
               <a:t>Discriminant</a:t>
             </a:r>
             <a:r>
-              <a:rPr lang="en-US" b="1" dirty="0" smtClean="0">
+              <a:rPr lang="en-US" b="1" dirty="0">
                 <a:latin typeface="Times New Roman" pitchFamily="18" charset="0"/>
                 <a:cs typeface="Times New Roman" pitchFamily="18" charset="0"/>
               </a:rPr>
@@ -5930,21 +5627,21 @@
           </a:p>
           <a:p>
             <a:r>
-              <a:rPr lang="en-US" b="1" dirty="0" smtClean="0">
+              <a:rPr lang="en-US" b="1" dirty="0">
                 <a:latin typeface="Times New Roman" pitchFamily="18" charset="0"/>
                 <a:cs typeface="Times New Roman" pitchFamily="18" charset="0"/>
               </a:rPr>
               <a:t>Assumptions of </a:t>
             </a:r>
             <a:r>
-              <a:rPr lang="en-US" b="1" dirty="0" err="1" smtClean="0">
+              <a:rPr lang="en-US" b="1" dirty="0" err="1">
                 <a:latin typeface="Times New Roman" pitchFamily="18" charset="0"/>
                 <a:cs typeface="Times New Roman" pitchFamily="18" charset="0"/>
               </a:rPr>
               <a:t>Discriminant</a:t>
             </a:r>
             <a:r>
-              <a:rPr lang="en-US" b="1" dirty="0" smtClean="0">
+              <a:rPr lang="en-US" b="1" dirty="0">
                 <a:latin typeface="Times New Roman" pitchFamily="18" charset="0"/>
                 <a:cs typeface="Times New Roman" pitchFamily="18" charset="0"/>
               </a:rPr>
@@ -5953,14 +5650,14 @@
           </a:p>
           <a:p>
             <a:r>
-              <a:rPr lang="en-US" b="1" dirty="0" err="1" smtClean="0">
+              <a:rPr lang="en-US" b="1" dirty="0" err="1">
                 <a:latin typeface="Times New Roman" pitchFamily="18" charset="0"/>
                 <a:cs typeface="Times New Roman" pitchFamily="18" charset="0"/>
               </a:rPr>
               <a:t>Discriminant</a:t>
             </a:r>
             <a:r>
-              <a:rPr lang="en-US" b="1" dirty="0" smtClean="0">
+              <a:rPr lang="en-US" b="1" dirty="0">
                 <a:latin typeface="Times New Roman" pitchFamily="18" charset="0"/>
                 <a:cs typeface="Times New Roman" pitchFamily="18" charset="0"/>
               </a:rPr>
@@ -5969,14 +5666,14 @@
           </a:p>
           <a:p>
             <a:r>
-              <a:rPr lang="en-US" b="1" dirty="0" err="1" smtClean="0">
+              <a:rPr lang="en-US" b="1" dirty="0" err="1">
                 <a:latin typeface="Times New Roman" pitchFamily="18" charset="0"/>
                 <a:cs typeface="Times New Roman" pitchFamily="18" charset="0"/>
               </a:rPr>
               <a:t>Discriminant</a:t>
             </a:r>
             <a:r>
-              <a:rPr lang="en-US" b="1" dirty="0" smtClean="0">
+              <a:rPr lang="en-US" b="1" dirty="0">
                 <a:latin typeface="Times New Roman" pitchFamily="18" charset="0"/>
                 <a:cs typeface="Times New Roman" pitchFamily="18" charset="0"/>
               </a:rPr>
@@ -5985,14 +5682,14 @@
           </a:p>
           <a:p>
             <a:r>
-              <a:rPr lang="en-US" b="1" dirty="0" err="1" smtClean="0">
+              <a:rPr lang="en-US" b="1" dirty="0" err="1">
                 <a:latin typeface="Times New Roman" pitchFamily="18" charset="0"/>
                 <a:cs typeface="Times New Roman" pitchFamily="18" charset="0"/>
               </a:rPr>
               <a:t>Discriminant</a:t>
             </a:r>
             <a:r>
-              <a:rPr lang="en-US" b="1" dirty="0" smtClean="0">
+              <a:rPr lang="en-US" b="1" dirty="0">
                 <a:latin typeface="Times New Roman" pitchFamily="18" charset="0"/>
                 <a:cs typeface="Times New Roman" pitchFamily="18" charset="0"/>
               </a:rPr>
@@ -6001,21 +5698,21 @@
           </a:p>
           <a:p>
             <a:r>
-              <a:rPr lang="en-US" b="1" dirty="0" smtClean="0">
+              <a:rPr lang="en-US" b="1" dirty="0">
                 <a:latin typeface="Times New Roman" pitchFamily="18" charset="0"/>
                 <a:cs typeface="Times New Roman" pitchFamily="18" charset="0"/>
               </a:rPr>
               <a:t>A Case Study : </a:t>
             </a:r>
             <a:r>
-              <a:rPr lang="en-US" b="1" dirty="0" err="1" smtClean="0">
+              <a:rPr lang="en-US" b="1" dirty="0" err="1">
                 <a:latin typeface="Times New Roman" pitchFamily="18" charset="0"/>
                 <a:cs typeface="Times New Roman" pitchFamily="18" charset="0"/>
               </a:rPr>
               <a:t>Discriminant</a:t>
             </a:r>
             <a:r>
-              <a:rPr lang="en-US" b="1" dirty="0" smtClean="0">
+              <a:rPr lang="en-US" b="1" dirty="0">
                 <a:latin typeface="Times New Roman" pitchFamily="18" charset="0"/>
                 <a:cs typeface="Times New Roman" pitchFamily="18" charset="0"/>
               </a:rPr>
@@ -6026,7 +5723,7 @@
             <a:pPr>
               <a:buNone/>
             </a:pPr>
-            <a:endParaRPr lang="en-US" b="1" dirty="0" smtClean="0">
+            <a:endParaRPr lang="en-US" b="1" dirty="0">
               <a:latin typeface="Times New Roman" pitchFamily="18" charset="0"/>
               <a:cs typeface="Times New Roman" pitchFamily="18" charset="0"/>
             </a:endParaRPr>
@@ -6041,13 +5738,6 @@
   <p:clrMapOvr>
     <a:masterClrMapping/>
   </p:clrMapOvr>
-  <p:timing>
-    <p:tnLst>
-      <p:par>
-        <p:cTn id="1" dur="indefinite" restart="never" nodeType="tmRoot"/>
-      </p:par>
-    </p:tnLst>
-  </p:timing>
 </p:sld>
 </file>
 
@@ -6091,7 +5781,7 @@
           <a:lstStyle/>
           <a:p>
             <a:r>
-              <a:rPr lang="en-US" sz="4500" b="1" dirty="0" smtClean="0">
+              <a:rPr lang="en-US" sz="4500" b="1" dirty="0">
                 <a:solidFill>
                   <a:srgbClr val="FF0000"/>
                 </a:solidFill>
@@ -6101,7 +5791,7 @@
               <a:t>What is </a:t>
             </a:r>
             <a:r>
-              <a:rPr lang="en-US" sz="4500" b="1" dirty="0" err="1" smtClean="0">
+              <a:rPr lang="en-US" sz="4500" b="1" dirty="0" err="1">
                 <a:solidFill>
                   <a:srgbClr val="FF0000"/>
                 </a:solidFill>
@@ -6111,7 +5801,7 @@
               <a:t>Discriminant</a:t>
             </a:r>
             <a:r>
-              <a:rPr lang="en-US" sz="4500" b="1" dirty="0" smtClean="0">
+              <a:rPr lang="en-US" sz="4500" b="1" dirty="0">
                 <a:solidFill>
                   <a:srgbClr val="FF0000"/>
                 </a:solidFill>
@@ -6120,13 +5810,6 @@
               </a:rPr>
               <a:t> Analysis ?</a:t>
             </a:r>
-            <a:endParaRPr lang="en-US" sz="4500" b="1" dirty="0">
-              <a:solidFill>
-                <a:srgbClr val="FF0000"/>
-              </a:solidFill>
-              <a:latin typeface="Times New Roman" pitchFamily="18" charset="0"/>
-              <a:cs typeface="Times New Roman" pitchFamily="18" charset="0"/>
-            </a:endParaRPr>
           </a:p>
         </p:txBody>
       </p:sp>
@@ -6154,7 +5837,7 @@
           <a:p>
             <a:pPr algn="just"/>
             <a:r>
-              <a:rPr lang="en-US" sz="3400" b="1" dirty="0" err="1" smtClean="0">
+              <a:rPr lang="en-US" sz="3400" b="1" dirty="0" err="1">
                 <a:solidFill>
                   <a:srgbClr val="00B0F0"/>
                 </a:solidFill>
@@ -6164,7 +5847,7 @@
               <a:t>Discriminant</a:t>
             </a:r>
             <a:r>
-              <a:rPr lang="en-US" sz="3400" b="1" dirty="0" smtClean="0">
+              <a:rPr lang="en-US" sz="3400" b="1" dirty="0">
                 <a:solidFill>
                   <a:srgbClr val="00B0F0"/>
                 </a:solidFill>
@@ -6174,14 +5857,14 @@
               <a:t> Analysis</a:t>
             </a:r>
             <a:r>
-              <a:rPr lang="en-US" sz="3400" b="1" dirty="0" smtClean="0">
+              <a:rPr lang="en-US" sz="3400" b="1" dirty="0">
                 <a:latin typeface="Times New Roman" pitchFamily="18" charset="0"/>
                 <a:cs typeface="Times New Roman" pitchFamily="18" charset="0"/>
               </a:rPr>
               <a:t> is used to analyze relationships between a </a:t>
             </a:r>
             <a:r>
-              <a:rPr lang="en-US" sz="3400" b="1" dirty="0" smtClean="0">
+              <a:rPr lang="en-US" sz="3400" b="1" dirty="0">
                 <a:solidFill>
                   <a:srgbClr val="FF0000"/>
                 </a:solidFill>
@@ -6191,14 +5874,14 @@
               <a:t>non-metric</a:t>
             </a:r>
             <a:r>
-              <a:rPr lang="en-US" sz="3400" b="1" dirty="0" smtClean="0">
+              <a:rPr lang="en-US" sz="3400" b="1" dirty="0">
                 <a:latin typeface="Times New Roman" pitchFamily="18" charset="0"/>
                 <a:cs typeface="Times New Roman" pitchFamily="18" charset="0"/>
               </a:rPr>
               <a:t> dependent variable and </a:t>
             </a:r>
             <a:r>
-              <a:rPr lang="en-US" sz="3400" b="1" dirty="0" smtClean="0">
+              <a:rPr lang="en-US" sz="3400" b="1" dirty="0">
                 <a:solidFill>
                   <a:srgbClr val="FF0000"/>
                 </a:solidFill>
@@ -6208,7 +5891,7 @@
               <a:t>metric</a:t>
             </a:r>
             <a:r>
-              <a:rPr lang="en-US" sz="3400" b="1" dirty="0" smtClean="0">
+              <a:rPr lang="en-US" sz="3400" b="1" dirty="0">
                 <a:latin typeface="Times New Roman" pitchFamily="18" charset="0"/>
                 <a:cs typeface="Times New Roman" pitchFamily="18" charset="0"/>
               </a:rPr>
@@ -6218,7 +5901,7 @@
           <a:p>
             <a:pPr algn="just"/>
             <a:r>
-              <a:rPr lang="en-US" sz="3400" b="1" dirty="0" err="1" smtClean="0">
+              <a:rPr lang="en-US" sz="3400" b="1" dirty="0" err="1">
                 <a:solidFill>
                   <a:srgbClr val="7030A0"/>
                 </a:solidFill>
@@ -6228,7 +5911,7 @@
               <a:t>Discriminant</a:t>
             </a:r>
             <a:r>
-              <a:rPr lang="en-US" sz="3400" b="1" dirty="0" smtClean="0">
+              <a:rPr lang="en-US" sz="3400" b="1" dirty="0">
                 <a:solidFill>
                   <a:srgbClr val="7030A0"/>
                 </a:solidFill>
@@ -6238,7 +5921,7 @@
               <a:t> Analysis</a:t>
             </a:r>
             <a:r>
-              <a:rPr lang="en-US" sz="3400" b="1" dirty="0" smtClean="0">
+              <a:rPr lang="en-US" sz="3400" b="1" dirty="0">
                 <a:latin typeface="Times New Roman" pitchFamily="18" charset="0"/>
                 <a:cs typeface="Times New Roman" pitchFamily="18" charset="0"/>
               </a:rPr>
@@ -6248,7 +5931,7 @@
           <a:p>
             <a:pPr algn="just"/>
             <a:r>
-              <a:rPr lang="en-US" sz="3400" b="1" dirty="0" smtClean="0">
+              <a:rPr lang="en-US" sz="3400" b="1" dirty="0">
                 <a:latin typeface="Times New Roman" pitchFamily="18" charset="0"/>
                 <a:cs typeface="Times New Roman" pitchFamily="18" charset="0"/>
               </a:rPr>
@@ -6262,59 +5945,25 @@
                 <a:latin typeface="Times New Roman" pitchFamily="18" charset="0"/>
                 <a:cs typeface="Times New Roman" pitchFamily="18" charset="0"/>
               </a:rPr>
-              <a:t>D</a:t>
-            </a:r>
-            <a:r>
-              <a:rPr lang="en-US" sz="3400" b="1" dirty="0" err="1" smtClean="0">
+              <a:t>Discriminant</a:t>
+            </a:r>
+            <a:r>
+              <a:rPr lang="en-US" sz="3400" b="1" dirty="0">
                 <a:solidFill>
                   <a:srgbClr val="0070C0"/>
                 </a:solidFill>
                 <a:latin typeface="Times New Roman" pitchFamily="18" charset="0"/>
                 <a:cs typeface="Times New Roman" pitchFamily="18" charset="0"/>
               </a:rPr>
-              <a:t>iscriminant</a:t>
-            </a:r>
-            <a:r>
-              <a:rPr lang="en-US" sz="3400" b="1" dirty="0" smtClean="0">
-                <a:solidFill>
-                  <a:srgbClr val="0070C0"/>
-                </a:solidFill>
-                <a:latin typeface="Times New Roman" pitchFamily="18" charset="0"/>
-                <a:cs typeface="Times New Roman" pitchFamily="18" charset="0"/>
-              </a:rPr>
-              <a:t> </a:t>
-            </a:r>
-            <a:r>
-              <a:rPr lang="en-US" sz="3400" b="1" dirty="0" smtClean="0">
-                <a:solidFill>
-                  <a:srgbClr val="0070C0"/>
-                </a:solidFill>
-                <a:latin typeface="Times New Roman" pitchFamily="18" charset="0"/>
-                <a:cs typeface="Times New Roman" pitchFamily="18" charset="0"/>
-              </a:rPr>
-              <a:t>Analysis</a:t>
-            </a:r>
-            <a:r>
-              <a:rPr lang="en-US" sz="3400" b="1" dirty="0" smtClean="0">
-                <a:solidFill>
-                  <a:srgbClr val="0070C0"/>
-                </a:solidFill>
-                <a:latin typeface="Times New Roman" pitchFamily="18" charset="0"/>
-                <a:cs typeface="Times New Roman" pitchFamily="18" charset="0"/>
-              </a:rPr>
-              <a:t> </a:t>
-            </a:r>
-            <a:r>
-              <a:rPr lang="en-US" sz="3400" b="1" dirty="0" smtClean="0">
+              <a:t> Analysis </a:t>
+            </a:r>
+            <a:r>
+              <a:rPr lang="en-US" sz="3400" b="1" dirty="0">
                 <a:latin typeface="Times New Roman" pitchFamily="18" charset="0"/>
                 <a:cs typeface="Times New Roman" pitchFamily="18" charset="0"/>
               </a:rPr>
               <a:t>to develop a prediction model to classify the elements in different groups.  </a:t>
             </a:r>
-            <a:endParaRPr lang="en-US" sz="3400" b="1" dirty="0">
-              <a:latin typeface="Times New Roman" pitchFamily="18" charset="0"/>
-              <a:cs typeface="Times New Roman" pitchFamily="18" charset="0"/>
-            </a:endParaRPr>
           </a:p>
         </p:txBody>
       </p:sp>
@@ -6323,13 +5972,6 @@
   <p:clrMapOvr>
     <a:masterClrMapping/>
   </p:clrMapOvr>
-  <p:timing>
-    <p:tnLst>
-      <p:par>
-        <p:cTn id="1" dur="indefinite" restart="never" nodeType="tmRoot"/>
-      </p:par>
-    </p:tnLst>
-  </p:timing>
 </p:sld>
 </file>
 
@@ -6355,7 +5997,7 @@
           <p:cNvPr id="2" name="Title 1">
             <a:extLst>
               <a:ext uri="{FF2B5EF4-FFF2-40B4-BE49-F238E27FC236}">
-                <a16:creationId xmlns="" xmlns:a16="http://schemas.microsoft.com/office/drawing/2014/main" id="{BA5B60C7-5D3B-421A-B192-17DBEC75CFAE}"/>
+                <a16:creationId xmlns:a16="http://schemas.microsoft.com/office/drawing/2014/main" id="{BA5B60C7-5D3B-421A-B192-17DBEC75CFAE}"/>
               </a:ext>
             </a:extLst>
           </p:cNvPr>
@@ -6379,7 +6021,7 @@
           <a:lstStyle/>
           <a:p>
             <a:r>
-              <a:rPr lang="en-US" sz="4500" b="1" dirty="0" smtClean="0">
+              <a:rPr lang="en-US" sz="4500" b="1" dirty="0">
                 <a:solidFill>
                   <a:srgbClr val="FF0000"/>
                 </a:solidFill>
@@ -6389,7 +6031,7 @@
               <a:t>Objective of </a:t>
             </a:r>
             <a:r>
-              <a:rPr lang="en-US" sz="4500" b="1" dirty="0" err="1" smtClean="0">
+              <a:rPr lang="en-US" sz="4500" b="1" dirty="0" err="1">
                 <a:solidFill>
                   <a:srgbClr val="FF0000"/>
                 </a:solidFill>
@@ -6399,7 +6041,7 @@
               <a:t>Discriminant</a:t>
             </a:r>
             <a:r>
-              <a:rPr lang="en-US" sz="4500" b="1" dirty="0" smtClean="0">
+              <a:rPr lang="en-US" sz="4500" b="1" dirty="0">
                 <a:solidFill>
                   <a:srgbClr val="FF0000"/>
                 </a:solidFill>
@@ -6420,7 +6062,7 @@
           <p:cNvPr id="3" name="Content Placeholder 2">
             <a:extLst>
               <a:ext uri="{FF2B5EF4-FFF2-40B4-BE49-F238E27FC236}">
-                <a16:creationId xmlns="" xmlns:a16="http://schemas.microsoft.com/office/drawing/2014/main" id="{B385B0C4-D233-4022-964D-1504E7D183ED}"/>
+                <a16:creationId xmlns:a16="http://schemas.microsoft.com/office/drawing/2014/main" id="{B385B0C4-D233-4022-964D-1504E7D183ED}"/>
               </a:ext>
             </a:extLst>
           </p:cNvPr>
@@ -6446,124 +6088,75 @@
             <a:pPr>
               <a:buNone/>
             </a:pPr>
-            <a:endParaRPr lang="en-US" sz="3400" dirty="0" smtClean="0">
+            <a:endParaRPr lang="en-US" sz="3400" dirty="0">
               <a:latin typeface="Times New Roman" pitchFamily="18" charset="0"/>
               <a:cs typeface="Times New Roman" pitchFamily="18" charset="0"/>
             </a:endParaRPr>
           </a:p>
           <a:p>
             <a:r>
-              <a:rPr lang="en-US" sz="3800" b="1" dirty="0" smtClean="0">
+              <a:rPr lang="en-US" sz="3800" b="1" dirty="0">
                 <a:solidFill>
                   <a:srgbClr val="00B050"/>
                 </a:solidFill>
                 <a:latin typeface="Times New Roman" pitchFamily="18" charset="0"/>
                 <a:cs typeface="Times New Roman" pitchFamily="18" charset="0"/>
               </a:rPr>
-              <a:t>Classification </a:t>
+              <a:t>Classification Purpose</a:t>
             </a:r>
             <a:r>
               <a:rPr lang="en-US" sz="3800" b="1" dirty="0">
+                <a:latin typeface="Times New Roman" pitchFamily="18" charset="0"/>
+                <a:cs typeface="Times New Roman" pitchFamily="18" charset="0"/>
+              </a:rPr>
+              <a:t>- Classify objects such as individual, organizations, products etc.</a:t>
+            </a:r>
+          </a:p>
+          <a:p>
+            <a:r>
+              <a:rPr lang="en-US" sz="3800" b="1" dirty="0">
                 <a:solidFill>
                   <a:srgbClr val="00B050"/>
                 </a:solidFill>
                 <a:latin typeface="Times New Roman" pitchFamily="18" charset="0"/>
                 <a:cs typeface="Times New Roman" pitchFamily="18" charset="0"/>
               </a:rPr>
-              <a:t>Purpose</a:t>
+              <a:t>Prediction Model : </a:t>
             </a:r>
             <a:r>
               <a:rPr lang="en-US" sz="3800" b="1" dirty="0">
                 <a:latin typeface="Times New Roman" pitchFamily="18" charset="0"/>
                 <a:cs typeface="Times New Roman" pitchFamily="18" charset="0"/>
               </a:rPr>
-              <a:t>- Classify objects such as individual, </a:t>
-            </a:r>
-            <a:r>
-              <a:rPr lang="en-US" sz="3800" b="1" dirty="0" smtClean="0">
-                <a:latin typeface="Times New Roman" pitchFamily="18" charset="0"/>
-                <a:cs typeface="Times New Roman" pitchFamily="18" charset="0"/>
-              </a:rPr>
-              <a:t>organizations</a:t>
-            </a:r>
-            <a:r>
-              <a:rPr lang="en-US" sz="3800" b="1" dirty="0" smtClean="0">
-                <a:latin typeface="Times New Roman" pitchFamily="18" charset="0"/>
-                <a:cs typeface="Times New Roman" pitchFamily="18" charset="0"/>
-              </a:rPr>
-              <a:t>, </a:t>
+              <a:t>Development of a </a:t>
+            </a:r>
+            <a:r>
+              <a:rPr lang="en-US" sz="3800" b="1" dirty="0" err="1">
+                <a:latin typeface="Times New Roman" pitchFamily="18" charset="0"/>
+                <a:cs typeface="Times New Roman" pitchFamily="18" charset="0"/>
+              </a:rPr>
+              <a:t>discriminant</a:t>
             </a:r>
             <a:r>
               <a:rPr lang="en-US" sz="3800" b="1" dirty="0">
                 <a:latin typeface="Times New Roman" pitchFamily="18" charset="0"/>
                 <a:cs typeface="Times New Roman" pitchFamily="18" charset="0"/>
               </a:rPr>
-              <a:t>products etc</a:t>
-            </a:r>
-            <a:r>
-              <a:rPr lang="en-US" sz="3800" b="1" dirty="0" smtClean="0">
-                <a:latin typeface="Times New Roman" pitchFamily="18" charset="0"/>
-                <a:cs typeface="Times New Roman" pitchFamily="18" charset="0"/>
-              </a:rPr>
-              <a:t>.</a:t>
-            </a:r>
-          </a:p>
-          <a:p>
-            <a:r>
-              <a:rPr lang="en-US" sz="3800" b="1" dirty="0" smtClean="0">
-                <a:solidFill>
-                  <a:srgbClr val="00B050"/>
-                </a:solidFill>
-                <a:latin typeface="Times New Roman" pitchFamily="18" charset="0"/>
-                <a:cs typeface="Times New Roman" pitchFamily="18" charset="0"/>
-              </a:rPr>
-              <a:t>Prediction Model : </a:t>
-            </a:r>
-            <a:r>
-              <a:rPr lang="en-US" sz="3800" b="1" dirty="0" smtClean="0">
-                <a:latin typeface="Times New Roman" pitchFamily="18" charset="0"/>
-                <a:cs typeface="Times New Roman" pitchFamily="18" charset="0"/>
-              </a:rPr>
-              <a:t>Development of a </a:t>
-            </a:r>
-            <a:r>
-              <a:rPr lang="en-US" sz="3800" b="1" dirty="0" err="1" smtClean="0">
-                <a:latin typeface="Times New Roman" pitchFamily="18" charset="0"/>
-                <a:cs typeface="Times New Roman" pitchFamily="18" charset="0"/>
-              </a:rPr>
-              <a:t>discriminant</a:t>
-            </a:r>
-            <a:r>
-              <a:rPr lang="en-US" sz="3800" b="1" dirty="0" smtClean="0">
-                <a:latin typeface="Times New Roman" pitchFamily="18" charset="0"/>
-                <a:cs typeface="Times New Roman" pitchFamily="18" charset="0"/>
-              </a:rPr>
               <a:t> model to classify the new objects/members into different groups on the basis of past data.</a:t>
             </a:r>
-            <a:endParaRPr lang="en-US" sz="3800" b="1" dirty="0">
-              <a:latin typeface="Times New Roman" pitchFamily="18" charset="0"/>
-              <a:cs typeface="Times New Roman" pitchFamily="18" charset="0"/>
-            </a:endParaRPr>
           </a:p>
         </p:txBody>
       </p:sp>
     </p:spTree>
     <p:extLst>
       <p:ext uri="{BB962C8B-B14F-4D97-AF65-F5344CB8AC3E}">
-        <p14:creationId xmlns="" xmlns:p14="http://schemas.microsoft.com/office/powerpoint/2010/main" val="3979732768"/>
+        <p14:creationId xmlns:p14="http://schemas.microsoft.com/office/powerpoint/2010/main" val="3979732768"/>
       </p:ext>
     </p:extLst>
   </p:cSld>
   <p:clrMapOvr>
     <a:masterClrMapping/>
   </p:clrMapOvr>
-  <p:timing>
-    <p:tnLst>
-      <p:par>
-        <p:cTn id="1" dur="indefinite" restart="never" nodeType="tmRoot"/>
-      </p:par>
-    </p:tnLst>
-  </p:timing>
 </p:sld>
 </file>
 
@@ -6589,7 +6182,7 @@
           <p:cNvPr id="2" name="Title 1">
             <a:extLst>
               <a:ext uri="{FF2B5EF4-FFF2-40B4-BE49-F238E27FC236}">
-                <a16:creationId xmlns="" xmlns:a16="http://schemas.microsoft.com/office/drawing/2014/main" id="{0896C33D-EBF8-4B40-8117-DEB5807486F9}"/>
+                <a16:creationId xmlns:a16="http://schemas.microsoft.com/office/drawing/2014/main" id="{0896C33D-EBF8-4B40-8117-DEB5807486F9}"/>
               </a:ext>
             </a:extLst>
           </p:cNvPr>
@@ -6630,7 +6223,7 @@
           <p:cNvPr id="3" name="Content Placeholder 2">
             <a:extLst>
               <a:ext uri="{FF2B5EF4-FFF2-40B4-BE49-F238E27FC236}">
-                <a16:creationId xmlns="" xmlns:a16="http://schemas.microsoft.com/office/drawing/2014/main" id="{123DAA72-973E-4093-B9B9-21A1DA6568F2}"/>
+                <a16:creationId xmlns:a16="http://schemas.microsoft.com/office/drawing/2014/main" id="{123DAA72-973E-4093-B9B9-21A1DA6568F2}"/>
               </a:ext>
             </a:extLst>
           </p:cNvPr>
@@ -6654,7 +6247,7 @@
           <a:lstStyle/>
           <a:p>
             <a:r>
-              <a:rPr lang="en-US" sz="3400" b="1" dirty="0" smtClean="0">
+              <a:rPr lang="en-US" sz="3400" b="1" dirty="0">
                 <a:solidFill>
                   <a:srgbClr val="7030A0"/>
                 </a:solidFill>
@@ -6664,14 +6257,14 @@
               <a:t>Independent variables –</a:t>
             </a:r>
             <a:r>
-              <a:rPr lang="en-US" sz="3400" b="1" dirty="0" smtClean="0">
+              <a:rPr lang="en-US" sz="3400" b="1" dirty="0">
                 <a:latin typeface="Times New Roman" pitchFamily="18" charset="0"/>
                 <a:cs typeface="Times New Roman" pitchFamily="18" charset="0"/>
               </a:rPr>
               <a:t>Metric</a:t>
             </a:r>
             <a:r>
-              <a:rPr lang="en-US" sz="3400" b="1" dirty="0" smtClean="0">
+              <a:rPr lang="en-US" sz="3400" b="1" dirty="0">
                 <a:solidFill>
                   <a:srgbClr val="7030A0"/>
                 </a:solidFill>
@@ -6681,7 +6274,7 @@
               <a:t> </a:t>
             </a:r>
             <a:r>
-              <a:rPr lang="en-US" sz="3400" b="1" dirty="0" smtClean="0">
+              <a:rPr lang="en-US" sz="3400" b="1" dirty="0">
                 <a:solidFill>
                   <a:srgbClr val="FF0000"/>
                 </a:solidFill>
@@ -6691,7 +6284,7 @@
               <a:t>and</a:t>
             </a:r>
             <a:r>
-              <a:rPr lang="en-US" sz="3400" b="1" dirty="0" smtClean="0">
+              <a:rPr lang="en-US" sz="3400" b="1" dirty="0">
                 <a:solidFill>
                   <a:srgbClr val="7030A0"/>
                 </a:solidFill>
@@ -6701,7 +6294,7 @@
               <a:t> Dependent variable- </a:t>
             </a:r>
             <a:r>
-              <a:rPr lang="en-US" sz="3400" b="1" dirty="0" smtClean="0">
+              <a:rPr lang="en-US" sz="3400" b="1" dirty="0">
                 <a:latin typeface="Times New Roman" pitchFamily="18" charset="0"/>
                 <a:cs typeface="Times New Roman" pitchFamily="18" charset="0"/>
               </a:rPr>
@@ -6710,7 +6303,7 @@
           </a:p>
           <a:p>
             <a:r>
-              <a:rPr lang="en-US" sz="3400" b="1" dirty="0" smtClean="0">
+              <a:rPr lang="en-US" sz="3400" b="1" dirty="0">
                 <a:solidFill>
                   <a:srgbClr val="7030A0"/>
                 </a:solidFill>
@@ -6720,7 +6313,7 @@
               <a:t>Linearity: </a:t>
             </a:r>
             <a:r>
-              <a:rPr lang="en-US" sz="3400" b="1" dirty="0" smtClean="0">
+              <a:rPr lang="en-US" sz="3400" b="1" dirty="0">
                 <a:solidFill>
                   <a:srgbClr val="00B050"/>
                 </a:solidFill>
@@ -6729,321 +6322,239 @@
               </a:rPr>
               <a:t>Scatter Plot</a:t>
             </a:r>
-            <a:endParaRPr lang="en-US" sz="3400" b="1" dirty="0" smtClean="0">
-              <a:solidFill>
-                <a:srgbClr val="00B050"/>
-              </a:solidFill>
-              <a:latin typeface="Times New Roman" pitchFamily="18" charset="0"/>
-              <a:cs typeface="Times New Roman" pitchFamily="18" charset="0"/>
-            </a:endParaRPr>
-          </a:p>
-          <a:p>
-            <a:r>
-              <a:rPr lang="en-US" sz="3400" b="1" dirty="0" smtClean="0">
+          </a:p>
+          <a:p>
+            <a:r>
+              <a:rPr lang="en-US" sz="3400" b="1" dirty="0">
                 <a:solidFill>
                   <a:srgbClr val="7030A0"/>
                 </a:solidFill>
                 <a:latin typeface="Times New Roman" pitchFamily="18" charset="0"/>
                 <a:cs typeface="Times New Roman" pitchFamily="18" charset="0"/>
               </a:rPr>
-              <a:t>No </a:t>
-            </a:r>
-            <a:r>
-              <a:rPr lang="en-US" sz="3400" b="1" dirty="0" smtClean="0">
+              <a:t>No Outliers: </a:t>
+            </a:r>
+            <a:r>
+              <a:rPr lang="en-US" sz="3400" b="1" dirty="0">
+                <a:latin typeface="Times New Roman" pitchFamily="18" charset="0"/>
+                <a:cs typeface="Times New Roman" pitchFamily="18" charset="0"/>
+              </a:rPr>
+              <a:t>There should not be multivariate outliers in independent variables</a:t>
+            </a:r>
+            <a:r>
+              <a:rPr lang="en-US" sz="3400" b="1" dirty="0">
                 <a:solidFill>
                   <a:srgbClr val="7030A0"/>
                 </a:solidFill>
                 <a:latin typeface="Times New Roman" pitchFamily="18" charset="0"/>
                 <a:cs typeface="Times New Roman" pitchFamily="18" charset="0"/>
               </a:rPr>
-              <a:t>Outliers: </a:t>
-            </a:r>
-            <a:r>
-              <a:rPr lang="en-US" sz="3400" b="1" dirty="0" smtClean="0">
-                <a:latin typeface="Times New Roman" pitchFamily="18" charset="0"/>
-                <a:cs typeface="Times New Roman" pitchFamily="18" charset="0"/>
-              </a:rPr>
-              <a:t>There should not be multivariate outliers in independent variables</a:t>
-            </a:r>
-            <a:r>
-              <a:rPr lang="en-US" sz="3400" b="1" dirty="0" smtClean="0">
+              <a:t> </a:t>
+            </a:r>
+            <a:r>
+              <a:rPr lang="en-US" sz="3400" b="1" dirty="0">
+                <a:solidFill>
+                  <a:srgbClr val="00B050"/>
+                </a:solidFill>
+                <a:latin typeface="Times New Roman" pitchFamily="18" charset="0"/>
+                <a:cs typeface="Times New Roman" pitchFamily="18" charset="0"/>
+              </a:rPr>
+              <a:t>(Cooks Distance &lt;=1)</a:t>
+            </a:r>
+          </a:p>
+          <a:p>
+            <a:r>
+              <a:rPr lang="en-US" sz="3400" b="1" dirty="0">
                 <a:solidFill>
                   <a:srgbClr val="7030A0"/>
                 </a:solidFill>
                 <a:latin typeface="Times New Roman" pitchFamily="18" charset="0"/>
                 <a:cs typeface="Times New Roman" pitchFamily="18" charset="0"/>
               </a:rPr>
+              <a:t>Normality: </a:t>
+            </a:r>
+            <a:r>
+              <a:rPr lang="en-US" sz="3400" b="1" dirty="0">
+                <a:latin typeface="Times New Roman" pitchFamily="18" charset="0"/>
+                <a:cs typeface="Times New Roman" pitchFamily="18" charset="0"/>
+              </a:rPr>
+              <a:t>Multivariate</a:t>
+            </a:r>
+            <a:r>
+              <a:rPr lang="en-US" sz="3400" b="1" dirty="0">
+                <a:solidFill>
+                  <a:srgbClr val="7030A0"/>
+                </a:solidFill>
+                <a:latin typeface="Times New Roman" pitchFamily="18" charset="0"/>
+                <a:cs typeface="Times New Roman" pitchFamily="18" charset="0"/>
+              </a:rPr>
               <a:t> </a:t>
             </a:r>
             <a:r>
-              <a:rPr lang="en-US" sz="3400" b="1" dirty="0" smtClean="0">
+              <a:rPr lang="en-US" sz="3400" b="1" dirty="0">
                 <a:solidFill>
                   <a:srgbClr val="00B050"/>
                 </a:solidFill>
                 <a:latin typeface="Times New Roman" pitchFamily="18" charset="0"/>
                 <a:cs typeface="Times New Roman" pitchFamily="18" charset="0"/>
               </a:rPr>
-              <a:t>(Cooks Distance &lt;=1)</a:t>
-            </a:r>
-            <a:endParaRPr lang="en-US" sz="3400" b="1" dirty="0" smtClean="0">
-              <a:solidFill>
-                <a:srgbClr val="00B050"/>
-              </a:solidFill>
-              <a:latin typeface="Times New Roman" pitchFamily="18" charset="0"/>
-              <a:cs typeface="Times New Roman" pitchFamily="18" charset="0"/>
-            </a:endParaRPr>
-          </a:p>
-          <a:p>
-            <a:r>
-              <a:rPr lang="en-US" sz="3400" b="1" dirty="0" smtClean="0">
+              <a:t> (</a:t>
+            </a:r>
+            <a:r>
+              <a:rPr lang="en-US" sz="3400" b="1" dirty="0" err="1">
+                <a:solidFill>
+                  <a:srgbClr val="00B050"/>
+                </a:solidFill>
+                <a:latin typeface="Times New Roman" pitchFamily="18" charset="0"/>
+                <a:cs typeface="Times New Roman" pitchFamily="18" charset="0"/>
+              </a:rPr>
+              <a:t>Univariate</a:t>
+            </a:r>
+            <a:r>
+              <a:rPr lang="en-US" sz="3400" b="1" dirty="0">
+                <a:solidFill>
+                  <a:srgbClr val="00B050"/>
+                </a:solidFill>
+                <a:latin typeface="Times New Roman" pitchFamily="18" charset="0"/>
+                <a:cs typeface="Times New Roman" pitchFamily="18" charset="0"/>
+              </a:rPr>
+              <a:t> Normality : </a:t>
+            </a:r>
+            <a:r>
+              <a:rPr lang="en-US" sz="3400" b="1" dirty="0" err="1">
+                <a:solidFill>
+                  <a:srgbClr val="00B050"/>
+                </a:solidFill>
+                <a:latin typeface="Times New Roman" pitchFamily="18" charset="0"/>
+                <a:cs typeface="Times New Roman" pitchFamily="18" charset="0"/>
+              </a:rPr>
+              <a:t>Shpiro</a:t>
+            </a:r>
+            <a:r>
+              <a:rPr lang="en-US" sz="3400" b="1" dirty="0">
+                <a:solidFill>
+                  <a:srgbClr val="00B050"/>
+                </a:solidFill>
+                <a:latin typeface="Times New Roman" pitchFamily="18" charset="0"/>
+                <a:cs typeface="Times New Roman" pitchFamily="18" charset="0"/>
+              </a:rPr>
+              <a:t> </a:t>
+            </a:r>
+            <a:r>
+              <a:rPr lang="en-US" sz="3400" b="1" dirty="0" err="1">
+                <a:solidFill>
+                  <a:srgbClr val="00B050"/>
+                </a:solidFill>
+                <a:latin typeface="Times New Roman" pitchFamily="18" charset="0"/>
+                <a:cs typeface="Times New Roman" pitchFamily="18" charset="0"/>
+              </a:rPr>
+              <a:t>wilk</a:t>
+            </a:r>
+            <a:r>
+              <a:rPr lang="en-US" sz="3400" b="1" dirty="0">
+                <a:solidFill>
+                  <a:srgbClr val="00B050"/>
+                </a:solidFill>
+                <a:latin typeface="Times New Roman" pitchFamily="18" charset="0"/>
+                <a:cs typeface="Times New Roman" pitchFamily="18" charset="0"/>
+              </a:rPr>
+              <a:t> sig value &gt;0.05)</a:t>
+            </a:r>
+          </a:p>
+          <a:p>
+            <a:r>
+              <a:rPr lang="en-US" sz="3400" b="1" dirty="0" err="1">
                 <a:solidFill>
                   <a:srgbClr val="7030A0"/>
                 </a:solidFill>
                 <a:latin typeface="Times New Roman" pitchFamily="18" charset="0"/>
                 <a:cs typeface="Times New Roman" pitchFamily="18" charset="0"/>
               </a:rPr>
-              <a:t>Normality: </a:t>
-            </a:r>
-            <a:r>
-              <a:rPr lang="en-US" sz="3400" b="1" dirty="0" smtClean="0">
-                <a:latin typeface="Times New Roman" pitchFamily="18" charset="0"/>
-                <a:cs typeface="Times New Roman" pitchFamily="18" charset="0"/>
-              </a:rPr>
-              <a:t>Multivariate</a:t>
-            </a:r>
-            <a:r>
-              <a:rPr lang="en-US" sz="3400" b="1" dirty="0" smtClean="0">
+              <a:t>Multicollinearity</a:t>
+            </a:r>
+            <a:r>
+              <a:rPr lang="en-US" sz="3400" b="1" dirty="0">
                 <a:solidFill>
                   <a:srgbClr val="7030A0"/>
                 </a:solidFill>
                 <a:latin typeface="Times New Roman" pitchFamily="18" charset="0"/>
                 <a:cs typeface="Times New Roman" pitchFamily="18" charset="0"/>
               </a:rPr>
+              <a:t>: </a:t>
+            </a:r>
+            <a:r>
+              <a:rPr lang="en-US" sz="3400" b="1" dirty="0">
+                <a:latin typeface="Times New Roman" pitchFamily="18" charset="0"/>
+                <a:cs typeface="Times New Roman" pitchFamily="18" charset="0"/>
+              </a:rPr>
+              <a:t>There should not be </a:t>
+            </a:r>
+            <a:r>
+              <a:rPr lang="en-US" sz="3400" b="1" dirty="0" err="1">
+                <a:latin typeface="Times New Roman" pitchFamily="18" charset="0"/>
+                <a:cs typeface="Times New Roman" pitchFamily="18" charset="0"/>
+              </a:rPr>
+              <a:t>multicollinearity</a:t>
+            </a:r>
+            <a:r>
+              <a:rPr lang="en-US" sz="3400" b="1" dirty="0">
+                <a:latin typeface="Times New Roman" pitchFamily="18" charset="0"/>
+                <a:cs typeface="Times New Roman" pitchFamily="18" charset="0"/>
+              </a:rPr>
               <a:t> </a:t>
             </a:r>
             <a:r>
-              <a:rPr lang="en-US" sz="3400" b="1" dirty="0" smtClean="0">
+              <a:rPr lang="en-US" sz="3400" b="1" dirty="0">
                 <a:solidFill>
                   <a:srgbClr val="00B050"/>
                 </a:solidFill>
                 <a:latin typeface="Times New Roman" pitchFamily="18" charset="0"/>
                 <a:cs typeface="Times New Roman" pitchFamily="18" charset="0"/>
               </a:rPr>
+              <a:t>(r&lt;0.7)</a:t>
+            </a:r>
+          </a:p>
+          <a:p>
+            <a:r>
+              <a:rPr lang="en-US" sz="3400" b="1" dirty="0">
+                <a:solidFill>
+                  <a:srgbClr val="7030A0"/>
+                </a:solidFill>
+                <a:latin typeface="Times New Roman" pitchFamily="18" charset="0"/>
+                <a:cs typeface="Times New Roman" pitchFamily="18" charset="0"/>
+              </a:rPr>
+              <a:t>Equal Variance and Covariance Matrices (Box’s M):</a:t>
+            </a:r>
+            <a:r>
+              <a:rPr lang="en-US" sz="3400" b="1" dirty="0">
+                <a:latin typeface="Times New Roman" pitchFamily="18" charset="0"/>
+                <a:cs typeface="Times New Roman" pitchFamily="18" charset="0"/>
+              </a:rPr>
               <a:t> </a:t>
             </a:r>
             <a:r>
-              <a:rPr lang="en-US" sz="3400" b="1" dirty="0" smtClean="0">
+              <a:rPr lang="en-US" sz="3400" b="1" dirty="0">
                 <a:solidFill>
                   <a:srgbClr val="00B050"/>
                 </a:solidFill>
                 <a:latin typeface="Times New Roman" pitchFamily="18" charset="0"/>
                 <a:cs typeface="Times New Roman" pitchFamily="18" charset="0"/>
               </a:rPr>
-              <a:t>(</a:t>
-            </a:r>
-            <a:r>
-              <a:rPr lang="en-US" sz="3400" b="1" dirty="0" err="1" smtClean="0">
-                <a:solidFill>
-                  <a:srgbClr val="00B050"/>
-                </a:solidFill>
-                <a:latin typeface="Times New Roman" pitchFamily="18" charset="0"/>
-                <a:cs typeface="Times New Roman" pitchFamily="18" charset="0"/>
-              </a:rPr>
-              <a:t>Univariate</a:t>
-            </a:r>
-            <a:r>
-              <a:rPr lang="en-US" sz="3400" b="1" dirty="0" smtClean="0">
-                <a:solidFill>
-                  <a:srgbClr val="00B050"/>
-                </a:solidFill>
-                <a:latin typeface="Times New Roman" pitchFamily="18" charset="0"/>
-                <a:cs typeface="Times New Roman" pitchFamily="18" charset="0"/>
-              </a:rPr>
-              <a:t> Normality : </a:t>
-            </a:r>
-            <a:r>
-              <a:rPr lang="en-US" sz="3400" b="1" dirty="0" err="1" smtClean="0">
-                <a:solidFill>
-                  <a:srgbClr val="00B050"/>
-                </a:solidFill>
-                <a:latin typeface="Times New Roman" pitchFamily="18" charset="0"/>
-                <a:cs typeface="Times New Roman" pitchFamily="18" charset="0"/>
-              </a:rPr>
-              <a:t>Shpiro</a:t>
-            </a:r>
-            <a:r>
-              <a:rPr lang="en-US" sz="3400" b="1" dirty="0" smtClean="0">
-                <a:solidFill>
-                  <a:srgbClr val="00B050"/>
-                </a:solidFill>
-                <a:latin typeface="Times New Roman" pitchFamily="18" charset="0"/>
-                <a:cs typeface="Times New Roman" pitchFamily="18" charset="0"/>
-              </a:rPr>
-              <a:t> </a:t>
-            </a:r>
-            <a:r>
-              <a:rPr lang="en-US" sz="3400" b="1" dirty="0" err="1" smtClean="0">
-                <a:solidFill>
-                  <a:srgbClr val="00B050"/>
-                </a:solidFill>
-                <a:latin typeface="Times New Roman" pitchFamily="18" charset="0"/>
-                <a:cs typeface="Times New Roman" pitchFamily="18" charset="0"/>
-              </a:rPr>
-              <a:t>wilk</a:t>
-            </a:r>
-            <a:r>
-              <a:rPr lang="en-US" sz="3400" b="1" dirty="0" smtClean="0">
-                <a:solidFill>
-                  <a:srgbClr val="00B050"/>
-                </a:solidFill>
-                <a:latin typeface="Times New Roman" pitchFamily="18" charset="0"/>
-                <a:cs typeface="Times New Roman" pitchFamily="18" charset="0"/>
-              </a:rPr>
-              <a:t> sig value &gt;0.05)</a:t>
-            </a:r>
-            <a:endParaRPr lang="en-US" sz="3400" b="1" dirty="0">
-              <a:solidFill>
-                <a:srgbClr val="00B050"/>
-              </a:solidFill>
-              <a:latin typeface="Times New Roman" pitchFamily="18" charset="0"/>
-              <a:cs typeface="Times New Roman" pitchFamily="18" charset="0"/>
-            </a:endParaRPr>
-          </a:p>
-          <a:p>
-            <a:r>
-              <a:rPr lang="en-US" sz="3400" b="1" dirty="0" err="1" smtClean="0">
-                <a:solidFill>
-                  <a:srgbClr val="7030A0"/>
-                </a:solidFill>
-                <a:latin typeface="Times New Roman" pitchFamily="18" charset="0"/>
-                <a:cs typeface="Times New Roman" pitchFamily="18" charset="0"/>
-              </a:rPr>
-              <a:t>Multicollinearity</a:t>
-            </a:r>
-            <a:r>
-              <a:rPr lang="en-US" sz="3400" b="1" dirty="0" smtClean="0">
-                <a:solidFill>
-                  <a:srgbClr val="7030A0"/>
-                </a:solidFill>
-                <a:latin typeface="Times New Roman" pitchFamily="18" charset="0"/>
-                <a:cs typeface="Times New Roman" pitchFamily="18" charset="0"/>
-              </a:rPr>
-              <a:t>: </a:t>
-            </a:r>
-            <a:r>
-              <a:rPr lang="en-US" sz="3400" b="1" dirty="0" smtClean="0">
-                <a:latin typeface="Times New Roman" pitchFamily="18" charset="0"/>
-                <a:cs typeface="Times New Roman" pitchFamily="18" charset="0"/>
-              </a:rPr>
-              <a:t>There should not be </a:t>
-            </a:r>
-            <a:r>
-              <a:rPr lang="en-US" sz="3400" b="1" dirty="0" err="1" smtClean="0">
-                <a:latin typeface="Times New Roman" pitchFamily="18" charset="0"/>
-                <a:cs typeface="Times New Roman" pitchFamily="18" charset="0"/>
-              </a:rPr>
-              <a:t>multicollinearity</a:t>
-            </a:r>
-            <a:r>
-              <a:rPr lang="en-US" sz="3400" b="1" dirty="0" smtClean="0">
-                <a:latin typeface="Times New Roman" pitchFamily="18" charset="0"/>
-                <a:cs typeface="Times New Roman" pitchFamily="18" charset="0"/>
-              </a:rPr>
-              <a:t> </a:t>
-            </a:r>
-            <a:r>
-              <a:rPr lang="en-US" sz="3400" b="1" dirty="0" smtClean="0">
-                <a:solidFill>
-                  <a:srgbClr val="00B050"/>
-                </a:solidFill>
-                <a:latin typeface="Times New Roman" pitchFamily="18" charset="0"/>
-                <a:cs typeface="Times New Roman" pitchFamily="18" charset="0"/>
-              </a:rPr>
-              <a:t>(r&lt;0.7)</a:t>
-            </a:r>
-            <a:endParaRPr lang="en-US" sz="3400" b="1" dirty="0" smtClean="0">
-              <a:solidFill>
-                <a:srgbClr val="00B050"/>
-              </a:solidFill>
-              <a:latin typeface="Times New Roman" pitchFamily="18" charset="0"/>
-              <a:cs typeface="Times New Roman" pitchFamily="18" charset="0"/>
-            </a:endParaRPr>
-          </a:p>
-          <a:p>
-            <a:r>
-              <a:rPr lang="en-US" sz="3400" b="1" dirty="0" smtClean="0">
-                <a:solidFill>
-                  <a:srgbClr val="7030A0"/>
-                </a:solidFill>
-                <a:latin typeface="Times New Roman" pitchFamily="18" charset="0"/>
-                <a:cs typeface="Times New Roman" pitchFamily="18" charset="0"/>
-              </a:rPr>
-              <a:t>Equal </a:t>
-            </a:r>
-            <a:r>
-              <a:rPr lang="en-US" sz="3400" b="1" dirty="0">
-                <a:solidFill>
-                  <a:srgbClr val="7030A0"/>
-                </a:solidFill>
-                <a:latin typeface="Times New Roman" pitchFamily="18" charset="0"/>
-                <a:cs typeface="Times New Roman" pitchFamily="18" charset="0"/>
-              </a:rPr>
-              <a:t>Variance and Covariance Matrices (Box’s M</a:t>
-            </a:r>
-            <a:r>
-              <a:rPr lang="en-US" sz="3400" b="1" dirty="0" smtClean="0">
-                <a:solidFill>
-                  <a:srgbClr val="7030A0"/>
-                </a:solidFill>
-                <a:latin typeface="Times New Roman" pitchFamily="18" charset="0"/>
-                <a:cs typeface="Times New Roman" pitchFamily="18" charset="0"/>
-              </a:rPr>
-              <a:t>):</a:t>
-            </a:r>
-            <a:r>
-              <a:rPr lang="en-US" sz="3400" b="1" dirty="0" smtClean="0">
-                <a:latin typeface="Times New Roman" pitchFamily="18" charset="0"/>
-                <a:cs typeface="Times New Roman" pitchFamily="18" charset="0"/>
-              </a:rPr>
-              <a:t> </a:t>
-            </a:r>
-            <a:r>
-              <a:rPr lang="en-US" sz="3400" b="1" dirty="0" smtClean="0">
-                <a:solidFill>
-                  <a:srgbClr val="00B050"/>
-                </a:solidFill>
-                <a:latin typeface="Times New Roman" pitchFamily="18" charset="0"/>
-                <a:cs typeface="Times New Roman" pitchFamily="18" charset="0"/>
-              </a:rPr>
               <a:t>Sig Value&gt; 0.05</a:t>
             </a:r>
-            <a:endParaRPr lang="en-US" sz="3400" b="1" dirty="0">
-              <a:solidFill>
-                <a:srgbClr val="00B050"/>
-              </a:solidFill>
-              <a:latin typeface="Times New Roman" pitchFamily="18" charset="0"/>
-              <a:cs typeface="Times New Roman" pitchFamily="18" charset="0"/>
-            </a:endParaRPr>
           </a:p>
         </p:txBody>
       </p:sp>
     </p:spTree>
     <p:extLst>
       <p:ext uri="{BB962C8B-B14F-4D97-AF65-F5344CB8AC3E}">
-        <p14:creationId xmlns="" xmlns:p14="http://schemas.microsoft.com/office/powerpoint/2010/main" val="1195972680"/>
+        <p14:creationId xmlns:p14="http://schemas.microsoft.com/office/powerpoint/2010/main" val="1195972680"/>
       </p:ext>
     </p:extLst>
   </p:cSld>
   <p:clrMapOvr>
     <a:masterClrMapping/>
   </p:clrMapOvr>
-  <p:timing>
-    <p:tnLst>
-      <p:par>
-        <p:cTn id="1" dur="indefinite" restart="never" nodeType="tmRoot"/>
-      </p:par>
-    </p:tnLst>
-  </p:timing>
 </p:sld>
 </file>
 
@@ -7087,52 +6598,35 @@
           <a:lstStyle/>
           <a:p>
             <a:r>
-              <a:rPr lang="en-US" sz="4500" b="1" dirty="0" smtClean="0">
+              <a:rPr lang="en-US" sz="4500" b="1" dirty="0">
                 <a:solidFill>
                   <a:srgbClr val="FF0000"/>
                 </a:solidFill>
                 <a:latin typeface="Times New Roman" pitchFamily="18" charset="0"/>
                 <a:cs typeface="Times New Roman" pitchFamily="18" charset="0"/>
               </a:rPr>
-              <a:t>Applications </a:t>
-            </a:r>
-            <a:r>
-              <a:rPr lang="en-US" sz="4500" b="1" dirty="0" smtClean="0">
+              <a:t>Applications of </a:t>
+            </a:r>
+            <a:r>
+              <a:rPr lang="en-US" sz="4500" b="1" dirty="0" err="1">
                 <a:solidFill>
                   <a:srgbClr val="FF0000"/>
                 </a:solidFill>
                 <a:latin typeface="Times New Roman" pitchFamily="18" charset="0"/>
                 <a:cs typeface="Times New Roman" pitchFamily="18" charset="0"/>
               </a:rPr>
-              <a:t>of </a:t>
-            </a:r>
-            <a:r>
-              <a:rPr lang="en-US" sz="4500" b="1" dirty="0" err="1" smtClean="0">
+              <a:t>Discriminant</a:t>
+            </a:r>
+            <a:r>
+              <a:rPr lang="en-US" sz="4500" b="1" dirty="0">
                 <a:solidFill>
                   <a:srgbClr val="FF0000"/>
                 </a:solidFill>
                 <a:latin typeface="Times New Roman" pitchFamily="18" charset="0"/>
                 <a:cs typeface="Times New Roman" pitchFamily="18" charset="0"/>
               </a:rPr>
-              <a:t>Discriminant</a:t>
-            </a:r>
-            <a:r>
-              <a:rPr lang="en-US" sz="4500" b="1" dirty="0" smtClean="0">
-                <a:solidFill>
-                  <a:srgbClr val="FF0000"/>
-                </a:solidFill>
-                <a:latin typeface="Times New Roman" pitchFamily="18" charset="0"/>
-                <a:cs typeface="Times New Roman" pitchFamily="18" charset="0"/>
-              </a:rPr>
               <a:t> Analysis ?</a:t>
             </a:r>
-            <a:endParaRPr lang="en-US" sz="4500" b="1" dirty="0">
-              <a:solidFill>
-                <a:srgbClr val="FF0000"/>
-              </a:solidFill>
-              <a:latin typeface="Times New Roman" pitchFamily="18" charset="0"/>
-              <a:cs typeface="Times New Roman" pitchFamily="18" charset="0"/>
-            </a:endParaRPr>
           </a:p>
         </p:txBody>
       </p:sp>
@@ -7159,7 +6653,7 @@
           <a:lstStyle/>
           <a:p>
             <a:r>
-              <a:rPr lang="en-US" sz="2900" b="1" dirty="0" smtClean="0">
+              <a:rPr lang="en-US" sz="2900" b="1" dirty="0">
                 <a:solidFill>
                   <a:srgbClr val="00B0F0"/>
                 </a:solidFill>
@@ -7169,7 +6663,7 @@
               <a:t>Product Research:</a:t>
             </a:r>
             <a:r>
-              <a:rPr lang="en-US" sz="2900" b="1" dirty="0" smtClean="0">
+              <a:rPr lang="en-US" sz="2900" b="1" dirty="0">
                 <a:latin typeface="Times New Roman" pitchFamily="18" charset="0"/>
                 <a:cs typeface="Times New Roman" pitchFamily="18" charset="0"/>
               </a:rPr>
@@ -7178,7 +6672,7 @@
           </a:p>
           <a:p>
             <a:r>
-              <a:rPr lang="en-US" sz="2900" b="1" dirty="0" smtClean="0">
+              <a:rPr lang="en-US" sz="2900" b="1" dirty="0">
                 <a:solidFill>
                   <a:srgbClr val="00B050"/>
                 </a:solidFill>
@@ -7188,41 +6682,16 @@
               <a:t>Perception/Image Research:</a:t>
             </a:r>
             <a:r>
-              <a:rPr lang="en-US" sz="2900" b="1" dirty="0" smtClean="0">
-                <a:latin typeface="Times New Roman" pitchFamily="18" charset="0"/>
-                <a:cs typeface="Times New Roman" pitchFamily="18" charset="0"/>
-              </a:rPr>
-              <a:t> Distinguish between consumers </a:t>
-            </a:r>
-            <a:r>
-              <a:rPr lang="en-US" sz="2900" b="1" dirty="0" smtClean="0">
-                <a:latin typeface="Times New Roman" pitchFamily="18" charset="0"/>
-                <a:cs typeface="Times New Roman" pitchFamily="18" charset="0"/>
-              </a:rPr>
-              <a:t>who exhibit favorable or unfavorable </a:t>
-            </a:r>
-            <a:r>
-              <a:rPr lang="en-US" sz="2900" b="1" dirty="0" smtClean="0">
-                <a:latin typeface="Times New Roman" pitchFamily="18" charset="0"/>
-                <a:cs typeface="Times New Roman" pitchFamily="18" charset="0"/>
-              </a:rPr>
-              <a:t>perceptions of a store or </a:t>
-            </a:r>
-            <a:r>
-              <a:rPr lang="en-US" sz="2900" b="1" dirty="0" smtClean="0">
-                <a:latin typeface="Times New Roman" pitchFamily="18" charset="0"/>
-                <a:cs typeface="Times New Roman" pitchFamily="18" charset="0"/>
-              </a:rPr>
-              <a:t>company.</a:t>
-            </a:r>
-            <a:endParaRPr lang="en-US" sz="2900" b="1" dirty="0" smtClean="0">
-              <a:latin typeface="Times New Roman" pitchFamily="18" charset="0"/>
-              <a:cs typeface="Times New Roman" pitchFamily="18" charset="0"/>
-            </a:endParaRPr>
-          </a:p>
-          <a:p>
-            <a:r>
-              <a:rPr lang="en-US" sz="2900" b="1" dirty="0" smtClean="0">
+              <a:rPr lang="en-US" sz="2900" b="1" dirty="0">
+                <a:latin typeface="Times New Roman" pitchFamily="18" charset="0"/>
+                <a:cs typeface="Times New Roman" pitchFamily="18" charset="0"/>
+              </a:rPr>
+              <a:t> Distinguish between consumers who exhibit favorable or unfavorable perceptions of a store or company.</a:t>
+            </a:r>
+          </a:p>
+          <a:p>
+            <a:r>
+              <a:rPr lang="en-US" sz="2900" b="1" dirty="0">
                 <a:solidFill>
                   <a:srgbClr val="7030A0"/>
                 </a:solidFill>
@@ -7232,7 +6701,7 @@
               <a:t>Advertising Research : </a:t>
             </a:r>
             <a:r>
-              <a:rPr lang="en-US" sz="2900" b="1" dirty="0" smtClean="0">
+              <a:rPr lang="en-US" sz="2900" b="1" dirty="0">
                 <a:latin typeface="Times New Roman" pitchFamily="18" charset="0"/>
                 <a:cs typeface="Times New Roman" pitchFamily="18" charset="0"/>
               </a:rPr>
@@ -7241,7 +6710,7 @@
           </a:p>
           <a:p>
             <a:r>
-              <a:rPr lang="en-US" sz="2900" b="1" dirty="0" smtClean="0">
+              <a:rPr lang="en-US" sz="2900" b="1" dirty="0">
                 <a:solidFill>
                   <a:srgbClr val="00B0F0"/>
                 </a:solidFill>
@@ -7251,23 +6720,16 @@
               <a:t>Direct Marketing :</a:t>
             </a:r>
             <a:r>
-              <a:rPr lang="en-US" sz="2900" b="1" dirty="0" smtClean="0">
-                <a:latin typeface="Times New Roman" pitchFamily="18" charset="0"/>
-                <a:cs typeface="Times New Roman" pitchFamily="18" charset="0"/>
-              </a:rPr>
-              <a:t> Identify the characteristics of consumers who will respond to a direct marketing campaign and those who will not</a:t>
-            </a:r>
-            <a:r>
-              <a:rPr lang="en-US" sz="2900" b="1" dirty="0" smtClean="0">
-                <a:latin typeface="Times New Roman" pitchFamily="18" charset="0"/>
-                <a:cs typeface="Times New Roman" pitchFamily="18" charset="0"/>
-              </a:rPr>
-              <a:t>.</a:t>
-            </a:r>
-          </a:p>
-          <a:p>
-            <a:r>
-              <a:rPr lang="en-US" sz="2900" b="1" dirty="0" smtClean="0">
+              <a:rPr lang="en-US" sz="2900" b="1" dirty="0">
+                <a:latin typeface="Times New Roman" pitchFamily="18" charset="0"/>
+                <a:cs typeface="Times New Roman" pitchFamily="18" charset="0"/>
+              </a:rPr>
+              <a:t> Identify the characteristics of consumers who will respond to a direct marketing campaign and those who will not.</a:t>
+            </a:r>
+          </a:p>
+          <a:p>
+            <a:r>
+              <a:rPr lang="en-US" sz="2900" b="1" dirty="0">
                 <a:solidFill>
                   <a:srgbClr val="00B050"/>
                 </a:solidFill>
@@ -7277,7 +6739,7 @@
               <a:t>A COVID-19 patient:</a:t>
             </a:r>
             <a:r>
-              <a:rPr lang="en-US" sz="2900" b="1" dirty="0" smtClean="0">
+              <a:rPr lang="en-US" sz="2900" b="1" dirty="0">
                 <a:solidFill>
                   <a:srgbClr val="00B0F0"/>
                 </a:solidFill>
@@ -7287,7 +6749,7 @@
               <a:t> </a:t>
             </a:r>
             <a:r>
-              <a:rPr lang="en-US" sz="2900" b="1" dirty="0" smtClean="0">
+              <a:rPr lang="en-US" sz="2900" b="1" dirty="0">
                 <a:latin typeface="Times New Roman" pitchFamily="18" charset="0"/>
                 <a:cs typeface="Times New Roman" pitchFamily="18" charset="0"/>
               </a:rPr>
@@ -7296,7 +6758,7 @@
           </a:p>
           <a:p>
             <a:r>
-              <a:rPr lang="en-US" sz="2900" b="1" dirty="0" smtClean="0">
+              <a:rPr lang="en-US" sz="2900" b="1" dirty="0">
                 <a:solidFill>
                   <a:srgbClr val="7030A0"/>
                 </a:solidFill>
@@ -7306,7 +6768,7 @@
               <a:t>Bank Loan </a:t>
             </a:r>
             <a:r>
-              <a:rPr lang="en-US" sz="2900" b="1" dirty="0" smtClean="0">
+              <a:rPr lang="en-US" sz="2900" b="1" dirty="0">
                 <a:solidFill>
                   <a:srgbClr val="00B0F0"/>
                 </a:solidFill>
@@ -7316,7 +6778,7 @@
               <a:t>:</a:t>
             </a:r>
             <a:r>
-              <a:rPr lang="en-US" sz="2900" b="1" dirty="0" smtClean="0">
+              <a:rPr lang="en-US" sz="2900" b="1" dirty="0">
                 <a:latin typeface="Times New Roman" pitchFamily="18" charset="0"/>
                 <a:cs typeface="Times New Roman" pitchFamily="18" charset="0"/>
               </a:rPr>
@@ -7324,7 +6786,7 @@
             </a:r>
           </a:p>
           <a:p>
-            <a:endParaRPr lang="en-US" sz="2800" b="1" dirty="0" smtClean="0">
+            <a:endParaRPr lang="en-US" sz="2800" b="1" dirty="0">
               <a:latin typeface="Times New Roman" pitchFamily="18" charset="0"/>
               <a:cs typeface="Times New Roman" pitchFamily="18" charset="0"/>
             </a:endParaRPr>
@@ -7342,13 +6804,6 @@
   <p:clrMapOvr>
     <a:masterClrMapping/>
   </p:clrMapOvr>
-  <p:timing>
-    <p:tnLst>
-      <p:par>
-        <p:cTn id="1" dur="indefinite" restart="never" nodeType="tmRoot"/>
-      </p:par>
-    </p:tnLst>
-  </p:timing>
 </p:sld>
 </file>
 
@@ -7387,7 +6842,7 @@
           <a:lstStyle/>
           <a:p>
             <a:r>
-              <a:rPr lang="en-US" sz="4500" b="1" dirty="0" smtClean="0">
+              <a:rPr lang="en-US" sz="4500" b="1" dirty="0">
                 <a:solidFill>
                   <a:srgbClr val="FF0000"/>
                 </a:solidFill>
@@ -7396,13 +6851,6 @@
               </a:rPr>
               <a:t>Sample Size and Terminologies in DA</a:t>
             </a:r>
-            <a:endParaRPr lang="en-US" sz="4500" b="1" dirty="0">
-              <a:solidFill>
-                <a:srgbClr val="FF0000"/>
-              </a:solidFill>
-              <a:latin typeface="Times New Roman" pitchFamily="18" charset="0"/>
-              <a:cs typeface="Times New Roman" pitchFamily="18" charset="0"/>
-            </a:endParaRPr>
           </a:p>
         </p:txBody>
       </p:sp>
@@ -7427,7 +6875,7 @@
           <a:lstStyle/>
           <a:p>
             <a:r>
-              <a:rPr lang="en-US" b="1" dirty="0" smtClean="0">
+              <a:rPr lang="en-US" b="1" dirty="0">
                 <a:solidFill>
                   <a:srgbClr val="7030A0"/>
                 </a:solidFill>
@@ -7437,7 +6885,7 @@
               <a:t>Sample Size:</a:t>
             </a:r>
             <a:r>
-              <a:rPr lang="en-US" b="1" dirty="0" smtClean="0">
+              <a:rPr lang="en-US" b="1" dirty="0">
                 <a:latin typeface="Times New Roman" pitchFamily="18" charset="0"/>
                 <a:cs typeface="Times New Roman" pitchFamily="18" charset="0"/>
               </a:rPr>
@@ -7449,44 +6897,16 @@
               <a:buNone/>
             </a:pPr>
             <a:r>
-              <a:rPr lang="en-US" b="1" dirty="0" smtClean="0">
-                <a:latin typeface="Times New Roman" pitchFamily="18" charset="0"/>
-                <a:cs typeface="Times New Roman" pitchFamily="18" charset="0"/>
-              </a:rPr>
-              <a:t>                                  </a:t>
-            </a:r>
-            <a:r>
-              <a:rPr lang="en-US" b="1" dirty="0" smtClean="0">
-                <a:latin typeface="Times New Roman" pitchFamily="18" charset="0"/>
-                <a:cs typeface="Times New Roman" pitchFamily="18" charset="0"/>
-              </a:rPr>
-              <a:t>Sum </a:t>
-            </a:r>
-            <a:r>
-              <a:rPr lang="en-US" b="1" dirty="0" smtClean="0">
-                <a:latin typeface="Times New Roman" pitchFamily="18" charset="0"/>
-                <a:cs typeface="Times New Roman" pitchFamily="18" charset="0"/>
-              </a:rPr>
-              <a:t>of </a:t>
-            </a:r>
-            <a:r>
-              <a:rPr lang="en-US" b="1" dirty="0" smtClean="0">
-                <a:latin typeface="Times New Roman" pitchFamily="18" charset="0"/>
-                <a:cs typeface="Times New Roman" pitchFamily="18" charset="0"/>
-              </a:rPr>
-              <a:t>squares </a:t>
-            </a:r>
-            <a:r>
-              <a:rPr lang="en-US" b="1" dirty="0" smtClean="0">
-                <a:latin typeface="Times New Roman" pitchFamily="18" charset="0"/>
-                <a:cs typeface="Times New Roman" pitchFamily="18" charset="0"/>
-              </a:rPr>
-              <a:t>between the groups</a:t>
-            </a:r>
-          </a:p>
-          <a:p>
-            <a:r>
-              <a:rPr lang="en-US" b="1" dirty="0" smtClean="0">
+              <a:rPr lang="en-US" b="1" dirty="0">
+                <a:latin typeface="Times New Roman" pitchFamily="18" charset="0"/>
+                <a:cs typeface="Times New Roman" pitchFamily="18" charset="0"/>
+              </a:rPr>
+              <a:t>                                  Sum of squares between the groups</a:t>
+            </a:r>
+          </a:p>
+          <a:p>
+            <a:r>
+              <a:rPr lang="en-US" b="1" dirty="0">
                 <a:solidFill>
                   <a:srgbClr val="7030A0"/>
                 </a:solidFill>
@@ -7496,7 +6916,7 @@
               <a:t>Eigen Value (</a:t>
             </a:r>
             <a:r>
-              <a:rPr lang="el-GR" b="1" dirty="0" smtClean="0">
+              <a:rPr lang="el-GR" b="1" dirty="0">
                 <a:solidFill>
                   <a:srgbClr val="7030A0"/>
                 </a:solidFill>
@@ -7506,7 +6926,7 @@
               <a:t>λ</a:t>
             </a:r>
             <a:r>
-              <a:rPr lang="en-US" b="1" dirty="0" smtClean="0">
+              <a:rPr lang="en-US" b="1" dirty="0">
                 <a:solidFill>
                   <a:srgbClr val="7030A0"/>
                 </a:solidFill>
@@ -7516,7 +6936,7 @@
               <a:t>)</a:t>
             </a:r>
             <a:r>
-              <a:rPr lang="en-US" b="1" dirty="0" smtClean="0">
+              <a:rPr lang="en-US" b="1" dirty="0">
                 <a:latin typeface="Times New Roman" pitchFamily="18" charset="0"/>
                 <a:cs typeface="Times New Roman" pitchFamily="18" charset="0"/>
               </a:rPr>
@@ -7528,53 +6948,25 @@
               <a:buNone/>
             </a:pPr>
             <a:r>
-              <a:rPr lang="en-US" b="1" dirty="0" smtClean="0">
-                <a:latin typeface="Times New Roman" pitchFamily="18" charset="0"/>
-                <a:cs typeface="Times New Roman" pitchFamily="18" charset="0"/>
-              </a:rPr>
-              <a:t>                                  </a:t>
-            </a:r>
-            <a:r>
-              <a:rPr lang="en-US" b="1" dirty="0" smtClean="0">
-                <a:latin typeface="Times New Roman" pitchFamily="18" charset="0"/>
-                <a:cs typeface="Times New Roman" pitchFamily="18" charset="0"/>
-              </a:rPr>
-              <a:t>Sum </a:t>
-            </a:r>
-            <a:r>
-              <a:rPr lang="en-US" b="1" dirty="0" smtClean="0">
-                <a:latin typeface="Times New Roman" pitchFamily="18" charset="0"/>
-                <a:cs typeface="Times New Roman" pitchFamily="18" charset="0"/>
-              </a:rPr>
-              <a:t>of </a:t>
-            </a:r>
-            <a:r>
-              <a:rPr lang="en-US" b="1" dirty="0" smtClean="0">
-                <a:latin typeface="Times New Roman" pitchFamily="18" charset="0"/>
-                <a:cs typeface="Times New Roman" pitchFamily="18" charset="0"/>
-              </a:rPr>
-              <a:t>squares </a:t>
-            </a:r>
-            <a:r>
-              <a:rPr lang="en-US" b="1" dirty="0" smtClean="0">
-                <a:latin typeface="Times New Roman" pitchFamily="18" charset="0"/>
-                <a:cs typeface="Times New Roman" pitchFamily="18" charset="0"/>
-              </a:rPr>
-              <a:t>within the groups(Residual)</a:t>
+              <a:rPr lang="en-US" b="1" dirty="0">
+                <a:latin typeface="Times New Roman" pitchFamily="18" charset="0"/>
+                <a:cs typeface="Times New Roman" pitchFamily="18" charset="0"/>
+              </a:rPr>
+              <a:t>                                  Sum of squares within the groups(Residual)</a:t>
             </a:r>
           </a:p>
           <a:p>
             <a:pPr>
               <a:buNone/>
             </a:pPr>
-            <a:endParaRPr lang="en-US" b="1" dirty="0" smtClean="0">
+            <a:endParaRPr lang="en-US" b="1" dirty="0">
               <a:latin typeface="Times New Roman" pitchFamily="18" charset="0"/>
               <a:cs typeface="Times New Roman" pitchFamily="18" charset="0"/>
             </a:endParaRPr>
           </a:p>
           <a:p>
             <a:r>
-              <a:rPr lang="en-US" b="1" dirty="0" smtClean="0">
+              <a:rPr lang="en-US" b="1" dirty="0">
                 <a:solidFill>
                   <a:srgbClr val="7030A0"/>
                 </a:solidFill>
@@ -7584,35 +6976,35 @@
               <a:t>Canonical Correlation:</a:t>
             </a:r>
             <a:r>
-              <a:rPr lang="en-US" b="1" dirty="0" smtClean="0">
+              <a:rPr lang="en-US" b="1" dirty="0">
                 <a:latin typeface="Times New Roman" pitchFamily="18" charset="0"/>
                 <a:cs typeface="Times New Roman" pitchFamily="18" charset="0"/>
               </a:rPr>
               <a:t> √ </a:t>
             </a:r>
             <a:r>
-              <a:rPr lang="el-GR" b="1" dirty="0" smtClean="0">
+              <a:rPr lang="el-GR" b="1" dirty="0">
                 <a:latin typeface="Times New Roman" pitchFamily="18" charset="0"/>
                 <a:cs typeface="Times New Roman" pitchFamily="18" charset="0"/>
               </a:rPr>
               <a:t>λ</a:t>
             </a:r>
             <a:r>
-              <a:rPr lang="en-US" b="1" dirty="0" smtClean="0">
+              <a:rPr lang="en-US" b="1" dirty="0">
                 <a:latin typeface="Times New Roman" pitchFamily="18" charset="0"/>
                 <a:cs typeface="Times New Roman" pitchFamily="18" charset="0"/>
               </a:rPr>
               <a:t>/(1+</a:t>
             </a:r>
             <a:r>
-              <a:rPr lang="el-GR" b="1" dirty="0" smtClean="0">
+              <a:rPr lang="el-GR" b="1" dirty="0">
                 <a:latin typeface="Times New Roman" pitchFamily="18" charset="0"/>
                 <a:cs typeface="Times New Roman" pitchFamily="18" charset="0"/>
               </a:rPr>
               <a:t>λ</a:t>
             </a:r>
             <a:r>
-              <a:rPr lang="en-US" b="1" dirty="0" smtClean="0">
+              <a:rPr lang="en-US" b="1" dirty="0">
                 <a:latin typeface="Times New Roman" pitchFamily="18" charset="0"/>
                 <a:cs typeface="Times New Roman" pitchFamily="18" charset="0"/>
               </a:rPr>
@@ -7669,13 +7061,6 @@
   <p:clrMapOvr>
     <a:masterClrMapping/>
   </p:clrMapOvr>
-  <p:timing>
-    <p:tnLst>
-      <p:par>
-        <p:cTn id="1" dur="indefinite" restart="never" nodeType="tmRoot"/>
-      </p:par>
-    </p:tnLst>
-  </p:timing>
 </p:sld>
 </file>
 
@@ -7701,7 +7086,7 @@
           <p:cNvPr id="2" name="Title 1">
             <a:extLst>
               <a:ext uri="{FF2B5EF4-FFF2-40B4-BE49-F238E27FC236}">
-                <a16:creationId xmlns="" xmlns:a16="http://schemas.microsoft.com/office/drawing/2014/main" id="{8FF71FA9-53C5-4638-9FFF-89DAA585C177}"/>
+                <a16:creationId xmlns:a16="http://schemas.microsoft.com/office/drawing/2014/main" id="{8FF71FA9-53C5-4638-9FFF-89DAA585C177}"/>
               </a:ext>
             </a:extLst>
           </p:cNvPr>
@@ -7726,54 +7111,34 @@
           <a:p>
             <a:pPr algn="ctr"/>
             <a:r>
-              <a:rPr lang="en-US" sz="4500" b="1" dirty="0" smtClean="0">
+              <a:rPr lang="en-US" sz="4500" b="1" dirty="0">
                 <a:solidFill>
                   <a:srgbClr val="FF0000"/>
                 </a:solidFill>
                 <a:latin typeface="Times New Roman" panose="02020603050405020304" pitchFamily="18" charset="0"/>
                 <a:cs typeface="Times New Roman" panose="02020603050405020304" pitchFamily="18" charset="0"/>
               </a:rPr>
-              <a:t>Multiple </a:t>
-            </a:r>
-            <a:r>
-              <a:rPr lang="en-US" sz="4500" b="1" dirty="0">
+              <a:t>Multiple Regression and </a:t>
+            </a:r>
+            <a:r>
+              <a:rPr lang="en-US" sz="4500" b="1" dirty="0" err="1">
                 <a:solidFill>
                   <a:srgbClr val="FF0000"/>
                 </a:solidFill>
                 <a:latin typeface="Times New Roman" panose="02020603050405020304" pitchFamily="18" charset="0"/>
                 <a:cs typeface="Times New Roman" panose="02020603050405020304" pitchFamily="18" charset="0"/>
               </a:rPr>
-              <a:t>Regression and </a:t>
-            </a:r>
-            <a:r>
-              <a:rPr lang="en-US" sz="4500" b="1" dirty="0" err="1" smtClean="0">
+              <a:t>Discriminant</a:t>
+            </a:r>
+            <a:r>
+              <a:rPr lang="en-US" sz="4500" b="1" dirty="0">
                 <a:solidFill>
                   <a:srgbClr val="FF0000"/>
                 </a:solidFill>
                 <a:latin typeface="Times New Roman" panose="02020603050405020304" pitchFamily="18" charset="0"/>
                 <a:cs typeface="Times New Roman" panose="02020603050405020304" pitchFamily="18" charset="0"/>
               </a:rPr>
-              <a:t>Discriminant</a:t>
-            </a:r>
-            <a:r>
-              <a:rPr lang="en-US" sz="4500" b="1" dirty="0" smtClean="0">
-                <a:solidFill>
-                  <a:srgbClr val="FF0000"/>
-                </a:solidFill>
-                <a:latin typeface="Times New Roman" panose="02020603050405020304" pitchFamily="18" charset="0"/>
-                <a:cs typeface="Times New Roman" panose="02020603050405020304" pitchFamily="18" charset="0"/>
-              </a:rPr>
-              <a:t> </a:t>
-            </a:r>
-            <a:r>
-              <a:rPr lang="en-US" sz="4500" b="1" dirty="0">
-                <a:solidFill>
-                  <a:srgbClr val="FF0000"/>
-                </a:solidFill>
-                <a:latin typeface="Times New Roman" panose="02020603050405020304" pitchFamily="18" charset="0"/>
-                <a:cs typeface="Times New Roman" panose="02020603050405020304" pitchFamily="18" charset="0"/>
-              </a:rPr>
-              <a:t>Analysis</a:t>
+              <a:t> Analysis</a:t>
             </a:r>
           </a:p>
         </p:txBody>
@@ -7783,7 +7148,7 @@
           <p:cNvPr id="3" name="Content Placeholder 2">
             <a:extLst>
               <a:ext uri="{FF2B5EF4-FFF2-40B4-BE49-F238E27FC236}">
-                <a16:creationId xmlns="" xmlns:a16="http://schemas.microsoft.com/office/drawing/2014/main" id="{185992E2-F97B-45B0-806A-9F6B7BF96B1A}"/>
+                <a16:creationId xmlns:a16="http://schemas.microsoft.com/office/drawing/2014/main" id="{185992E2-F97B-45B0-806A-9F6B7BF96B1A}"/>
               </a:ext>
             </a:extLst>
           </p:cNvPr>
@@ -7806,7 +7171,7 @@
           </a:bodyPr>
           <a:lstStyle/>
           <a:p>
-            <a:endParaRPr lang="en-US" sz="2500" b="1" dirty="0" smtClean="0">
+            <a:endParaRPr lang="en-US" sz="2500" b="1" dirty="0">
               <a:solidFill>
                 <a:srgbClr val="7030A0"/>
               </a:solidFill>
@@ -7818,7 +7183,7 @@
             <a:pPr>
               <a:buNone/>
             </a:pPr>
-            <a:endParaRPr lang="en-US" sz="2500" b="1" dirty="0" smtClean="0">
+            <a:endParaRPr lang="en-US" sz="2500" b="1" dirty="0">
               <a:solidFill>
                 <a:srgbClr val="7030A0"/>
               </a:solidFill>
@@ -7827,7 +7192,7 @@
             </a:endParaRPr>
           </a:p>
           <a:p>
-            <a:endParaRPr lang="en-US" sz="2500" b="1" dirty="0" smtClean="0">
+            <a:endParaRPr lang="en-US" sz="2500" b="1" dirty="0">
               <a:solidFill>
                 <a:srgbClr val="7030A0"/>
               </a:solidFill>
@@ -7836,7 +7201,7 @@
             </a:endParaRPr>
           </a:p>
           <a:p>
-            <a:endParaRPr lang="en-US" sz="2500" b="1" dirty="0" smtClean="0">
+            <a:endParaRPr lang="en-US" sz="2500" b="1" dirty="0">
               <a:solidFill>
                 <a:srgbClr val="7030A0"/>
               </a:solidFill>
@@ -7845,7 +7210,7 @@
             </a:endParaRPr>
           </a:p>
           <a:p>
-            <a:endParaRPr lang="en-US" sz="2500" b="1" dirty="0" smtClean="0">
+            <a:endParaRPr lang="en-US" sz="2500" b="1" dirty="0">
               <a:solidFill>
                 <a:srgbClr val="7030A0"/>
               </a:solidFill>
@@ -7854,7 +7219,7 @@
             </a:endParaRPr>
           </a:p>
           <a:p>
-            <a:endParaRPr lang="en-US" sz="2500" b="1" dirty="0" smtClean="0">
+            <a:endParaRPr lang="en-US" sz="2500" b="1" dirty="0">
               <a:solidFill>
                 <a:srgbClr val="7030A0"/>
               </a:solidFill>
@@ -7863,7 +7228,7 @@
             </a:endParaRPr>
           </a:p>
           <a:p>
-            <a:endParaRPr lang="en-US" sz="2500" b="1" dirty="0" smtClean="0">
+            <a:endParaRPr lang="en-US" sz="2500" b="1" dirty="0">
               <a:solidFill>
                 <a:srgbClr val="7030A0"/>
               </a:solidFill>
@@ -7873,24 +7238,14 @@
           </a:p>
           <a:p>
             <a:r>
-              <a:rPr lang="en-US" sz="2500" b="1" dirty="0" smtClean="0">
+              <a:rPr lang="en-US" sz="2500" b="1" dirty="0">
                 <a:solidFill>
                   <a:srgbClr val="7030A0"/>
                 </a:solidFill>
                 <a:latin typeface="Times New Roman" pitchFamily="18" charset="0"/>
                 <a:cs typeface="Times New Roman" pitchFamily="18" charset="0"/>
               </a:rPr>
-              <a:t>Multiple </a:t>
-            </a:r>
-            <a:r>
-              <a:rPr lang="en-US" sz="2500" b="1" dirty="0">
-                <a:solidFill>
-                  <a:srgbClr val="7030A0"/>
-                </a:solidFill>
-                <a:latin typeface="Times New Roman" pitchFamily="18" charset="0"/>
-                <a:cs typeface="Times New Roman" pitchFamily="18" charset="0"/>
-              </a:rPr>
-              <a:t>Regression :</a:t>
+              <a:t>Multiple Regression :</a:t>
             </a:r>
             <a:r>
               <a:rPr lang="en-US" sz="2400" dirty="0">
@@ -8003,28 +7358,28 @@
               <a:t>+………+</a:t>
             </a:r>
             <a:r>
-              <a:rPr lang="en-US" sz="2400" b="1" dirty="0" err="1" smtClean="0">
+              <a:rPr lang="en-US" sz="2400" b="1" dirty="0" err="1">
                 <a:latin typeface="Times New Roman" pitchFamily="18" charset="0"/>
                 <a:cs typeface="Times New Roman" pitchFamily="18" charset="0"/>
               </a:rPr>
               <a:t>b</a:t>
             </a:r>
             <a:r>
-              <a:rPr lang="en-US" sz="2400" b="1" baseline="-25000" dirty="0" err="1" smtClean="0">
+              <a:rPr lang="en-US" sz="2400" b="1" baseline="-25000" dirty="0" err="1">
                 <a:latin typeface="Times New Roman" pitchFamily="18" charset="0"/>
                 <a:cs typeface="Times New Roman" pitchFamily="18" charset="0"/>
               </a:rPr>
               <a:t>n</a:t>
             </a:r>
             <a:r>
-              <a:rPr lang="en-US" sz="2400" b="1" dirty="0" err="1" smtClean="0">
+              <a:rPr lang="en-US" sz="2400" b="1" dirty="0" err="1">
                 <a:latin typeface="Times New Roman" pitchFamily="18" charset="0"/>
                 <a:cs typeface="Times New Roman" pitchFamily="18" charset="0"/>
               </a:rPr>
               <a:t>x</a:t>
             </a:r>
             <a:r>
-              <a:rPr lang="en-US" sz="2400" b="1" baseline="-25000" dirty="0" err="1" smtClean="0">
+              <a:rPr lang="en-US" sz="2400" b="1" baseline="-25000" dirty="0" err="1">
                 <a:latin typeface="Times New Roman" pitchFamily="18" charset="0"/>
                 <a:cs typeface="Times New Roman" pitchFamily="18" charset="0"/>
               </a:rPr>
@@ -8065,157 +7420,136 @@
                 <a:latin typeface="Times New Roman" pitchFamily="18" charset="0"/>
                 <a:cs typeface="Times New Roman" pitchFamily="18" charset="0"/>
               </a:rPr>
-              <a:t>       </a:t>
-            </a:r>
-            <a:r>
-              <a:rPr lang="en-US" sz="2400" dirty="0" smtClean="0">
-                <a:latin typeface="Times New Roman" pitchFamily="18" charset="0"/>
-                <a:cs typeface="Times New Roman" pitchFamily="18" charset="0"/>
-              </a:rPr>
-              <a:t>                     </a:t>
-            </a:r>
-            <a:r>
-              <a:rPr lang="en-US" sz="2400" b="1" dirty="0" smtClean="0">
+              <a:t>                            </a:t>
+            </a:r>
+            <a:r>
+              <a:rPr lang="en-US" sz="2400" b="1" dirty="0">
                 <a:latin typeface="Times New Roman" pitchFamily="18" charset="0"/>
                 <a:cs typeface="Times New Roman" pitchFamily="18" charset="0"/>
               </a:rPr>
               <a:t>Z </a:t>
             </a:r>
             <a:r>
-              <a:rPr lang="en-US" sz="2400" b="1" baseline="-25000" dirty="0" err="1" smtClean="0">
+              <a:rPr lang="en-US" sz="2400" b="1" baseline="-25000" dirty="0" err="1">
                 <a:latin typeface="Times New Roman" pitchFamily="18" charset="0"/>
                 <a:cs typeface="Times New Roman" pitchFamily="18" charset="0"/>
               </a:rPr>
               <a:t>jk</a:t>
             </a:r>
             <a:r>
-              <a:rPr lang="en-US" sz="2400" b="1" dirty="0" smtClean="0">
-                <a:latin typeface="Times New Roman" pitchFamily="18" charset="0"/>
-                <a:cs typeface="Times New Roman" pitchFamily="18" charset="0"/>
-              </a:rPr>
-              <a:t> </a:t>
-            </a:r>
-            <a:r>
               <a:rPr lang="en-US" sz="2400" b="1" dirty="0">
                 <a:latin typeface="Times New Roman" pitchFamily="18" charset="0"/>
                 <a:cs typeface="Times New Roman" pitchFamily="18" charset="0"/>
               </a:rPr>
-              <a:t>= </a:t>
-            </a:r>
-            <a:r>
-              <a:rPr lang="en-US" sz="2400" b="1" dirty="0" smtClean="0">
-                <a:latin typeface="Times New Roman" pitchFamily="18" charset="0"/>
-                <a:cs typeface="Times New Roman" pitchFamily="18" charset="0"/>
-              </a:rPr>
-              <a:t>a+w</a:t>
-            </a:r>
-            <a:r>
-              <a:rPr lang="en-US" sz="2400" b="1" baseline="-25000" dirty="0" smtClean="0">
+              <a:t> = a+w</a:t>
+            </a:r>
+            <a:r>
+              <a:rPr lang="en-US" sz="2400" b="1" baseline="-25000" dirty="0">
                 <a:latin typeface="Times New Roman" pitchFamily="18" charset="0"/>
                 <a:cs typeface="Times New Roman" pitchFamily="18" charset="0"/>
               </a:rPr>
               <a:t>1</a:t>
             </a:r>
             <a:r>
-              <a:rPr lang="en-US" sz="2400" b="1" dirty="0" smtClean="0">
+              <a:rPr lang="en-US" sz="2400" b="1" dirty="0">
                 <a:latin typeface="Times New Roman" pitchFamily="18" charset="0"/>
                 <a:cs typeface="Times New Roman" pitchFamily="18" charset="0"/>
               </a:rPr>
               <a:t>x</a:t>
             </a:r>
             <a:r>
-              <a:rPr lang="en-US" sz="2400" b="1" baseline="-25000" dirty="0" smtClean="0">
+              <a:rPr lang="en-US" sz="2400" b="1" baseline="-25000" dirty="0">
                 <a:latin typeface="Times New Roman" pitchFamily="18" charset="0"/>
                 <a:cs typeface="Times New Roman" pitchFamily="18" charset="0"/>
               </a:rPr>
               <a:t>1k</a:t>
             </a:r>
             <a:r>
-              <a:rPr lang="en-US" sz="2400" b="1" dirty="0" smtClean="0">
+              <a:rPr lang="en-US" sz="2400" b="1" dirty="0">
                 <a:latin typeface="Times New Roman" pitchFamily="18" charset="0"/>
                 <a:cs typeface="Times New Roman" pitchFamily="18" charset="0"/>
               </a:rPr>
               <a:t>+w</a:t>
             </a:r>
             <a:r>
-              <a:rPr lang="en-US" sz="2400" b="1" baseline="-25000" dirty="0" smtClean="0">
+              <a:rPr lang="en-US" sz="2400" b="1" baseline="-25000" dirty="0">
                 <a:latin typeface="Times New Roman" pitchFamily="18" charset="0"/>
                 <a:cs typeface="Times New Roman" pitchFamily="18" charset="0"/>
               </a:rPr>
               <a:t>2</a:t>
             </a:r>
             <a:r>
-              <a:rPr lang="en-US" sz="2400" b="1" dirty="0" smtClean="0">
+              <a:rPr lang="en-US" sz="2400" b="1" dirty="0">
                 <a:latin typeface="Times New Roman" pitchFamily="18" charset="0"/>
                 <a:cs typeface="Times New Roman" pitchFamily="18" charset="0"/>
               </a:rPr>
               <a:t>x</a:t>
             </a:r>
             <a:r>
-              <a:rPr lang="en-US" sz="2400" b="1" baseline="-25000" dirty="0" smtClean="0">
+              <a:rPr lang="en-US" sz="2400" b="1" baseline="-25000" dirty="0">
                 <a:latin typeface="Times New Roman" pitchFamily="18" charset="0"/>
                 <a:cs typeface="Times New Roman" pitchFamily="18" charset="0"/>
               </a:rPr>
               <a:t>2k</a:t>
             </a:r>
             <a:r>
-              <a:rPr lang="en-US" sz="2400" b="1" dirty="0" smtClean="0">
+              <a:rPr lang="en-US" sz="2400" b="1" dirty="0">
                 <a:latin typeface="Times New Roman" pitchFamily="18" charset="0"/>
                 <a:cs typeface="Times New Roman" pitchFamily="18" charset="0"/>
               </a:rPr>
               <a:t>+w</a:t>
             </a:r>
             <a:r>
-              <a:rPr lang="en-US" sz="2400" b="1" baseline="-25000" dirty="0" smtClean="0">
+              <a:rPr lang="en-US" sz="2400" b="1" baseline="-25000" dirty="0">
                 <a:latin typeface="Times New Roman" pitchFamily="18" charset="0"/>
                 <a:cs typeface="Times New Roman" pitchFamily="18" charset="0"/>
               </a:rPr>
               <a:t>3</a:t>
             </a:r>
             <a:r>
-              <a:rPr lang="en-US" sz="2400" b="1" dirty="0" smtClean="0">
+              <a:rPr lang="en-US" sz="2400" b="1" dirty="0">
                 <a:latin typeface="Times New Roman" pitchFamily="18" charset="0"/>
                 <a:cs typeface="Times New Roman" pitchFamily="18" charset="0"/>
               </a:rPr>
               <a:t>x</a:t>
             </a:r>
             <a:r>
-              <a:rPr lang="en-US" sz="2400" b="1" baseline="-25000" dirty="0" smtClean="0">
+              <a:rPr lang="en-US" sz="2400" b="1" baseline="-25000" dirty="0">
                 <a:latin typeface="Times New Roman" pitchFamily="18" charset="0"/>
                 <a:cs typeface="Times New Roman" pitchFamily="18" charset="0"/>
               </a:rPr>
               <a:t>3k</a:t>
             </a:r>
             <a:r>
-              <a:rPr lang="en-US" sz="2400" b="1" dirty="0" smtClean="0">
+              <a:rPr lang="en-US" sz="2400" b="1" dirty="0">
                 <a:latin typeface="Times New Roman" pitchFamily="18" charset="0"/>
                 <a:cs typeface="Times New Roman" pitchFamily="18" charset="0"/>
               </a:rPr>
               <a:t>+……….+</a:t>
             </a:r>
             <a:r>
-              <a:rPr lang="en-US" sz="2400" b="1" dirty="0" err="1" smtClean="0">
+              <a:rPr lang="en-US" sz="2400" b="1" dirty="0" err="1">
                 <a:latin typeface="Times New Roman" pitchFamily="18" charset="0"/>
                 <a:cs typeface="Times New Roman" pitchFamily="18" charset="0"/>
               </a:rPr>
               <a:t>w</a:t>
             </a:r>
             <a:r>
-              <a:rPr lang="en-US" sz="2400" b="1" baseline="-25000" dirty="0" err="1" smtClean="0">
+              <a:rPr lang="en-US" sz="2400" b="1" baseline="-25000" dirty="0" err="1">
                 <a:latin typeface="Times New Roman" pitchFamily="18" charset="0"/>
                 <a:cs typeface="Times New Roman" pitchFamily="18" charset="0"/>
               </a:rPr>
               <a:t>n</a:t>
             </a:r>
             <a:r>
-              <a:rPr lang="en-US" sz="2400" b="1" dirty="0" err="1" smtClean="0">
+              <a:rPr lang="en-US" sz="2400" b="1" dirty="0" err="1">
                 <a:latin typeface="Times New Roman" pitchFamily="18" charset="0"/>
                 <a:cs typeface="Times New Roman" pitchFamily="18" charset="0"/>
               </a:rPr>
               <a:t>x</a:t>
             </a:r>
             <a:r>
-              <a:rPr lang="en-US" sz="2400" b="1" baseline="-25000" dirty="0" err="1" smtClean="0">
+              <a:rPr lang="en-US" sz="2400" b="1" baseline="-25000" dirty="0" err="1">
                 <a:latin typeface="Times New Roman" pitchFamily="18" charset="0"/>
                 <a:cs typeface="Times New Roman" pitchFamily="18" charset="0"/>
               </a:rPr>
@@ -8230,7 +7564,7 @@
             <a:pPr marL="0" indent="0">
               <a:buNone/>
             </a:pPr>
-            <a:endParaRPr lang="en-US" sz="2400" dirty="0" smtClean="0">
+            <a:endParaRPr lang="en-US" sz="2400" dirty="0">
               <a:latin typeface="Times New Roman" pitchFamily="18" charset="0"/>
               <a:cs typeface="Times New Roman" pitchFamily="18" charset="0"/>
             </a:endParaRPr>
@@ -8240,39 +7574,32 @@
               <a:buNone/>
             </a:pPr>
             <a:r>
-              <a:rPr lang="en-US" sz="2400" dirty="0" smtClean="0">
+              <a:rPr lang="en-US" sz="2400" dirty="0">
                 <a:latin typeface="Times New Roman" pitchFamily="18" charset="0"/>
                 <a:cs typeface="Times New Roman" pitchFamily="18" charset="0"/>
               </a:rPr>
               <a:t>                            </a:t>
             </a:r>
             <a:r>
-              <a:rPr lang="en-US" sz="2400" b="1" dirty="0" smtClean="0">
+              <a:rPr lang="en-US" sz="2400" b="1" dirty="0">
                 <a:latin typeface="Times New Roman" pitchFamily="18" charset="0"/>
                 <a:cs typeface="Times New Roman" pitchFamily="18" charset="0"/>
               </a:rPr>
               <a:t>Z </a:t>
             </a:r>
             <a:r>
-              <a:rPr lang="en-US" sz="2400" b="1" baseline="-25000" dirty="0" err="1" smtClean="0">
+              <a:rPr lang="en-US" sz="2400" b="1" baseline="-25000" dirty="0" err="1">
                 <a:latin typeface="Times New Roman" pitchFamily="18" charset="0"/>
                 <a:cs typeface="Times New Roman" pitchFamily="18" charset="0"/>
               </a:rPr>
               <a:t>jk</a:t>
             </a:r>
             <a:r>
-              <a:rPr lang="en-US" sz="2400" b="1" dirty="0" smtClean="0">
-                <a:latin typeface="Times New Roman" pitchFamily="18" charset="0"/>
-                <a:cs typeface="Times New Roman" pitchFamily="18" charset="0"/>
-              </a:rPr>
-              <a:t> </a:t>
-            </a:r>
-            <a:r>
               <a:rPr lang="en-US" sz="2400" b="1" dirty="0">
                 <a:latin typeface="Times New Roman" pitchFamily="18" charset="0"/>
                 <a:cs typeface="Times New Roman" pitchFamily="18" charset="0"/>
               </a:rPr>
-              <a:t>=  Discriminant Z score of discriminant function j for object k.</a:t>
+              <a:t> =  Discriminant Z score of discriminant function j for object k.</a:t>
             </a:r>
           </a:p>
           <a:p>
@@ -8280,167 +7607,113 @@
               <a:buNone/>
             </a:pPr>
             <a:r>
-              <a:rPr lang="en-US" sz="2400" dirty="0" smtClean="0">
+              <a:rPr lang="en-US" sz="2400" dirty="0">
                 <a:latin typeface="Times New Roman" pitchFamily="18" charset="0"/>
                 <a:cs typeface="Times New Roman" pitchFamily="18" charset="0"/>
               </a:rPr>
               <a:t>                            </a:t>
             </a:r>
             <a:r>
-              <a:rPr lang="en-US" sz="2400" b="1" dirty="0" smtClean="0">
-                <a:latin typeface="Times New Roman" pitchFamily="18" charset="0"/>
-                <a:cs typeface="Times New Roman" pitchFamily="18" charset="0"/>
-              </a:rPr>
-              <a:t>a </a:t>
-            </a:r>
-            <a:r>
               <a:rPr lang="en-US" sz="2400" b="1" dirty="0">
                 <a:latin typeface="Times New Roman" pitchFamily="18" charset="0"/>
                 <a:cs typeface="Times New Roman" pitchFamily="18" charset="0"/>
               </a:rPr>
-              <a:t>= </a:t>
-            </a:r>
-            <a:r>
-              <a:rPr lang="en-US" sz="2400" b="1" dirty="0" smtClean="0">
-                <a:latin typeface="Times New Roman" pitchFamily="18" charset="0"/>
-                <a:cs typeface="Times New Roman" pitchFamily="18" charset="0"/>
-              </a:rPr>
-              <a:t>intercept.</a:t>
-            </a:r>
-            <a:endParaRPr lang="en-US" sz="2400" b="1" dirty="0">
-              <a:latin typeface="Times New Roman" pitchFamily="18" charset="0"/>
-              <a:cs typeface="Times New Roman" pitchFamily="18" charset="0"/>
-            </a:endParaRPr>
+              <a:t>a = intercept.</a:t>
+            </a:r>
           </a:p>
           <a:p>
             <a:pPr marL="0" indent="0">
               <a:buNone/>
             </a:pPr>
             <a:r>
-              <a:rPr lang="en-US" sz="2400" dirty="0" smtClean="0">
+              <a:rPr lang="en-US" sz="2400" dirty="0">
                 <a:latin typeface="Times New Roman" pitchFamily="18" charset="0"/>
                 <a:cs typeface="Times New Roman" pitchFamily="18" charset="0"/>
               </a:rPr>
               <a:t>                           </a:t>
             </a:r>
             <a:r>
-              <a:rPr lang="en-US" sz="2400" b="1" dirty="0" err="1" smtClean="0">
+              <a:rPr lang="en-US" sz="2400" b="1" dirty="0" err="1">
                 <a:latin typeface="Times New Roman" pitchFamily="18" charset="0"/>
                 <a:cs typeface="Times New Roman" pitchFamily="18" charset="0"/>
               </a:rPr>
               <a:t>w</a:t>
             </a:r>
             <a:r>
-              <a:rPr lang="en-US" sz="2400" b="1" baseline="-25000" dirty="0" err="1" smtClean="0">
+              <a:rPr lang="en-US" sz="2400" b="1" baseline="-25000" dirty="0" err="1">
                 <a:latin typeface="Times New Roman" pitchFamily="18" charset="0"/>
                 <a:cs typeface="Times New Roman" pitchFamily="18" charset="0"/>
               </a:rPr>
               <a:t>i</a:t>
             </a:r>
             <a:r>
-              <a:rPr lang="en-US" sz="2400" b="1" dirty="0" smtClean="0">
-                <a:latin typeface="Times New Roman" pitchFamily="18" charset="0"/>
-                <a:cs typeface="Times New Roman" pitchFamily="18" charset="0"/>
-              </a:rPr>
-              <a:t>= </a:t>
-            </a:r>
-            <a:r>
               <a:rPr lang="en-US" sz="2400" b="1" dirty="0">
                 <a:latin typeface="Times New Roman" pitchFamily="18" charset="0"/>
                 <a:cs typeface="Times New Roman" pitchFamily="18" charset="0"/>
               </a:rPr>
-              <a:t>Discriminant weight for independent variable </a:t>
-            </a:r>
-            <a:r>
-              <a:rPr lang="en-US" sz="2400" b="1" dirty="0" err="1" smtClean="0">
+              <a:t>= Discriminant weight for independent variable </a:t>
+            </a:r>
+            <a:r>
+              <a:rPr lang="en-US" sz="2400" b="1" dirty="0" err="1">
                 <a:latin typeface="Times New Roman" pitchFamily="18" charset="0"/>
                 <a:cs typeface="Times New Roman" pitchFamily="18" charset="0"/>
               </a:rPr>
               <a:t>i</a:t>
             </a:r>
             <a:r>
-              <a:rPr lang="en-US" sz="2400" b="1" dirty="0" smtClean="0">
+              <a:rPr lang="en-US" sz="2400" b="1" dirty="0">
                 <a:latin typeface="Times New Roman" pitchFamily="18" charset="0"/>
                 <a:cs typeface="Times New Roman" pitchFamily="18" charset="0"/>
               </a:rPr>
               <a:t>.</a:t>
             </a:r>
-            <a:endParaRPr lang="en-US" sz="2400" b="1" dirty="0">
-              <a:latin typeface="Times New Roman" pitchFamily="18" charset="0"/>
-              <a:cs typeface="Times New Roman" pitchFamily="18" charset="0"/>
-            </a:endParaRPr>
           </a:p>
           <a:p>
             <a:pPr marL="0" indent="0">
               <a:buNone/>
             </a:pPr>
             <a:r>
-              <a:rPr lang="en-US" sz="2400" dirty="0" smtClean="0">
+              <a:rPr lang="en-US" sz="2400" dirty="0">
                 <a:latin typeface="Times New Roman" pitchFamily="18" charset="0"/>
                 <a:cs typeface="Times New Roman" pitchFamily="18" charset="0"/>
               </a:rPr>
               <a:t>                            </a:t>
             </a:r>
             <a:r>
-              <a:rPr lang="en-US" sz="2400" b="1" dirty="0" err="1" smtClean="0">
+              <a:rPr lang="en-US" sz="2400" b="1" dirty="0" err="1">
                 <a:latin typeface="Times New Roman" pitchFamily="18" charset="0"/>
                 <a:cs typeface="Times New Roman" pitchFamily="18" charset="0"/>
               </a:rPr>
               <a:t>x</a:t>
             </a:r>
             <a:r>
-              <a:rPr lang="en-US" sz="2400" b="1" baseline="-25000" dirty="0" err="1" smtClean="0">
+              <a:rPr lang="en-US" sz="2400" b="1" baseline="-25000" dirty="0" err="1">
                 <a:latin typeface="Times New Roman" pitchFamily="18" charset="0"/>
                 <a:cs typeface="Times New Roman" pitchFamily="18" charset="0"/>
               </a:rPr>
               <a:t>ik</a:t>
             </a:r>
             <a:r>
-              <a:rPr lang="en-US" sz="2400" b="1" dirty="0" smtClean="0">
-                <a:latin typeface="Times New Roman" pitchFamily="18" charset="0"/>
-                <a:cs typeface="Times New Roman" pitchFamily="18" charset="0"/>
-              </a:rPr>
-              <a:t>= </a:t>
-            </a:r>
-            <a:r>
               <a:rPr lang="en-US" sz="2400" b="1" dirty="0">
                 <a:latin typeface="Times New Roman" pitchFamily="18" charset="0"/>
                 <a:cs typeface="Times New Roman" pitchFamily="18" charset="0"/>
               </a:rPr>
-              <a:t>independent variable </a:t>
-            </a:r>
-            <a:r>
-              <a:rPr lang="en-US" sz="2400" b="1" dirty="0" err="1" smtClean="0">
+              <a:t>= independent variable </a:t>
+            </a:r>
+            <a:r>
+              <a:rPr lang="en-US" sz="2400" b="1" dirty="0" err="1">
                 <a:latin typeface="Times New Roman" pitchFamily="18" charset="0"/>
                 <a:cs typeface="Times New Roman" pitchFamily="18" charset="0"/>
               </a:rPr>
               <a:t>i</a:t>
             </a:r>
             <a:r>
-              <a:rPr lang="en-US" sz="2400" b="1" dirty="0" smtClean="0">
-                <a:latin typeface="Times New Roman" pitchFamily="18" charset="0"/>
-                <a:cs typeface="Times New Roman" pitchFamily="18" charset="0"/>
-              </a:rPr>
-              <a:t> </a:t>
-            </a:r>
-            <a:r>
               <a:rPr lang="en-US" sz="2400" b="1" dirty="0">
                 <a:latin typeface="Times New Roman" pitchFamily="18" charset="0"/>
                 <a:cs typeface="Times New Roman" pitchFamily="18" charset="0"/>
               </a:rPr>
-              <a:t>for object </a:t>
-            </a:r>
-            <a:r>
-              <a:rPr lang="en-US" sz="2400" b="1" dirty="0" smtClean="0">
-                <a:latin typeface="Times New Roman" pitchFamily="18" charset="0"/>
-                <a:cs typeface="Times New Roman" pitchFamily="18" charset="0"/>
-              </a:rPr>
-              <a:t>k.</a:t>
-            </a:r>
-            <a:endParaRPr lang="en-US" sz="2400" b="1" dirty="0">
-              <a:latin typeface="Times New Roman" pitchFamily="18" charset="0"/>
-              <a:cs typeface="Times New Roman" pitchFamily="18" charset="0"/>
-            </a:endParaRPr>
+              <a:t> for object k.</a:t>
+            </a:r>
           </a:p>
         </p:txBody>
       </p:sp>
@@ -8463,8 +7736,20 @@
                 <a:tableStyleId>{5C22544A-7EE6-4342-B048-85BDC9FD1C3A}</a:tableStyleId>
               </a:tblPr>
               <a:tblGrid>
-                <a:gridCol w="2175188"/>
-                <a:gridCol w="1852526"/>
+                <a:gridCol w="2175188">
+                  <a:extLst>
+                    <a:ext uri="{9D8B030D-6E8A-4147-A177-3AD203B41FA5}">
+                      <a16:colId xmlns:a16="http://schemas.microsoft.com/office/drawing/2014/main" val="20000"/>
+                    </a:ext>
+                  </a:extLst>
+                </a:gridCol>
+                <a:gridCol w="1852526">
+                  <a:extLst>
+                    <a:ext uri="{9D8B030D-6E8A-4147-A177-3AD203B41FA5}">
+                      <a16:colId xmlns:a16="http://schemas.microsoft.com/office/drawing/2014/main" val="20001"/>
+                    </a:ext>
+                  </a:extLst>
+                </a:gridCol>
               </a:tblGrid>
               <a:tr h="427421">
                 <a:tc gridSpan="2">
@@ -8474,23 +7759,19 @@
                     <a:p>
                       <a:pPr algn="ctr"/>
                       <a:r>
-                        <a:rPr lang="en-US" sz="2000" dirty="0" err="1" smtClean="0">
+                        <a:rPr lang="en-US" sz="2000" dirty="0" err="1">
                           <a:latin typeface="Times New Roman" pitchFamily="18" charset="0"/>
                           <a:cs typeface="Times New Roman" pitchFamily="18" charset="0"/>
                         </a:rPr>
                         <a:t>Discriminant</a:t>
                       </a:r>
                       <a:r>
-                        <a:rPr lang="en-US" sz="2000" dirty="0" smtClean="0">
+                        <a:rPr lang="en-US" sz="2000" dirty="0">
                           <a:latin typeface="Times New Roman" pitchFamily="18" charset="0"/>
                           <a:cs typeface="Times New Roman" pitchFamily="18" charset="0"/>
                         </a:rPr>
                         <a:t> Analysis</a:t>
                       </a:r>
-                      <a:endParaRPr lang="en-US" sz="2000" dirty="0">
-                        <a:latin typeface="Times New Roman" pitchFamily="18" charset="0"/>
-                        <a:cs typeface="Times New Roman" pitchFamily="18" charset="0"/>
-                      </a:endParaRPr>
                     </a:p>
                   </a:txBody>
                   <a:tcPr/>
@@ -8505,6 +7786,11 @@
                   </a:txBody>
                   <a:tcPr/>
                 </a:tc>
+                <a:extLst>
+                  <a:ext uri="{0D108BD9-81ED-4DB2-BD59-A6C34878D82A}">
+                    <a16:rowId xmlns:a16="http://schemas.microsoft.com/office/drawing/2014/main" val="10000"/>
+                  </a:ext>
+                </a:extLst>
               </a:tr>
               <a:tr h="756207">
                 <a:tc>
@@ -8513,16 +7799,12 @@
                     <a:lstStyle/>
                     <a:p>
                       <a:r>
-                        <a:rPr lang="en-US" sz="2000" b="1" dirty="0" smtClean="0">
+                        <a:rPr lang="en-US" sz="2000" b="1" dirty="0">
                           <a:latin typeface="Times New Roman" pitchFamily="18" charset="0"/>
                           <a:cs typeface="Times New Roman" pitchFamily="18" charset="0"/>
                         </a:rPr>
                         <a:t>Independent Variables</a:t>
                       </a:r>
-                      <a:endParaRPr lang="en-US" sz="2000" b="1" dirty="0">
-                        <a:latin typeface="Times New Roman" pitchFamily="18" charset="0"/>
-                        <a:cs typeface="Times New Roman" pitchFamily="18" charset="0"/>
-                      </a:endParaRPr>
                     </a:p>
                   </a:txBody>
                   <a:tcPr/>
@@ -8533,7 +7815,7 @@
                     <a:lstStyle/>
                     <a:p>
                       <a:r>
-                        <a:rPr lang="en-US" sz="2000" b="1" dirty="0" smtClean="0">
+                        <a:rPr lang="en-US" sz="2000" b="1" dirty="0">
                           <a:solidFill>
                             <a:srgbClr val="FF0000"/>
                           </a:solidFill>
@@ -8542,17 +7824,15 @@
                         </a:rPr>
                         <a:t>Metric</a:t>
                       </a:r>
-                      <a:endParaRPr lang="en-US" sz="2000" b="1" dirty="0">
-                        <a:solidFill>
-                          <a:srgbClr val="FF0000"/>
-                        </a:solidFill>
-                        <a:latin typeface="Times New Roman" pitchFamily="18" charset="0"/>
-                        <a:cs typeface="Times New Roman" pitchFamily="18" charset="0"/>
-                      </a:endParaRPr>
                     </a:p>
                   </a:txBody>
                   <a:tcPr/>
                 </a:tc>
+                <a:extLst>
+                  <a:ext uri="{0D108BD9-81ED-4DB2-BD59-A6C34878D82A}">
+                    <a16:rowId xmlns:a16="http://schemas.microsoft.com/office/drawing/2014/main" val="10001"/>
+                  </a:ext>
+                </a:extLst>
               </a:tr>
               <a:tr h="756207">
                 <a:tc>
@@ -8561,16 +7841,12 @@
                     <a:lstStyle/>
                     <a:p>
                       <a:r>
-                        <a:rPr lang="en-US" sz="2000" b="1" dirty="0" smtClean="0">
+                        <a:rPr lang="en-US" sz="2000" b="1" dirty="0">
                           <a:latin typeface="Times New Roman" pitchFamily="18" charset="0"/>
                           <a:cs typeface="Times New Roman" pitchFamily="18" charset="0"/>
                         </a:rPr>
                         <a:t>Dependent Variable</a:t>
                       </a:r>
-                      <a:endParaRPr lang="en-US" sz="2000" b="1" dirty="0">
-                        <a:latin typeface="Times New Roman" pitchFamily="18" charset="0"/>
-                        <a:cs typeface="Times New Roman" pitchFamily="18" charset="0"/>
-                      </a:endParaRPr>
                     </a:p>
                   </a:txBody>
                   <a:tcPr/>
@@ -8581,7 +7857,7 @@
                     <a:lstStyle/>
                     <a:p>
                       <a:r>
-                        <a:rPr lang="en-US" sz="2000" b="1" dirty="0" smtClean="0">
+                        <a:rPr lang="en-US" sz="2000" b="1" dirty="0">
                           <a:solidFill>
                             <a:srgbClr val="FF0000"/>
                           </a:solidFill>
@@ -8590,17 +7866,15 @@
                         </a:rPr>
                         <a:t>Non-Metric</a:t>
                       </a:r>
-                      <a:endParaRPr lang="en-US" sz="2000" b="1" dirty="0">
-                        <a:solidFill>
-                          <a:srgbClr val="FF0000"/>
-                        </a:solidFill>
-                        <a:latin typeface="Times New Roman" pitchFamily="18" charset="0"/>
-                        <a:cs typeface="Times New Roman" pitchFamily="18" charset="0"/>
-                      </a:endParaRPr>
                     </a:p>
                   </a:txBody>
                   <a:tcPr/>
                 </a:tc>
+                <a:extLst>
+                  <a:ext uri="{0D108BD9-81ED-4DB2-BD59-A6C34878D82A}">
+                    <a16:rowId xmlns:a16="http://schemas.microsoft.com/office/drawing/2014/main" val="10002"/>
+                  </a:ext>
+                </a:extLst>
               </a:tr>
             </a:tbl>
           </a:graphicData>
@@ -8625,8 +7899,20 @@
                 <a:tableStyleId>{5C22544A-7EE6-4342-B048-85BDC9FD1C3A}</a:tableStyleId>
               </a:tblPr>
               <a:tblGrid>
-                <a:gridCol w="2175188"/>
-                <a:gridCol w="1852526"/>
+                <a:gridCol w="2175188">
+                  <a:extLst>
+                    <a:ext uri="{9D8B030D-6E8A-4147-A177-3AD203B41FA5}">
+                      <a16:colId xmlns:a16="http://schemas.microsoft.com/office/drawing/2014/main" val="20000"/>
+                    </a:ext>
+                  </a:extLst>
+                </a:gridCol>
+                <a:gridCol w="1852526">
+                  <a:extLst>
+                    <a:ext uri="{9D8B030D-6E8A-4147-A177-3AD203B41FA5}">
+                      <a16:colId xmlns:a16="http://schemas.microsoft.com/office/drawing/2014/main" val="20001"/>
+                    </a:ext>
+                  </a:extLst>
+                </a:gridCol>
               </a:tblGrid>
               <a:tr h="364124">
                 <a:tc gridSpan="2">
@@ -8636,14 +7922,14 @@
                     <a:p>
                       <a:pPr algn="ctr"/>
                       <a:r>
-                        <a:rPr lang="en-US" sz="2000" dirty="0" smtClean="0">
+                        <a:rPr lang="en-US" sz="2000" dirty="0">
                           <a:latin typeface="Times New Roman" pitchFamily="18" charset="0"/>
                           <a:cs typeface="Times New Roman" pitchFamily="18" charset="0"/>
                         </a:rPr>
                         <a:t>Multiple</a:t>
                       </a:r>
                       <a:r>
-                        <a:rPr lang="en-US" sz="2000" baseline="0" dirty="0" smtClean="0">
+                        <a:rPr lang="en-US" sz="2000" baseline="0" dirty="0">
                           <a:latin typeface="Times New Roman" pitchFamily="18" charset="0"/>
                           <a:cs typeface="Times New Roman" pitchFamily="18" charset="0"/>
                         </a:rPr>
@@ -8667,6 +7953,11 @@
                   </a:txBody>
                   <a:tcPr/>
                 </a:tc>
+                <a:extLst>
+                  <a:ext uri="{0D108BD9-81ED-4DB2-BD59-A6C34878D82A}">
+                    <a16:rowId xmlns:a16="http://schemas.microsoft.com/office/drawing/2014/main" val="10000"/>
+                  </a:ext>
+                </a:extLst>
               </a:tr>
               <a:tr h="543962">
                 <a:tc>
@@ -8675,16 +7966,12 @@
                     <a:lstStyle/>
                     <a:p>
                       <a:r>
-                        <a:rPr lang="en-US" sz="2000" b="1" dirty="0" smtClean="0">
+                        <a:rPr lang="en-US" sz="2000" b="1" dirty="0">
                           <a:latin typeface="Times New Roman" pitchFamily="18" charset="0"/>
                           <a:cs typeface="Times New Roman" pitchFamily="18" charset="0"/>
                         </a:rPr>
                         <a:t>Independent Variables</a:t>
                       </a:r>
-                      <a:endParaRPr lang="en-US" sz="2000" b="1" dirty="0">
-                        <a:latin typeface="Times New Roman" pitchFamily="18" charset="0"/>
-                        <a:cs typeface="Times New Roman" pitchFamily="18" charset="0"/>
-                      </a:endParaRPr>
                     </a:p>
                   </a:txBody>
                   <a:tcPr/>
@@ -8695,7 +7982,7 @@
                     <a:lstStyle/>
                     <a:p>
                       <a:r>
-                        <a:rPr lang="en-US" sz="2000" b="1" dirty="0" smtClean="0">
+                        <a:rPr lang="en-US" sz="2000" b="1" dirty="0">
                           <a:solidFill>
                             <a:srgbClr val="FF0000"/>
                           </a:solidFill>
@@ -8704,17 +7991,15 @@
                         </a:rPr>
                         <a:t>Metric</a:t>
                       </a:r>
-                      <a:endParaRPr lang="en-US" sz="2000" b="1" dirty="0">
-                        <a:solidFill>
-                          <a:srgbClr val="FF0000"/>
-                        </a:solidFill>
-                        <a:latin typeface="Times New Roman" pitchFamily="18" charset="0"/>
-                        <a:cs typeface="Times New Roman" pitchFamily="18" charset="0"/>
-                      </a:endParaRPr>
                     </a:p>
                   </a:txBody>
                   <a:tcPr/>
                 </a:tc>
+                <a:extLst>
+                  <a:ext uri="{0D108BD9-81ED-4DB2-BD59-A6C34878D82A}">
+                    <a16:rowId xmlns:a16="http://schemas.microsoft.com/office/drawing/2014/main" val="10001"/>
+                  </a:ext>
+                </a:extLst>
               </a:tr>
               <a:tr h="644219">
                 <a:tc>
@@ -8723,16 +8008,12 @@
                     <a:lstStyle/>
                     <a:p>
                       <a:r>
-                        <a:rPr lang="en-US" sz="2000" b="1" dirty="0" smtClean="0">
+                        <a:rPr lang="en-US" sz="2000" b="1" dirty="0">
                           <a:latin typeface="Times New Roman" pitchFamily="18" charset="0"/>
                           <a:cs typeface="Times New Roman" pitchFamily="18" charset="0"/>
                         </a:rPr>
                         <a:t>Dependent Variable</a:t>
                       </a:r>
-                      <a:endParaRPr lang="en-US" sz="2000" b="1" dirty="0">
-                        <a:latin typeface="Times New Roman" pitchFamily="18" charset="0"/>
-                        <a:cs typeface="Times New Roman" pitchFamily="18" charset="0"/>
-                      </a:endParaRPr>
                     </a:p>
                   </a:txBody>
                   <a:tcPr/>
@@ -8743,7 +8024,7 @@
                     <a:lstStyle/>
                     <a:p>
                       <a:r>
-                        <a:rPr lang="en-US" sz="2000" b="1" dirty="0" smtClean="0">
+                        <a:rPr lang="en-US" sz="2000" b="1" dirty="0">
                           <a:solidFill>
                             <a:srgbClr val="FF0000"/>
                           </a:solidFill>
@@ -8752,17 +8033,15 @@
                         </a:rPr>
                         <a:t>Metric</a:t>
                       </a:r>
-                      <a:endParaRPr lang="en-US" sz="2000" b="1" dirty="0">
-                        <a:solidFill>
-                          <a:srgbClr val="FF0000"/>
-                        </a:solidFill>
-                        <a:latin typeface="Times New Roman" pitchFamily="18" charset="0"/>
-                        <a:cs typeface="Times New Roman" pitchFamily="18" charset="0"/>
-                      </a:endParaRPr>
                     </a:p>
                   </a:txBody>
                   <a:tcPr/>
                 </a:tc>
+                <a:extLst>
+                  <a:ext uri="{0D108BD9-81ED-4DB2-BD59-A6C34878D82A}">
+                    <a16:rowId xmlns:a16="http://schemas.microsoft.com/office/drawing/2014/main" val="10002"/>
+                  </a:ext>
+                </a:extLst>
               </a:tr>
             </a:tbl>
           </a:graphicData>
@@ -8771,20 +8050,13 @@
     </p:spTree>
     <p:extLst>
       <p:ext uri="{BB962C8B-B14F-4D97-AF65-F5344CB8AC3E}">
-        <p14:creationId xmlns="" xmlns:p14="http://schemas.microsoft.com/office/powerpoint/2010/main" val="1022358337"/>
+        <p14:creationId xmlns:p14="http://schemas.microsoft.com/office/powerpoint/2010/main" val="1022358337"/>
       </p:ext>
     </p:extLst>
   </p:cSld>
   <p:clrMapOvr>
     <a:masterClrMapping/>
   </p:clrMapOvr>
-  <p:timing>
-    <p:tnLst>
-      <p:par>
-        <p:cTn id="1" dur="indefinite" restart="never" nodeType="tmRoot"/>
-      </p:par>
-    </p:tnLst>
-  </p:timing>
 </p:sld>
 </file>
 
@@ -8828,7 +8100,7 @@
           <a:lstStyle/>
           <a:p>
             <a:r>
-              <a:rPr lang="en-US" sz="4500" b="1" dirty="0" err="1" smtClean="0">
+              <a:rPr lang="en-US" sz="4500" b="1" dirty="0" err="1">
                 <a:solidFill>
                   <a:srgbClr val="FF0000"/>
                 </a:solidFill>
@@ -8838,7 +8110,7 @@
               <a:t>Discriminant</a:t>
             </a:r>
             <a:r>
-              <a:rPr lang="en-US" sz="4500" b="1" dirty="0" smtClean="0">
+              <a:rPr lang="en-US" sz="4500" b="1" dirty="0">
                 <a:solidFill>
                   <a:srgbClr val="FF0000"/>
                 </a:solidFill>
@@ -8848,7 +8120,7 @@
               <a:t> Analysis Vs Cluster Analysis</a:t>
             </a:r>
             <a:r>
-              <a:rPr lang="en-US" b="1" dirty="0" smtClean="0">
+              <a:rPr lang="en-US" b="1" dirty="0">
                 <a:latin typeface="Times New Roman" panose="02020603050405020304" pitchFamily="18" charset="0"/>
                 <a:cs typeface="Times New Roman" panose="02020603050405020304" pitchFamily="18" charset="0"/>
               </a:rPr>
@@ -8918,7 +8190,7 @@
             <a:p>
               <a:pPr algn="ctr"/>
               <a:r>
-                <a:rPr lang="en-US" sz="3400" b="1" dirty="0" smtClean="0">
+                <a:rPr lang="en-US" sz="3400" b="1" dirty="0">
                   <a:solidFill>
                     <a:schemeClr val="bg1"/>
                   </a:solidFill>
@@ -8927,13 +8199,6 @@
                 </a:rPr>
                 <a:t>Cluster Analysis</a:t>
               </a:r>
-              <a:endParaRPr lang="en-US" sz="3400" b="1" dirty="0">
-                <a:solidFill>
-                  <a:schemeClr val="bg1"/>
-                </a:solidFill>
-                <a:latin typeface="Times New Roman" panose="02020603050405020304" pitchFamily="18" charset="0"/>
-                <a:cs typeface="Times New Roman" panose="02020603050405020304" pitchFamily="18" charset="0"/>
-              </a:endParaRPr>
             </a:p>
           </p:txBody>
         </p:sp>
@@ -8992,7 +8257,7 @@
             <a:p>
               <a:pPr algn="ctr"/>
               <a:r>
-                <a:rPr lang="en-US" sz="3400" dirty="0" smtClean="0">
+                <a:rPr lang="en-US" sz="3400" dirty="0">
                   <a:solidFill>
                     <a:schemeClr val="tx1"/>
                   </a:solidFill>
@@ -9002,14 +8267,14 @@
                 <a:t>It aims to uncover groups of observations from initially</a:t>
               </a:r>
               <a:r>
-                <a:rPr lang="en-US" sz="3400" dirty="0" smtClean="0">
+                <a:rPr lang="en-US" sz="3400" dirty="0">
                   <a:latin typeface="Times New Roman" panose="02020603050405020304" pitchFamily="18" charset="0"/>
                   <a:cs typeface="Times New Roman" panose="02020603050405020304" pitchFamily="18" charset="0"/>
                 </a:rPr>
                 <a:t> </a:t>
               </a:r>
               <a:r>
-                <a:rPr lang="en-US" sz="3400" b="1" dirty="0" smtClean="0">
+                <a:rPr lang="en-US" sz="3400" b="1" dirty="0">
                   <a:solidFill>
                     <a:schemeClr val="bg1"/>
                   </a:solidFill>
@@ -9019,16 +8284,12 @@
                 <a:t>unclassified data</a:t>
               </a:r>
               <a:r>
-                <a:rPr lang="en-US" sz="3400" dirty="0" smtClean="0">
+                <a:rPr lang="en-US" sz="3400" dirty="0">
                   <a:latin typeface="Times New Roman" panose="02020603050405020304" pitchFamily="18" charset="0"/>
                   <a:cs typeface="Times New Roman" panose="02020603050405020304" pitchFamily="18" charset="0"/>
                 </a:rPr>
                 <a:t>	 </a:t>
               </a:r>
-              <a:endParaRPr lang="en-US" sz="3400" dirty="0">
-                <a:latin typeface="Times New Roman" panose="02020603050405020304" pitchFamily="18" charset="0"/>
-                <a:cs typeface="Times New Roman" panose="02020603050405020304" pitchFamily="18" charset="0"/>
-              </a:endParaRPr>
             </a:p>
           </p:txBody>
         </p:sp>
@@ -9152,7 +8413,7 @@
             <a:p>
               <a:pPr algn="ctr"/>
               <a:r>
-                <a:rPr lang="en-US" sz="3000" dirty="0" smtClean="0">
+                <a:rPr lang="en-US" sz="3000" dirty="0">
                   <a:solidFill>
                     <a:schemeClr val="tx1"/>
                   </a:solidFill>
@@ -9162,7 +8423,7 @@
                 <a:t>It works with data that is </a:t>
               </a:r>
               <a:r>
-                <a:rPr lang="en-US" sz="3000" b="1" dirty="0" smtClean="0">
+                <a:rPr lang="en-US" sz="3000" b="1" dirty="0">
                   <a:solidFill>
                     <a:srgbClr val="7030A0"/>
                   </a:solidFill>
@@ -9172,7 +8433,7 @@
                 <a:t>already classified into groups</a:t>
               </a:r>
               <a:r>
-                <a:rPr lang="en-US" sz="3000" dirty="0" smtClean="0">
+                <a:rPr lang="en-US" sz="3000" dirty="0">
                   <a:solidFill>
                     <a:schemeClr val="tx1"/>
                   </a:solidFill>
@@ -9182,7 +8443,7 @@
                 <a:t> to derive rules for classifying </a:t>
               </a:r>
               <a:r>
-                <a:rPr lang="en-US" sz="3000" b="1" dirty="0" smtClean="0">
+                <a:rPr lang="en-US" sz="3000" b="1" dirty="0">
                   <a:solidFill>
                     <a:srgbClr val="7030A0"/>
                   </a:solidFill>
@@ -9192,7 +8453,7 @@
                 <a:t>new individuals</a:t>
               </a:r>
               <a:r>
-                <a:rPr lang="en-US" sz="3000" dirty="0" smtClean="0">
+                <a:rPr lang="en-US" sz="3000" dirty="0">
                   <a:solidFill>
                     <a:schemeClr val="tx1"/>
                   </a:solidFill>
@@ -9201,13 +8462,6 @@
                 </a:rPr>
                 <a:t> on the basis of their observed variable values</a:t>
               </a:r>
-              <a:endParaRPr lang="en-US" sz="3000" dirty="0">
-                <a:solidFill>
-                  <a:schemeClr val="tx1"/>
-                </a:solidFill>
-                <a:latin typeface="Times New Roman" panose="02020603050405020304" pitchFamily="18" charset="0"/>
-                <a:cs typeface="Times New Roman" panose="02020603050405020304" pitchFamily="18" charset="0"/>
-              </a:endParaRPr>
             </a:p>
           </p:txBody>
         </p:sp>
@@ -9241,7 +8495,7 @@
               <a:defRPr/>
             </a:pPr>
             <a:r>
-              <a:rPr kumimoji="0" lang="en-US" sz="3400" b="1" i="0" u="none" strike="noStrike" kern="0" cap="none" spc="0" normalizeH="0" noProof="0" dirty="0" smtClean="0">
+              <a:rPr kumimoji="0" lang="en-US" sz="3400" b="1" i="0" u="none" strike="noStrike" kern="0" cap="none" spc="0" normalizeH="0" noProof="0" dirty="0">
                 <a:ln>
                   <a:noFill/>
                 </a:ln>
@@ -9257,28 +8511,9 @@
                 <a:latin typeface="Times New Roman" panose="02020603050405020304" pitchFamily="18" charset="0"/>
                 <a:cs typeface="Times New Roman" panose="02020603050405020304" pitchFamily="18" charset="0"/>
               </a:rPr>
-              <a:t>Statistical </a:t>
-            </a:r>
-            <a:r>
-              <a:rPr kumimoji="0" lang="en-US" sz="3400" b="1" i="0" u="none" strike="noStrike" kern="0" cap="none" spc="0" normalizeH="0" noProof="0" dirty="0" smtClean="0">
-                <a:ln>
-                  <a:noFill/>
-                </a:ln>
-                <a:solidFill>
-                  <a:schemeClr val="tx1">
-                    <a:lumMod val="75000"/>
-                    <a:lumOff val="25000"/>
-                  </a:schemeClr>
-                </a:solidFill>
-                <a:effectLst/>
-                <a:uLnTx/>
-                <a:uFillTx/>
-                <a:latin typeface="Times New Roman" panose="02020603050405020304" pitchFamily="18" charset="0"/>
-                <a:cs typeface="Times New Roman" panose="02020603050405020304" pitchFamily="18" charset="0"/>
-              </a:rPr>
-              <a:t>techniques concerned with classification are essentially of two types:  </a:t>
-            </a:r>
-            <a:endParaRPr kumimoji="0" lang="en-US" sz="3400" b="1" i="0" u="none" strike="noStrike" kern="0" cap="none" spc="0" normalizeH="0" baseline="0" noProof="0" dirty="0" smtClean="0">
+              <a:t>Statistical techniques concerned with classification are essentially of two types:  </a:t>
+            </a:r>
+            <a:endParaRPr kumimoji="0" lang="en-US" sz="3400" b="1" i="0" u="none" strike="noStrike" kern="0" cap="none" spc="0" normalizeH="0" baseline="0" noProof="0" dirty="0">
               <a:ln>
                 <a:noFill/>
               </a:ln>
@@ -9319,14 +8554,14 @@
           <a:lstStyle/>
           <a:p>
             <a:r>
-              <a:rPr lang="en-US" sz="3400" b="1" dirty="0" smtClean="0">
+              <a:rPr lang="en-US" sz="3400" b="1" dirty="0">
                 <a:latin typeface="Times New Roman" panose="02020603050405020304" pitchFamily="18" charset="0"/>
                 <a:cs typeface="Times New Roman" panose="02020603050405020304" pitchFamily="18" charset="0"/>
               </a:rPr>
               <a:t>     </a:t>
             </a:r>
             <a:r>
-              <a:rPr lang="en-US" sz="3400" b="1" dirty="0" err="1" smtClean="0">
+              <a:rPr lang="en-US" sz="3400" b="1" dirty="0" err="1">
                 <a:solidFill>
                   <a:schemeClr val="bg1"/>
                 </a:solidFill>
@@ -9336,7 +8571,7 @@
               <a:t>Discriminant</a:t>
             </a:r>
             <a:r>
-              <a:rPr lang="en-US" sz="3400" b="1" dirty="0" smtClean="0">
+              <a:rPr lang="en-US" sz="3400" b="1" dirty="0">
                 <a:solidFill>
                   <a:schemeClr val="bg1"/>
                 </a:solidFill>
@@ -9358,7 +8593,7 @@
     </p:spTree>
     <p:extLst>
       <p:ext uri="{BB962C8B-B14F-4D97-AF65-F5344CB8AC3E}">
-        <p14:creationId xmlns="" xmlns:p14="http://schemas.microsoft.com/office/powerpoint/2010/main" val="1172568731"/>
+        <p14:creationId xmlns:p14="http://schemas.microsoft.com/office/powerpoint/2010/main" val="1172568731"/>
       </p:ext>
     </p:extLst>
   </p:cSld>
@@ -9368,13 +8603,6 @@
   <p:transition spd="slow">
     <p:push dir="u"/>
   </p:transition>
-  <p:timing>
-    <p:tnLst>
-      <p:par>
-        <p:cTn id="1" dur="indefinite" restart="never" nodeType="tmRoot"/>
-      </p:par>
-    </p:tnLst>
-  </p:timing>
 </p:sld>
 </file>
 
